--- a/Groep-21_Presentatie.pptx
+++ b/Groep-21_Presentatie.pptx
@@ -2,20 +2,25 @@
 <file path=ppt/presentation.xml><?xml version="1.0" encoding="utf-8"?>
 <p:presentation xmlns:a="http://schemas.openxmlformats.org/drawingml/2006/main" xmlns:r="http://schemas.openxmlformats.org/officeDocument/2006/relationships" xmlns:p="http://schemas.openxmlformats.org/presentationml/2006/main" saveSubsetFonts="1">
   <p:sldMasterIdLst>
-    <p:sldMasterId id="2147483648" r:id="rId1"/>
+    <p:sldMasterId id="2147483678" r:id="rId1"/>
   </p:sldMasterIdLst>
   <p:sldIdLst>
     <p:sldId id="256" r:id="rId2"/>
     <p:sldId id="257" r:id="rId3"/>
     <p:sldId id="258" r:id="rId4"/>
+    <p:sldId id="259" r:id="rId5"/>
+    <p:sldId id="260" r:id="rId6"/>
+    <p:sldId id="261" r:id="rId7"/>
+    <p:sldId id="262" r:id="rId8"/>
+    <p:sldId id="263" r:id="rId9"/>
   </p:sldIdLst>
   <p:sldSz cx="12192000" cy="6858000"/>
   <p:notesSz cx="6858000" cy="9144000"/>
   <p:defaultTextStyle>
     <a:defPPr>
-      <a:defRPr lang="en-BE"/>
+      <a:defRPr lang="en-US"/>
     </a:defPPr>
-    <a:lvl1pPr marL="0" algn="l" defTabSz="914400" rtl="0" eaLnBrk="1" latinLnBrk="0" hangingPunct="1">
+    <a:lvl1pPr marL="0" algn="l" defTabSz="457200" rtl="0" eaLnBrk="1" latinLnBrk="0" hangingPunct="1">
       <a:defRPr sz="1800" kern="1200">
         <a:solidFill>
           <a:schemeClr val="tx1"/>
@@ -25,7 +30,7 @@
         <a:cs typeface="+mn-cs"/>
       </a:defRPr>
     </a:lvl1pPr>
-    <a:lvl2pPr marL="457200" algn="l" defTabSz="914400" rtl="0" eaLnBrk="1" latinLnBrk="0" hangingPunct="1">
+    <a:lvl2pPr marL="457200" algn="l" defTabSz="457200" rtl="0" eaLnBrk="1" latinLnBrk="0" hangingPunct="1">
       <a:defRPr sz="1800" kern="1200">
         <a:solidFill>
           <a:schemeClr val="tx1"/>
@@ -35,7 +40,7 @@
         <a:cs typeface="+mn-cs"/>
       </a:defRPr>
     </a:lvl2pPr>
-    <a:lvl3pPr marL="914400" algn="l" defTabSz="914400" rtl="0" eaLnBrk="1" latinLnBrk="0" hangingPunct="1">
+    <a:lvl3pPr marL="914400" algn="l" defTabSz="457200" rtl="0" eaLnBrk="1" latinLnBrk="0" hangingPunct="1">
       <a:defRPr sz="1800" kern="1200">
         <a:solidFill>
           <a:schemeClr val="tx1"/>
@@ -45,7 +50,7 @@
         <a:cs typeface="+mn-cs"/>
       </a:defRPr>
     </a:lvl3pPr>
-    <a:lvl4pPr marL="1371600" algn="l" defTabSz="914400" rtl="0" eaLnBrk="1" latinLnBrk="0" hangingPunct="1">
+    <a:lvl4pPr marL="1371600" algn="l" defTabSz="457200" rtl="0" eaLnBrk="1" latinLnBrk="0" hangingPunct="1">
       <a:defRPr sz="1800" kern="1200">
         <a:solidFill>
           <a:schemeClr val="tx1"/>
@@ -55,7 +60,7 @@
         <a:cs typeface="+mn-cs"/>
       </a:defRPr>
     </a:lvl4pPr>
-    <a:lvl5pPr marL="1828800" algn="l" defTabSz="914400" rtl="0" eaLnBrk="1" latinLnBrk="0" hangingPunct="1">
+    <a:lvl5pPr marL="1828800" algn="l" defTabSz="457200" rtl="0" eaLnBrk="1" latinLnBrk="0" hangingPunct="1">
       <a:defRPr sz="1800" kern="1200">
         <a:solidFill>
           <a:schemeClr val="tx1"/>
@@ -65,7 +70,7 @@
         <a:cs typeface="+mn-cs"/>
       </a:defRPr>
     </a:lvl5pPr>
-    <a:lvl6pPr marL="2286000" algn="l" defTabSz="914400" rtl="0" eaLnBrk="1" latinLnBrk="0" hangingPunct="1">
+    <a:lvl6pPr marL="2286000" algn="l" defTabSz="457200" rtl="0" eaLnBrk="1" latinLnBrk="0" hangingPunct="1">
       <a:defRPr sz="1800" kern="1200">
         <a:solidFill>
           <a:schemeClr val="tx1"/>
@@ -75,7 +80,7 @@
         <a:cs typeface="+mn-cs"/>
       </a:defRPr>
     </a:lvl6pPr>
-    <a:lvl7pPr marL="2743200" algn="l" defTabSz="914400" rtl="0" eaLnBrk="1" latinLnBrk="0" hangingPunct="1">
+    <a:lvl7pPr marL="2743200" algn="l" defTabSz="457200" rtl="0" eaLnBrk="1" latinLnBrk="0" hangingPunct="1">
       <a:defRPr sz="1800" kern="1200">
         <a:solidFill>
           <a:schemeClr val="tx1"/>
@@ -85,7 +90,7 @@
         <a:cs typeface="+mn-cs"/>
       </a:defRPr>
     </a:lvl7pPr>
-    <a:lvl8pPr marL="3200400" algn="l" defTabSz="914400" rtl="0" eaLnBrk="1" latinLnBrk="0" hangingPunct="1">
+    <a:lvl8pPr marL="3200400" algn="l" defTabSz="457200" rtl="0" eaLnBrk="1" latinLnBrk="0" hangingPunct="1">
       <a:defRPr sz="1800" kern="1200">
         <a:solidFill>
           <a:schemeClr val="tx1"/>
@@ -95,7 +100,7 @@
         <a:cs typeface="+mn-cs"/>
       </a:defRPr>
     </a:lvl8pPr>
-    <a:lvl9pPr marL="3657600" algn="l" defTabSz="914400" rtl="0" eaLnBrk="1" latinLnBrk="0" hangingPunct="1">
+    <a:lvl9pPr marL="3657600" algn="l" defTabSz="457200" rtl="0" eaLnBrk="1" latinLnBrk="0" hangingPunct="1">
       <a:defRPr sz="1800" kern="1200">
         <a:solidFill>
           <a:schemeClr val="tx1"/>
@@ -106,6 +111,11 @@
       </a:defRPr>
     </a:lvl9pPr>
   </p:defaultTextStyle>
+  <p:extLst>
+    <p:ext uri="{EFAFB233-063F-42B5-8137-9DF3F51BA10A}">
+      <p15:sldGuideLst xmlns:p15="http://schemas.microsoft.com/office/powerpoint/2012/main"/>
+    </p:ext>
+  </p:extLst>
 </p:presentation>
 </file>
 
@@ -126,15 +136,148 @@
           <a:chExt cx="0" cy="0"/>
         </a:xfrm>
       </p:grpSpPr>
-      <p:sp>
-        <p:nvSpPr>
-          <p:cNvPr id="2" name="Titel 1">
+      <p:pic>
+        <p:nvPicPr>
+          <p:cNvPr id="7" name="Picture 6" descr="HD-ShadowLong.png"/>
+          <p:cNvPicPr>
+            <a:picLocks noChangeAspect="1"/>
+          </p:cNvPicPr>
+          <p:nvPr/>
+        </p:nvPicPr>
+        <p:blipFill>
+          <a:blip r:embed="rId2">
             <a:extLst>
-              <a:ext uri="{FF2B5EF4-FFF2-40B4-BE49-F238E27FC236}">
-                <a16:creationId xmlns:a16="http://schemas.microsoft.com/office/drawing/2014/main" id="{A0C9C447-E383-EF0E-997F-BBF25457E5A9}"/>
+              <a:ext uri="{28A0092B-C50C-407E-A947-70E740481C1C}">
+                <a14:useLocalDpi xmlns:a14="http://schemas.microsoft.com/office/drawing/2010/main" val="0"/>
               </a:ext>
             </a:extLst>
-          </p:cNvPr>
+          </a:blip>
+          <a:stretch>
+            <a:fillRect/>
+          </a:stretch>
+        </p:blipFill>
+        <p:spPr>
+          <a:xfrm>
+            <a:off x="1" y="4242851"/>
+            <a:ext cx="8968084" cy="275942"/>
+          </a:xfrm>
+          <a:prstGeom prst="rect">
+            <a:avLst/>
+          </a:prstGeom>
+        </p:spPr>
+      </p:pic>
+      <p:pic>
+        <p:nvPicPr>
+          <p:cNvPr id="8" name="Picture 7" descr="HD-ShadowShort.png"/>
+          <p:cNvPicPr>
+            <a:picLocks noChangeAspect="1"/>
+          </p:cNvPicPr>
+          <p:nvPr/>
+        </p:nvPicPr>
+        <p:blipFill>
+          <a:blip r:embed="rId3">
+            <a:extLst>
+              <a:ext uri="{28A0092B-C50C-407E-A947-70E740481C1C}">
+                <a14:useLocalDpi xmlns:a14="http://schemas.microsoft.com/office/drawing/2010/main" val="0"/>
+              </a:ext>
+            </a:extLst>
+          </a:blip>
+          <a:stretch>
+            <a:fillRect/>
+          </a:stretch>
+        </p:blipFill>
+        <p:spPr>
+          <a:xfrm>
+            <a:off x="9111716" y="4243845"/>
+            <a:ext cx="3077108" cy="276940"/>
+          </a:xfrm>
+          <a:prstGeom prst="rect">
+            <a:avLst/>
+          </a:prstGeom>
+        </p:spPr>
+      </p:pic>
+      <p:sp>
+        <p:nvSpPr>
+          <p:cNvPr id="9" name="Rectangle 8"/>
+          <p:cNvSpPr/>
+          <p:nvPr/>
+        </p:nvSpPr>
+        <p:spPr bwMode="ltGray">
+          <a:xfrm>
+            <a:off x="0" y="2590078"/>
+            <a:ext cx="8968085" cy="1660332"/>
+          </a:xfrm>
+          <a:prstGeom prst="rect">
+            <a:avLst/>
+          </a:prstGeom>
+          <a:solidFill>
+            <a:schemeClr val="bg1">
+              <a:lumMod val="85000"/>
+              <a:lumOff val="15000"/>
+            </a:schemeClr>
+          </a:solidFill>
+          <a:ln>
+            <a:noFill/>
+          </a:ln>
+        </p:spPr>
+        <p:style>
+          <a:lnRef idx="2">
+            <a:schemeClr val="accent1">
+              <a:shade val="50000"/>
+            </a:schemeClr>
+          </a:lnRef>
+          <a:fillRef idx="1">
+            <a:schemeClr val="accent1"/>
+          </a:fillRef>
+          <a:effectRef idx="0">
+            <a:schemeClr val="accent1"/>
+          </a:effectRef>
+          <a:fontRef idx="minor">
+            <a:schemeClr val="lt1"/>
+          </a:fontRef>
+        </p:style>
+      </p:sp>
+      <p:sp>
+        <p:nvSpPr>
+          <p:cNvPr id="10" name="Rectangle 9"/>
+          <p:cNvSpPr/>
+          <p:nvPr/>
+        </p:nvSpPr>
+        <p:spPr>
+          <a:xfrm>
+            <a:off x="9111715" y="2590078"/>
+            <a:ext cx="3077109" cy="1660332"/>
+          </a:xfrm>
+          <a:prstGeom prst="rect">
+            <a:avLst/>
+          </a:prstGeom>
+          <a:solidFill>
+            <a:schemeClr val="accent1"/>
+          </a:solidFill>
+          <a:ln>
+            <a:noFill/>
+          </a:ln>
+        </p:spPr>
+        <p:style>
+          <a:lnRef idx="2">
+            <a:schemeClr val="accent1">
+              <a:shade val="50000"/>
+            </a:schemeClr>
+          </a:lnRef>
+          <a:fillRef idx="1">
+            <a:schemeClr val="accent1"/>
+          </a:fillRef>
+          <a:effectRef idx="0">
+            <a:schemeClr val="accent1"/>
+          </a:effectRef>
+          <a:fontRef idx="minor">
+            <a:schemeClr val="lt1"/>
+          </a:fontRef>
+        </p:style>
+      </p:sp>
+      <p:sp>
+        <p:nvSpPr>
+          <p:cNvPr id="2" name="Title 1"/>
           <p:cNvSpPr>
             <a:spLocks noGrp="1"/>
           </p:cNvSpPr>
@@ -144,15 +287,17 @@
         </p:nvSpPr>
         <p:spPr>
           <a:xfrm>
-            <a:off x="1524000" y="1122363"/>
-            <a:ext cx="9144000" cy="2387600"/>
-          </a:xfrm>
-        </p:spPr>
-        <p:txBody>
-          <a:bodyPr anchor="b"/>
+            <a:off x="680322" y="2733709"/>
+            <a:ext cx="8144134" cy="1373070"/>
+          </a:xfrm>
+        </p:spPr>
+        <p:txBody>
+          <a:bodyPr anchor="b">
+            <a:noAutofit/>
+          </a:bodyPr>
           <a:lstStyle>
-            <a:lvl1pPr algn="ctr">
-              <a:defRPr sz="6000"/>
+            <a:lvl1pPr algn="r">
+              <a:defRPr sz="5400"/>
             </a:lvl1pPr>
           </a:lstStyle>
           <a:p>
@@ -160,19 +305,13 @@
               <a:rPr lang="nl-NL"/>
               <a:t>Klik om stijl te bewerken</a:t>
             </a:r>
-            <a:endParaRPr lang="en-BE"/>
-          </a:p>
-        </p:txBody>
-      </p:sp>
-      <p:sp>
-        <p:nvSpPr>
-          <p:cNvPr id="3" name="Ondertitel 2">
-            <a:extLst>
-              <a:ext uri="{FF2B5EF4-FFF2-40B4-BE49-F238E27FC236}">
-                <a16:creationId xmlns:a16="http://schemas.microsoft.com/office/drawing/2014/main" id="{3DB0FAE8-5C9E-96E2-15D0-984DF7B81697}"/>
-              </a:ext>
-            </a:extLst>
-          </p:cNvPr>
+            <a:endParaRPr lang="en-US" dirty="0"/>
+          </a:p>
+        </p:txBody>
+      </p:sp>
+      <p:sp>
+        <p:nvSpPr>
+          <p:cNvPr id="3" name="Subtitle 2"/>
           <p:cNvSpPr>
             <a:spLocks noGrp="1"/>
           </p:cNvSpPr>
@@ -182,16 +321,18 @@
         </p:nvSpPr>
         <p:spPr>
           <a:xfrm>
-            <a:off x="1524000" y="3602038"/>
-            <a:ext cx="9144000" cy="1655762"/>
-          </a:xfrm>
-        </p:spPr>
-        <p:txBody>
-          <a:bodyPr/>
+            <a:off x="680322" y="4394039"/>
+            <a:ext cx="8144134" cy="1117687"/>
+          </a:xfrm>
+        </p:spPr>
+        <p:txBody>
+          <a:bodyPr>
+            <a:normAutofit/>
+          </a:bodyPr>
           <a:lstStyle>
-            <a:lvl1pPr marL="0" indent="0" algn="ctr">
-              <a:buNone/>
-              <a:defRPr sz="2400"/>
+            <a:lvl1pPr marL="0" indent="0" algn="r">
+              <a:buNone/>
+              <a:defRPr sz="2000"/>
             </a:lvl1pPr>
             <a:lvl2pPr marL="457200" indent="0" algn="ctr">
               <a:buNone/>
@@ -231,19 +372,13 @@
               <a:rPr lang="nl-NL"/>
               <a:t>Klikken om de ondertitelstijl van het model te bewerken</a:t>
             </a:r>
-            <a:endParaRPr lang="en-BE"/>
-          </a:p>
-        </p:txBody>
-      </p:sp>
-      <p:sp>
-        <p:nvSpPr>
-          <p:cNvPr id="4" name="Tijdelijke aanduiding voor datum 3">
-            <a:extLst>
-              <a:ext uri="{FF2B5EF4-FFF2-40B4-BE49-F238E27FC236}">
-                <a16:creationId xmlns:a16="http://schemas.microsoft.com/office/drawing/2014/main" id="{B43983E9-C110-6007-86E6-0DEF65BAE577}"/>
-              </a:ext>
-            </a:extLst>
-          </p:cNvPr>
+            <a:endParaRPr lang="en-US" dirty="0"/>
+          </a:p>
+        </p:txBody>
+      </p:sp>
+      <p:sp>
+        <p:nvSpPr>
+          <p:cNvPr id="4" name="Date Placeholder 3"/>
           <p:cNvSpPr>
             <a:spLocks noGrp="1"/>
           </p:cNvSpPr>
@@ -258,7 +393,7 @@
           <a:p>
             <a:fld id="{6D86DAEC-DC0F-4D08-909B-E4E2116F45D8}" type="datetimeFigureOut">
               <a:rPr lang="en-BE" smtClean="0"/>
-              <a:t>21/04/2023</a:t>
+              <a:t>04/21/2023</a:t>
             </a:fld>
             <a:endParaRPr lang="en-BE"/>
           </a:p>
@@ -266,13 +401,7 @@
       </p:sp>
       <p:sp>
         <p:nvSpPr>
-          <p:cNvPr id="5" name="Tijdelijke aanduiding voor voettekst 4">
-            <a:extLst>
-              <a:ext uri="{FF2B5EF4-FFF2-40B4-BE49-F238E27FC236}">
-                <a16:creationId xmlns:a16="http://schemas.microsoft.com/office/drawing/2014/main" id="{61F9DAE4-28EC-5183-C03D-89E20217CC67}"/>
-              </a:ext>
-            </a:extLst>
-          </p:cNvPr>
+          <p:cNvPr id="5" name="Footer Placeholder 4"/>
           <p:cNvSpPr>
             <a:spLocks noGrp="1"/>
           </p:cNvSpPr>
@@ -291,13 +420,7 @@
       </p:sp>
       <p:sp>
         <p:nvSpPr>
-          <p:cNvPr id="6" name="Tijdelijke aanduiding voor dianummer 5">
-            <a:extLst>
-              <a:ext uri="{FF2B5EF4-FFF2-40B4-BE49-F238E27FC236}">
-                <a16:creationId xmlns:a16="http://schemas.microsoft.com/office/drawing/2014/main" id="{54AD7EB6-7468-BBE3-881D-FCBF43171053}"/>
-              </a:ext>
-            </a:extLst>
-          </p:cNvPr>
+          <p:cNvPr id="6" name="Slide Number Placeholder 5"/>
           <p:cNvSpPr>
             <a:spLocks noGrp="1"/>
           </p:cNvSpPr>
@@ -305,7 +428,12 @@
             <p:ph type="sldNum" sz="quarter" idx="12"/>
           </p:nvPr>
         </p:nvSpPr>
-        <p:spPr/>
+        <p:spPr>
+          <a:xfrm>
+            <a:off x="9255346" y="2750337"/>
+            <a:ext cx="1171888" cy="1356442"/>
+          </a:xfrm>
+        </p:spPr>
         <p:txBody>
           <a:bodyPr/>
           <a:lstStyle/>
@@ -321,7 +449,7 @@
     </p:spTree>
     <p:extLst>
       <p:ext uri="{BB962C8B-B14F-4D97-AF65-F5344CB8AC3E}">
-        <p14:creationId xmlns:p14="http://schemas.microsoft.com/office/powerpoint/2010/main" val="2457695820"/>
+        <p14:creationId xmlns:p14="http://schemas.microsoft.com/office/powerpoint/2010/main" val="4214894819"/>
       </p:ext>
     </p:extLst>
   </p:cSld>
@@ -332,6 +460,3318 @@
 </file>
 
 <file path=ppt/slideLayouts/slideLayout10.xml><?xml version="1.0" encoding="utf-8"?>
+<p:sldLayout xmlns:a="http://schemas.openxmlformats.org/drawingml/2006/main" xmlns:r="http://schemas.openxmlformats.org/officeDocument/2006/relationships" xmlns:p="http://schemas.openxmlformats.org/presentationml/2006/main" preserve="1">
+  <p:cSld name="Panoramische afbeelding met bijschrift">
+    <p:spTree>
+      <p:nvGrpSpPr>
+        <p:cNvPr id="1" name=""/>
+        <p:cNvGrpSpPr/>
+        <p:nvPr/>
+      </p:nvGrpSpPr>
+      <p:grpSpPr>
+        <a:xfrm>
+          <a:off x="0" y="0"/>
+          <a:ext cx="0" cy="0"/>
+          <a:chOff x="0" y="0"/>
+          <a:chExt cx="0" cy="0"/>
+        </a:xfrm>
+      </p:grpSpPr>
+      <p:pic>
+        <p:nvPicPr>
+          <p:cNvPr id="8" name="Picture 7" descr="HD-ShadowLong.png"/>
+          <p:cNvPicPr>
+            <a:picLocks noChangeAspect="1"/>
+          </p:cNvPicPr>
+          <p:nvPr/>
+        </p:nvPicPr>
+        <p:blipFill>
+          <a:blip r:embed="rId2">
+            <a:extLst>
+              <a:ext uri="{28A0092B-C50C-407E-A947-70E740481C1C}">
+                <a14:useLocalDpi xmlns:a14="http://schemas.microsoft.com/office/drawing/2010/main" val="0"/>
+              </a:ext>
+            </a:extLst>
+          </a:blip>
+          <a:stretch>
+            <a:fillRect/>
+          </a:stretch>
+        </p:blipFill>
+        <p:spPr>
+          <a:xfrm>
+            <a:off x="1" y="5928628"/>
+            <a:ext cx="10437812" cy="321164"/>
+          </a:xfrm>
+          <a:prstGeom prst="rect">
+            <a:avLst/>
+          </a:prstGeom>
+        </p:spPr>
+      </p:pic>
+      <p:pic>
+        <p:nvPicPr>
+          <p:cNvPr id="9" name="Picture 8" descr="HD-ShadowShort.png"/>
+          <p:cNvPicPr>
+            <a:picLocks noChangeAspect="1"/>
+          </p:cNvPicPr>
+          <p:nvPr/>
+        </p:nvPicPr>
+        <p:blipFill>
+          <a:blip r:embed="rId3">
+            <a:extLst>
+              <a:ext uri="{28A0092B-C50C-407E-A947-70E740481C1C}">
+                <a14:useLocalDpi xmlns:a14="http://schemas.microsoft.com/office/drawing/2010/main" val="0"/>
+              </a:ext>
+            </a:extLst>
+          </a:blip>
+          <a:stretch>
+            <a:fillRect/>
+          </a:stretch>
+        </p:blipFill>
+        <p:spPr>
+          <a:xfrm>
+            <a:off x="10585826" y="5929622"/>
+            <a:ext cx="1602997" cy="144270"/>
+          </a:xfrm>
+          <a:prstGeom prst="rect">
+            <a:avLst/>
+          </a:prstGeom>
+        </p:spPr>
+      </p:pic>
+      <p:sp>
+        <p:nvSpPr>
+          <p:cNvPr id="10" name="Rectangle 9"/>
+          <p:cNvSpPr/>
+          <p:nvPr/>
+        </p:nvSpPr>
+        <p:spPr bwMode="ltGray">
+          <a:xfrm>
+            <a:off x="0" y="4567988"/>
+            <a:ext cx="10437812" cy="1368198"/>
+          </a:xfrm>
+          <a:prstGeom prst="rect">
+            <a:avLst/>
+          </a:prstGeom>
+          <a:solidFill>
+            <a:schemeClr val="bg1">
+              <a:lumMod val="85000"/>
+              <a:lumOff val="15000"/>
+            </a:schemeClr>
+          </a:solidFill>
+          <a:ln>
+            <a:noFill/>
+          </a:ln>
+        </p:spPr>
+        <p:style>
+          <a:lnRef idx="2">
+            <a:schemeClr val="accent1">
+              <a:shade val="50000"/>
+            </a:schemeClr>
+          </a:lnRef>
+          <a:fillRef idx="1">
+            <a:schemeClr val="accent1"/>
+          </a:fillRef>
+          <a:effectRef idx="0">
+            <a:schemeClr val="accent1"/>
+          </a:effectRef>
+          <a:fontRef idx="minor">
+            <a:schemeClr val="lt1"/>
+          </a:fontRef>
+        </p:style>
+      </p:sp>
+      <p:sp>
+        <p:nvSpPr>
+          <p:cNvPr id="11" name="Rectangle 10"/>
+          <p:cNvSpPr/>
+          <p:nvPr/>
+        </p:nvSpPr>
+        <p:spPr>
+          <a:xfrm>
+            <a:off x="10585827" y="4567988"/>
+            <a:ext cx="1602997" cy="1368198"/>
+          </a:xfrm>
+          <a:prstGeom prst="rect">
+            <a:avLst/>
+          </a:prstGeom>
+          <a:solidFill>
+            <a:schemeClr val="accent1"/>
+          </a:solidFill>
+          <a:ln>
+            <a:noFill/>
+          </a:ln>
+        </p:spPr>
+        <p:style>
+          <a:lnRef idx="2">
+            <a:schemeClr val="accent1">
+              <a:shade val="50000"/>
+            </a:schemeClr>
+          </a:lnRef>
+          <a:fillRef idx="1">
+            <a:schemeClr val="accent1"/>
+          </a:fillRef>
+          <a:effectRef idx="0">
+            <a:schemeClr val="accent1"/>
+          </a:effectRef>
+          <a:fontRef idx="minor">
+            <a:schemeClr val="lt1"/>
+          </a:fontRef>
+        </p:style>
+      </p:sp>
+      <p:sp>
+        <p:nvSpPr>
+          <p:cNvPr id="2" name="Title 1"/>
+          <p:cNvSpPr>
+            <a:spLocks noGrp="1"/>
+          </p:cNvSpPr>
+          <p:nvPr>
+            <p:ph type="title"/>
+          </p:nvPr>
+        </p:nvSpPr>
+        <p:spPr>
+          <a:xfrm>
+            <a:off x="680322" y="4711616"/>
+            <a:ext cx="9613859" cy="453051"/>
+          </a:xfrm>
+        </p:spPr>
+        <p:txBody>
+          <a:bodyPr anchor="b">
+            <a:normAutofit/>
+          </a:bodyPr>
+          <a:lstStyle>
+            <a:lvl1pPr>
+              <a:defRPr sz="2400"/>
+            </a:lvl1pPr>
+          </a:lstStyle>
+          <a:p>
+            <a:r>
+              <a:rPr lang="nl-NL"/>
+              <a:t>Klik om stijl te bewerken</a:t>
+            </a:r>
+            <a:endParaRPr lang="en-US" dirty="0"/>
+          </a:p>
+        </p:txBody>
+      </p:sp>
+      <p:sp>
+        <p:nvSpPr>
+          <p:cNvPr id="3" name="Picture Placeholder 2"/>
+          <p:cNvSpPr>
+            <a:spLocks noGrp="1" noChangeAspect="1"/>
+          </p:cNvSpPr>
+          <p:nvPr>
+            <p:ph type="pic" idx="1"/>
+          </p:nvPr>
+        </p:nvSpPr>
+        <p:spPr>
+          <a:xfrm>
+            <a:off x="680322" y="609597"/>
+            <a:ext cx="9613859" cy="3589575"/>
+          </a:xfrm>
+          <a:noFill/>
+          <a:ln>
+            <a:noFill/>
+          </a:ln>
+          <a:effectLst>
+            <a:outerShdw blurRad="76200" dist="63500" dir="5040000" algn="tl" rotWithShape="0">
+              <a:srgbClr val="000000">
+                <a:alpha val="41000"/>
+              </a:srgbClr>
+            </a:outerShdw>
+          </a:effectLst>
+        </p:spPr>
+        <p:txBody>
+          <a:bodyPr anchor="t"/>
+          <a:lstStyle>
+            <a:lvl1pPr marL="0" indent="0">
+              <a:buNone/>
+              <a:defRPr sz="3200"/>
+            </a:lvl1pPr>
+            <a:lvl2pPr marL="457200" indent="0">
+              <a:buNone/>
+              <a:defRPr sz="2800"/>
+            </a:lvl2pPr>
+            <a:lvl3pPr marL="914400" indent="0">
+              <a:buNone/>
+              <a:defRPr sz="2400"/>
+            </a:lvl3pPr>
+            <a:lvl4pPr marL="1371600" indent="0">
+              <a:buNone/>
+              <a:defRPr sz="2000"/>
+            </a:lvl4pPr>
+            <a:lvl5pPr marL="1828800" indent="0">
+              <a:buNone/>
+              <a:defRPr sz="2000"/>
+            </a:lvl5pPr>
+            <a:lvl6pPr marL="2286000" indent="0">
+              <a:buNone/>
+              <a:defRPr sz="2000"/>
+            </a:lvl6pPr>
+            <a:lvl7pPr marL="2743200" indent="0">
+              <a:buNone/>
+              <a:defRPr sz="2000"/>
+            </a:lvl7pPr>
+            <a:lvl8pPr marL="3200400" indent="0">
+              <a:buNone/>
+              <a:defRPr sz="2000"/>
+            </a:lvl8pPr>
+            <a:lvl9pPr marL="3657600" indent="0">
+              <a:buNone/>
+              <a:defRPr sz="2000"/>
+            </a:lvl9pPr>
+          </a:lstStyle>
+          <a:p>
+            <a:r>
+              <a:rPr lang="nl-NL"/>
+              <a:t>Klik op het pictogram als u een afbeelding wilt toevoegen</a:t>
+            </a:r>
+            <a:endParaRPr lang="en-US" dirty="0"/>
+          </a:p>
+        </p:txBody>
+      </p:sp>
+      <p:sp>
+        <p:nvSpPr>
+          <p:cNvPr id="4" name="Text Placeholder 3"/>
+          <p:cNvSpPr>
+            <a:spLocks noGrp="1"/>
+          </p:cNvSpPr>
+          <p:nvPr>
+            <p:ph type="body" sz="half" idx="2"/>
+          </p:nvPr>
+        </p:nvSpPr>
+        <p:spPr>
+          <a:xfrm>
+            <a:off x="680319" y="5169583"/>
+            <a:ext cx="9613862" cy="622971"/>
+          </a:xfrm>
+        </p:spPr>
+        <p:txBody>
+          <a:bodyPr/>
+          <a:lstStyle>
+            <a:lvl1pPr marL="0" indent="0">
+              <a:buNone/>
+              <a:defRPr sz="1600"/>
+            </a:lvl1pPr>
+            <a:lvl2pPr marL="457200" indent="0">
+              <a:buNone/>
+              <a:defRPr sz="1400"/>
+            </a:lvl2pPr>
+            <a:lvl3pPr marL="914400" indent="0">
+              <a:buNone/>
+              <a:defRPr sz="1200"/>
+            </a:lvl3pPr>
+            <a:lvl4pPr marL="1371600" indent="0">
+              <a:buNone/>
+              <a:defRPr sz="1000"/>
+            </a:lvl4pPr>
+            <a:lvl5pPr marL="1828800" indent="0">
+              <a:buNone/>
+              <a:defRPr sz="1000"/>
+            </a:lvl5pPr>
+            <a:lvl6pPr marL="2286000" indent="0">
+              <a:buNone/>
+              <a:defRPr sz="1000"/>
+            </a:lvl6pPr>
+            <a:lvl7pPr marL="2743200" indent="0">
+              <a:buNone/>
+              <a:defRPr sz="1000"/>
+            </a:lvl7pPr>
+            <a:lvl8pPr marL="3200400" indent="0">
+              <a:buNone/>
+              <a:defRPr sz="1000"/>
+            </a:lvl8pPr>
+            <a:lvl9pPr marL="3657600" indent="0">
+              <a:buNone/>
+              <a:defRPr sz="1000"/>
+            </a:lvl9pPr>
+          </a:lstStyle>
+          <a:p>
+            <a:pPr lvl="0"/>
+            <a:r>
+              <a:rPr lang="nl-NL"/>
+              <a:t>Klikken om de tekststijl van het model te bewerken</a:t>
+            </a:r>
+          </a:p>
+        </p:txBody>
+      </p:sp>
+      <p:sp>
+        <p:nvSpPr>
+          <p:cNvPr id="5" name="Date Placeholder 4"/>
+          <p:cNvSpPr>
+            <a:spLocks noGrp="1"/>
+          </p:cNvSpPr>
+          <p:nvPr>
+            <p:ph type="dt" sz="half" idx="10"/>
+          </p:nvPr>
+        </p:nvSpPr>
+        <p:spPr/>
+        <p:txBody>
+          <a:bodyPr/>
+          <a:lstStyle/>
+          <a:p>
+            <a:fld id="{6D86DAEC-DC0F-4D08-909B-E4E2116F45D8}" type="datetimeFigureOut">
+              <a:rPr lang="en-BE" smtClean="0"/>
+              <a:t>04/21/2023</a:t>
+            </a:fld>
+            <a:endParaRPr lang="en-BE"/>
+          </a:p>
+        </p:txBody>
+      </p:sp>
+      <p:sp>
+        <p:nvSpPr>
+          <p:cNvPr id="6" name="Footer Placeholder 5"/>
+          <p:cNvSpPr>
+            <a:spLocks noGrp="1"/>
+          </p:cNvSpPr>
+          <p:nvPr>
+            <p:ph type="ftr" sz="quarter" idx="11"/>
+          </p:nvPr>
+        </p:nvSpPr>
+        <p:spPr/>
+        <p:txBody>
+          <a:bodyPr/>
+          <a:lstStyle/>
+          <a:p>
+            <a:endParaRPr lang="en-BE"/>
+          </a:p>
+        </p:txBody>
+      </p:sp>
+      <p:sp>
+        <p:nvSpPr>
+          <p:cNvPr id="7" name="Slide Number Placeholder 6"/>
+          <p:cNvSpPr>
+            <a:spLocks noGrp="1"/>
+          </p:cNvSpPr>
+          <p:nvPr>
+            <p:ph type="sldNum" sz="quarter" idx="12"/>
+          </p:nvPr>
+        </p:nvSpPr>
+        <p:spPr>
+          <a:xfrm>
+            <a:off x="10729455" y="4711309"/>
+            <a:ext cx="1154151" cy="1090789"/>
+          </a:xfrm>
+        </p:spPr>
+        <p:txBody>
+          <a:bodyPr/>
+          <a:lstStyle/>
+          <a:p>
+            <a:fld id="{B95D59DA-B899-4408-ACC9-A868D8EE2BAD}" type="slidenum">
+              <a:rPr lang="en-BE" smtClean="0"/>
+              <a:t>‹nr.›</a:t>
+            </a:fld>
+            <a:endParaRPr lang="en-BE"/>
+          </a:p>
+        </p:txBody>
+      </p:sp>
+    </p:spTree>
+    <p:extLst>
+      <p:ext uri="{BB962C8B-B14F-4D97-AF65-F5344CB8AC3E}">
+        <p14:creationId xmlns:p14="http://schemas.microsoft.com/office/powerpoint/2010/main" val="3937279458"/>
+      </p:ext>
+    </p:extLst>
+  </p:cSld>
+  <p:clrMapOvr>
+    <a:masterClrMapping/>
+  </p:clrMapOvr>
+</p:sldLayout>
+</file>
+
+<file path=ppt/slideLayouts/slideLayout11.xml><?xml version="1.0" encoding="utf-8"?>
+<p:sldLayout xmlns:a="http://schemas.openxmlformats.org/drawingml/2006/main" xmlns:r="http://schemas.openxmlformats.org/officeDocument/2006/relationships" xmlns:p="http://schemas.openxmlformats.org/presentationml/2006/main" preserve="1">
+  <p:cSld name="Titel en bijschrift">
+    <p:spTree>
+      <p:nvGrpSpPr>
+        <p:cNvPr id="1" name=""/>
+        <p:cNvGrpSpPr/>
+        <p:nvPr/>
+      </p:nvGrpSpPr>
+      <p:grpSpPr>
+        <a:xfrm>
+          <a:off x="0" y="0"/>
+          <a:ext cx="0" cy="0"/>
+          <a:chOff x="0" y="0"/>
+          <a:chExt cx="0" cy="0"/>
+        </a:xfrm>
+      </p:grpSpPr>
+      <p:pic>
+        <p:nvPicPr>
+          <p:cNvPr id="8" name="Picture 7" descr="HD-ShadowLong.png"/>
+          <p:cNvPicPr>
+            <a:picLocks noChangeAspect="1"/>
+          </p:cNvPicPr>
+          <p:nvPr/>
+        </p:nvPicPr>
+        <p:blipFill>
+          <a:blip r:embed="rId2">
+            <a:extLst>
+              <a:ext uri="{28A0092B-C50C-407E-A947-70E740481C1C}">
+                <a14:useLocalDpi xmlns:a14="http://schemas.microsoft.com/office/drawing/2010/main" val="0"/>
+              </a:ext>
+            </a:extLst>
+          </a:blip>
+          <a:stretch>
+            <a:fillRect/>
+          </a:stretch>
+        </p:blipFill>
+        <p:spPr>
+          <a:xfrm>
+            <a:off x="1" y="5928628"/>
+            <a:ext cx="10437812" cy="321164"/>
+          </a:xfrm>
+          <a:prstGeom prst="rect">
+            <a:avLst/>
+          </a:prstGeom>
+        </p:spPr>
+      </p:pic>
+      <p:pic>
+        <p:nvPicPr>
+          <p:cNvPr id="9" name="Picture 8" descr="HD-ShadowShort.png"/>
+          <p:cNvPicPr>
+            <a:picLocks noChangeAspect="1"/>
+          </p:cNvPicPr>
+          <p:nvPr/>
+        </p:nvPicPr>
+        <p:blipFill>
+          <a:blip r:embed="rId3">
+            <a:extLst>
+              <a:ext uri="{28A0092B-C50C-407E-A947-70E740481C1C}">
+                <a14:useLocalDpi xmlns:a14="http://schemas.microsoft.com/office/drawing/2010/main" val="0"/>
+              </a:ext>
+            </a:extLst>
+          </a:blip>
+          <a:stretch>
+            <a:fillRect/>
+          </a:stretch>
+        </p:blipFill>
+        <p:spPr>
+          <a:xfrm>
+            <a:off x="10585826" y="5929622"/>
+            <a:ext cx="1602997" cy="144270"/>
+          </a:xfrm>
+          <a:prstGeom prst="rect">
+            <a:avLst/>
+          </a:prstGeom>
+        </p:spPr>
+      </p:pic>
+      <p:sp>
+        <p:nvSpPr>
+          <p:cNvPr id="10" name="Rectangle 9"/>
+          <p:cNvSpPr/>
+          <p:nvPr/>
+        </p:nvSpPr>
+        <p:spPr bwMode="ltGray">
+          <a:xfrm>
+            <a:off x="0" y="4567988"/>
+            <a:ext cx="10437812" cy="1368198"/>
+          </a:xfrm>
+          <a:prstGeom prst="rect">
+            <a:avLst/>
+          </a:prstGeom>
+          <a:solidFill>
+            <a:schemeClr val="bg1">
+              <a:lumMod val="85000"/>
+              <a:lumOff val="15000"/>
+            </a:schemeClr>
+          </a:solidFill>
+          <a:ln>
+            <a:noFill/>
+          </a:ln>
+        </p:spPr>
+        <p:style>
+          <a:lnRef idx="2">
+            <a:schemeClr val="accent1">
+              <a:shade val="50000"/>
+            </a:schemeClr>
+          </a:lnRef>
+          <a:fillRef idx="1">
+            <a:schemeClr val="accent1"/>
+          </a:fillRef>
+          <a:effectRef idx="0">
+            <a:schemeClr val="accent1"/>
+          </a:effectRef>
+          <a:fontRef idx="minor">
+            <a:schemeClr val="lt1"/>
+          </a:fontRef>
+        </p:style>
+      </p:sp>
+      <p:sp>
+        <p:nvSpPr>
+          <p:cNvPr id="11" name="Rectangle 10"/>
+          <p:cNvSpPr/>
+          <p:nvPr/>
+        </p:nvSpPr>
+        <p:spPr>
+          <a:xfrm>
+            <a:off x="10585827" y="4567988"/>
+            <a:ext cx="1602997" cy="1368198"/>
+          </a:xfrm>
+          <a:prstGeom prst="rect">
+            <a:avLst/>
+          </a:prstGeom>
+          <a:solidFill>
+            <a:schemeClr val="accent1"/>
+          </a:solidFill>
+          <a:ln>
+            <a:noFill/>
+          </a:ln>
+        </p:spPr>
+        <p:style>
+          <a:lnRef idx="2">
+            <a:schemeClr val="accent1">
+              <a:shade val="50000"/>
+            </a:schemeClr>
+          </a:lnRef>
+          <a:fillRef idx="1">
+            <a:schemeClr val="accent1"/>
+          </a:fillRef>
+          <a:effectRef idx="0">
+            <a:schemeClr val="accent1"/>
+          </a:effectRef>
+          <a:fontRef idx="minor">
+            <a:schemeClr val="lt1"/>
+          </a:fontRef>
+        </p:style>
+      </p:sp>
+      <p:sp>
+        <p:nvSpPr>
+          <p:cNvPr id="2" name="Title 1"/>
+          <p:cNvSpPr>
+            <a:spLocks noGrp="1"/>
+          </p:cNvSpPr>
+          <p:nvPr>
+            <p:ph type="title"/>
+          </p:nvPr>
+        </p:nvSpPr>
+        <p:spPr>
+          <a:xfrm>
+            <a:off x="680322" y="609597"/>
+            <a:ext cx="9613858" cy="3592750"/>
+          </a:xfrm>
+        </p:spPr>
+        <p:txBody>
+          <a:bodyPr anchor="ctr"/>
+          <a:lstStyle>
+            <a:lvl1pPr>
+              <a:defRPr sz="3200"/>
+            </a:lvl1pPr>
+          </a:lstStyle>
+          <a:p>
+            <a:r>
+              <a:rPr lang="nl-NL"/>
+              <a:t>Klik om stijl te bewerken</a:t>
+            </a:r>
+            <a:endParaRPr lang="en-US" dirty="0"/>
+          </a:p>
+        </p:txBody>
+      </p:sp>
+      <p:sp>
+        <p:nvSpPr>
+          <p:cNvPr id="4" name="Text Placeholder 3"/>
+          <p:cNvSpPr>
+            <a:spLocks noGrp="1"/>
+          </p:cNvSpPr>
+          <p:nvPr>
+            <p:ph type="body" sz="half" idx="2"/>
+          </p:nvPr>
+        </p:nvSpPr>
+        <p:spPr>
+          <a:xfrm>
+            <a:off x="680322" y="4711615"/>
+            <a:ext cx="9613859" cy="1090789"/>
+          </a:xfrm>
+        </p:spPr>
+        <p:txBody>
+          <a:bodyPr anchor="ctr"/>
+          <a:lstStyle>
+            <a:lvl1pPr marL="0" indent="0">
+              <a:buNone/>
+              <a:defRPr sz="1600"/>
+            </a:lvl1pPr>
+            <a:lvl2pPr marL="457200" indent="0">
+              <a:buNone/>
+              <a:defRPr sz="1400"/>
+            </a:lvl2pPr>
+            <a:lvl3pPr marL="914400" indent="0">
+              <a:buNone/>
+              <a:defRPr sz="1200"/>
+            </a:lvl3pPr>
+            <a:lvl4pPr marL="1371600" indent="0">
+              <a:buNone/>
+              <a:defRPr sz="1000"/>
+            </a:lvl4pPr>
+            <a:lvl5pPr marL="1828800" indent="0">
+              <a:buNone/>
+              <a:defRPr sz="1000"/>
+            </a:lvl5pPr>
+            <a:lvl6pPr marL="2286000" indent="0">
+              <a:buNone/>
+              <a:defRPr sz="1000"/>
+            </a:lvl6pPr>
+            <a:lvl7pPr marL="2743200" indent="0">
+              <a:buNone/>
+              <a:defRPr sz="1000"/>
+            </a:lvl7pPr>
+            <a:lvl8pPr marL="3200400" indent="0">
+              <a:buNone/>
+              <a:defRPr sz="1000"/>
+            </a:lvl8pPr>
+            <a:lvl9pPr marL="3657600" indent="0">
+              <a:buNone/>
+              <a:defRPr sz="1000"/>
+            </a:lvl9pPr>
+          </a:lstStyle>
+          <a:p>
+            <a:pPr lvl="0"/>
+            <a:r>
+              <a:rPr lang="nl-NL"/>
+              <a:t>Klikken om de tekststijl van het model te bewerken</a:t>
+            </a:r>
+          </a:p>
+        </p:txBody>
+      </p:sp>
+      <p:sp>
+        <p:nvSpPr>
+          <p:cNvPr id="5" name="Date Placeholder 4"/>
+          <p:cNvSpPr>
+            <a:spLocks noGrp="1"/>
+          </p:cNvSpPr>
+          <p:nvPr>
+            <p:ph type="dt" sz="half" idx="10"/>
+          </p:nvPr>
+        </p:nvSpPr>
+        <p:spPr/>
+        <p:txBody>
+          <a:bodyPr/>
+          <a:lstStyle/>
+          <a:p>
+            <a:fld id="{6D86DAEC-DC0F-4D08-909B-E4E2116F45D8}" type="datetimeFigureOut">
+              <a:rPr lang="en-BE" smtClean="0"/>
+              <a:t>04/21/2023</a:t>
+            </a:fld>
+            <a:endParaRPr lang="en-BE"/>
+          </a:p>
+        </p:txBody>
+      </p:sp>
+      <p:sp>
+        <p:nvSpPr>
+          <p:cNvPr id="6" name="Footer Placeholder 5"/>
+          <p:cNvSpPr>
+            <a:spLocks noGrp="1"/>
+          </p:cNvSpPr>
+          <p:nvPr>
+            <p:ph type="ftr" sz="quarter" idx="11"/>
+          </p:nvPr>
+        </p:nvSpPr>
+        <p:spPr/>
+        <p:txBody>
+          <a:bodyPr/>
+          <a:lstStyle/>
+          <a:p>
+            <a:endParaRPr lang="en-BE"/>
+          </a:p>
+        </p:txBody>
+      </p:sp>
+      <p:sp>
+        <p:nvSpPr>
+          <p:cNvPr id="7" name="Slide Number Placeholder 6"/>
+          <p:cNvSpPr>
+            <a:spLocks noGrp="1"/>
+          </p:cNvSpPr>
+          <p:nvPr>
+            <p:ph type="sldNum" sz="quarter" idx="12"/>
+          </p:nvPr>
+        </p:nvSpPr>
+        <p:spPr>
+          <a:xfrm>
+            <a:off x="10729455" y="4711615"/>
+            <a:ext cx="1154151" cy="1090789"/>
+          </a:xfrm>
+        </p:spPr>
+        <p:txBody>
+          <a:bodyPr/>
+          <a:lstStyle/>
+          <a:p>
+            <a:fld id="{B95D59DA-B899-4408-ACC9-A868D8EE2BAD}" type="slidenum">
+              <a:rPr lang="en-BE" smtClean="0"/>
+              <a:t>‹nr.›</a:t>
+            </a:fld>
+            <a:endParaRPr lang="en-BE"/>
+          </a:p>
+        </p:txBody>
+      </p:sp>
+    </p:spTree>
+    <p:extLst>
+      <p:ext uri="{BB962C8B-B14F-4D97-AF65-F5344CB8AC3E}">
+        <p14:creationId xmlns:p14="http://schemas.microsoft.com/office/powerpoint/2010/main" val="1591300577"/>
+      </p:ext>
+    </p:extLst>
+  </p:cSld>
+  <p:clrMapOvr>
+    <a:masterClrMapping/>
+  </p:clrMapOvr>
+</p:sldLayout>
+</file>
+
+<file path=ppt/slideLayouts/slideLayout12.xml><?xml version="1.0" encoding="utf-8"?>
+<p:sldLayout xmlns:a="http://schemas.openxmlformats.org/drawingml/2006/main" xmlns:r="http://schemas.openxmlformats.org/officeDocument/2006/relationships" xmlns:p="http://schemas.openxmlformats.org/presentationml/2006/main" preserve="1">
+  <p:cSld name="Citeraat met bijschrift">
+    <p:spTree>
+      <p:nvGrpSpPr>
+        <p:cNvPr id="1" name=""/>
+        <p:cNvGrpSpPr/>
+        <p:nvPr/>
+      </p:nvGrpSpPr>
+      <p:grpSpPr>
+        <a:xfrm>
+          <a:off x="0" y="0"/>
+          <a:ext cx="0" cy="0"/>
+          <a:chOff x="0" y="0"/>
+          <a:chExt cx="0" cy="0"/>
+        </a:xfrm>
+      </p:grpSpPr>
+      <p:pic>
+        <p:nvPicPr>
+          <p:cNvPr id="11" name="Picture 10" descr="HD-ShadowLong.png"/>
+          <p:cNvPicPr>
+            <a:picLocks noChangeAspect="1"/>
+          </p:cNvPicPr>
+          <p:nvPr/>
+        </p:nvPicPr>
+        <p:blipFill>
+          <a:blip r:embed="rId2">
+            <a:extLst>
+              <a:ext uri="{28A0092B-C50C-407E-A947-70E740481C1C}">
+                <a14:useLocalDpi xmlns:a14="http://schemas.microsoft.com/office/drawing/2010/main" val="0"/>
+              </a:ext>
+            </a:extLst>
+          </a:blip>
+          <a:stretch>
+            <a:fillRect/>
+          </a:stretch>
+        </p:blipFill>
+        <p:spPr>
+          <a:xfrm>
+            <a:off x="1" y="5928628"/>
+            <a:ext cx="10437812" cy="321164"/>
+          </a:xfrm>
+          <a:prstGeom prst="rect">
+            <a:avLst/>
+          </a:prstGeom>
+        </p:spPr>
+      </p:pic>
+      <p:pic>
+        <p:nvPicPr>
+          <p:cNvPr id="13" name="Picture 12" descr="HD-ShadowShort.png"/>
+          <p:cNvPicPr>
+            <a:picLocks noChangeAspect="1"/>
+          </p:cNvPicPr>
+          <p:nvPr/>
+        </p:nvPicPr>
+        <p:blipFill>
+          <a:blip r:embed="rId3">
+            <a:extLst>
+              <a:ext uri="{28A0092B-C50C-407E-A947-70E740481C1C}">
+                <a14:useLocalDpi xmlns:a14="http://schemas.microsoft.com/office/drawing/2010/main" val="0"/>
+              </a:ext>
+            </a:extLst>
+          </a:blip>
+          <a:stretch>
+            <a:fillRect/>
+          </a:stretch>
+        </p:blipFill>
+        <p:spPr>
+          <a:xfrm>
+            <a:off x="10585826" y="5929622"/>
+            <a:ext cx="1602997" cy="144270"/>
+          </a:xfrm>
+          <a:prstGeom prst="rect">
+            <a:avLst/>
+          </a:prstGeom>
+        </p:spPr>
+      </p:pic>
+      <p:sp>
+        <p:nvSpPr>
+          <p:cNvPr id="14" name="Rectangle 13"/>
+          <p:cNvSpPr/>
+          <p:nvPr/>
+        </p:nvSpPr>
+        <p:spPr bwMode="ltGray">
+          <a:xfrm>
+            <a:off x="0" y="4567988"/>
+            <a:ext cx="10437812" cy="1368198"/>
+          </a:xfrm>
+          <a:prstGeom prst="rect">
+            <a:avLst/>
+          </a:prstGeom>
+          <a:solidFill>
+            <a:schemeClr val="bg1">
+              <a:lumMod val="85000"/>
+              <a:lumOff val="15000"/>
+            </a:schemeClr>
+          </a:solidFill>
+          <a:ln>
+            <a:noFill/>
+          </a:ln>
+        </p:spPr>
+        <p:style>
+          <a:lnRef idx="2">
+            <a:schemeClr val="accent1">
+              <a:shade val="50000"/>
+            </a:schemeClr>
+          </a:lnRef>
+          <a:fillRef idx="1">
+            <a:schemeClr val="accent1"/>
+          </a:fillRef>
+          <a:effectRef idx="0">
+            <a:schemeClr val="accent1"/>
+          </a:effectRef>
+          <a:fontRef idx="minor">
+            <a:schemeClr val="lt1"/>
+          </a:fontRef>
+        </p:style>
+      </p:sp>
+      <p:sp>
+        <p:nvSpPr>
+          <p:cNvPr id="15" name="Rectangle 14"/>
+          <p:cNvSpPr/>
+          <p:nvPr/>
+        </p:nvSpPr>
+        <p:spPr>
+          <a:xfrm>
+            <a:off x="10585827" y="4567988"/>
+            <a:ext cx="1602997" cy="1368198"/>
+          </a:xfrm>
+          <a:prstGeom prst="rect">
+            <a:avLst/>
+          </a:prstGeom>
+          <a:solidFill>
+            <a:schemeClr val="accent1"/>
+          </a:solidFill>
+          <a:ln>
+            <a:noFill/>
+          </a:ln>
+        </p:spPr>
+        <p:style>
+          <a:lnRef idx="2">
+            <a:schemeClr val="accent1">
+              <a:shade val="50000"/>
+            </a:schemeClr>
+          </a:lnRef>
+          <a:fillRef idx="1">
+            <a:schemeClr val="accent1"/>
+          </a:fillRef>
+          <a:effectRef idx="0">
+            <a:schemeClr val="accent1"/>
+          </a:effectRef>
+          <a:fontRef idx="minor">
+            <a:schemeClr val="lt1"/>
+          </a:fontRef>
+        </p:style>
+      </p:sp>
+      <p:sp>
+        <p:nvSpPr>
+          <p:cNvPr id="2" name="Title 1"/>
+          <p:cNvSpPr>
+            <a:spLocks noGrp="1"/>
+          </p:cNvSpPr>
+          <p:nvPr>
+            <p:ph type="title"/>
+          </p:nvPr>
+        </p:nvSpPr>
+        <p:spPr>
+          <a:xfrm>
+            <a:off x="1127856" y="609598"/>
+            <a:ext cx="8718877" cy="3036061"/>
+          </a:xfrm>
+        </p:spPr>
+        <p:txBody>
+          <a:bodyPr anchor="ctr"/>
+          <a:lstStyle>
+            <a:lvl1pPr>
+              <a:defRPr sz="3200"/>
+            </a:lvl1pPr>
+          </a:lstStyle>
+          <a:p>
+            <a:r>
+              <a:rPr lang="nl-NL"/>
+              <a:t>Klik om stijl te bewerken</a:t>
+            </a:r>
+            <a:endParaRPr lang="en-US" dirty="0"/>
+          </a:p>
+        </p:txBody>
+      </p:sp>
+      <p:sp>
+        <p:nvSpPr>
+          <p:cNvPr id="12" name="Text Placeholder 3"/>
+          <p:cNvSpPr>
+            <a:spLocks noGrp="1"/>
+          </p:cNvSpPr>
+          <p:nvPr>
+            <p:ph type="body" sz="half" idx="13"/>
+          </p:nvPr>
+        </p:nvSpPr>
+        <p:spPr>
+          <a:xfrm>
+            <a:off x="1402288" y="3653379"/>
+            <a:ext cx="8156579" cy="548968"/>
+          </a:xfrm>
+        </p:spPr>
+        <p:txBody>
+          <a:bodyPr anchor="t">
+            <a:normAutofit/>
+          </a:bodyPr>
+          <a:lstStyle>
+            <a:lvl1pPr marL="0" indent="0">
+              <a:buNone/>
+              <a:defRPr sz="1400"/>
+            </a:lvl1pPr>
+            <a:lvl2pPr marL="457200" indent="0">
+              <a:buNone/>
+              <a:defRPr sz="1400"/>
+            </a:lvl2pPr>
+            <a:lvl3pPr marL="914400" indent="0">
+              <a:buNone/>
+              <a:defRPr sz="1200"/>
+            </a:lvl3pPr>
+            <a:lvl4pPr marL="1371600" indent="0">
+              <a:buNone/>
+              <a:defRPr sz="1000"/>
+            </a:lvl4pPr>
+            <a:lvl5pPr marL="1828800" indent="0">
+              <a:buNone/>
+              <a:defRPr sz="1000"/>
+            </a:lvl5pPr>
+            <a:lvl6pPr marL="2286000" indent="0">
+              <a:buNone/>
+              <a:defRPr sz="1000"/>
+            </a:lvl6pPr>
+            <a:lvl7pPr marL="2743200" indent="0">
+              <a:buNone/>
+              <a:defRPr sz="1000"/>
+            </a:lvl7pPr>
+            <a:lvl8pPr marL="3200400" indent="0">
+              <a:buNone/>
+              <a:defRPr sz="1000"/>
+            </a:lvl8pPr>
+            <a:lvl9pPr marL="3657600" indent="0">
+              <a:buNone/>
+              <a:defRPr sz="1000"/>
+            </a:lvl9pPr>
+          </a:lstStyle>
+          <a:p>
+            <a:pPr lvl="0"/>
+            <a:r>
+              <a:rPr lang="nl-NL"/>
+              <a:t>Klikken om de tekststijl van het model te bewerken</a:t>
+            </a:r>
+          </a:p>
+        </p:txBody>
+      </p:sp>
+      <p:sp>
+        <p:nvSpPr>
+          <p:cNvPr id="4" name="Text Placeholder 3"/>
+          <p:cNvSpPr>
+            <a:spLocks noGrp="1"/>
+          </p:cNvSpPr>
+          <p:nvPr>
+            <p:ph type="body" sz="half" idx="2"/>
+          </p:nvPr>
+        </p:nvSpPr>
+        <p:spPr>
+          <a:xfrm>
+            <a:off x="680322" y="4711615"/>
+            <a:ext cx="9613859" cy="1090789"/>
+          </a:xfrm>
+        </p:spPr>
+        <p:txBody>
+          <a:bodyPr anchor="ctr">
+            <a:normAutofit/>
+          </a:bodyPr>
+          <a:lstStyle>
+            <a:lvl1pPr marL="0" indent="0">
+              <a:buNone/>
+              <a:defRPr sz="1600"/>
+            </a:lvl1pPr>
+            <a:lvl2pPr marL="457200" indent="0">
+              <a:buNone/>
+              <a:defRPr sz="1400"/>
+            </a:lvl2pPr>
+            <a:lvl3pPr marL="914400" indent="0">
+              <a:buNone/>
+              <a:defRPr sz="1200"/>
+            </a:lvl3pPr>
+            <a:lvl4pPr marL="1371600" indent="0">
+              <a:buNone/>
+              <a:defRPr sz="1000"/>
+            </a:lvl4pPr>
+            <a:lvl5pPr marL="1828800" indent="0">
+              <a:buNone/>
+              <a:defRPr sz="1000"/>
+            </a:lvl5pPr>
+            <a:lvl6pPr marL="2286000" indent="0">
+              <a:buNone/>
+              <a:defRPr sz="1000"/>
+            </a:lvl6pPr>
+            <a:lvl7pPr marL="2743200" indent="0">
+              <a:buNone/>
+              <a:defRPr sz="1000"/>
+            </a:lvl7pPr>
+            <a:lvl8pPr marL="3200400" indent="0">
+              <a:buNone/>
+              <a:defRPr sz="1000"/>
+            </a:lvl8pPr>
+            <a:lvl9pPr marL="3657600" indent="0">
+              <a:buNone/>
+              <a:defRPr sz="1000"/>
+            </a:lvl9pPr>
+          </a:lstStyle>
+          <a:p>
+            <a:pPr lvl="0"/>
+            <a:r>
+              <a:rPr lang="nl-NL"/>
+              <a:t>Klikken om de tekststijl van het model te bewerken</a:t>
+            </a:r>
+          </a:p>
+        </p:txBody>
+      </p:sp>
+      <p:sp>
+        <p:nvSpPr>
+          <p:cNvPr id="5" name="Date Placeholder 4"/>
+          <p:cNvSpPr>
+            <a:spLocks noGrp="1"/>
+          </p:cNvSpPr>
+          <p:nvPr>
+            <p:ph type="dt" sz="half" idx="10"/>
+          </p:nvPr>
+        </p:nvSpPr>
+        <p:spPr/>
+        <p:txBody>
+          <a:bodyPr/>
+          <a:lstStyle/>
+          <a:p>
+            <a:fld id="{6D86DAEC-DC0F-4D08-909B-E4E2116F45D8}" type="datetimeFigureOut">
+              <a:rPr lang="en-BE" smtClean="0"/>
+              <a:t>04/21/2023</a:t>
+            </a:fld>
+            <a:endParaRPr lang="en-BE"/>
+          </a:p>
+        </p:txBody>
+      </p:sp>
+      <p:sp>
+        <p:nvSpPr>
+          <p:cNvPr id="6" name="Footer Placeholder 5"/>
+          <p:cNvSpPr>
+            <a:spLocks noGrp="1"/>
+          </p:cNvSpPr>
+          <p:nvPr>
+            <p:ph type="ftr" sz="quarter" idx="11"/>
+          </p:nvPr>
+        </p:nvSpPr>
+        <p:spPr/>
+        <p:txBody>
+          <a:bodyPr/>
+          <a:lstStyle/>
+          <a:p>
+            <a:endParaRPr lang="en-BE"/>
+          </a:p>
+        </p:txBody>
+      </p:sp>
+      <p:sp>
+        <p:nvSpPr>
+          <p:cNvPr id="7" name="Slide Number Placeholder 6"/>
+          <p:cNvSpPr>
+            <a:spLocks noGrp="1"/>
+          </p:cNvSpPr>
+          <p:nvPr>
+            <p:ph type="sldNum" sz="quarter" idx="12"/>
+          </p:nvPr>
+        </p:nvSpPr>
+        <p:spPr>
+          <a:xfrm>
+            <a:off x="10729455" y="4709925"/>
+            <a:ext cx="1154151" cy="1090789"/>
+          </a:xfrm>
+        </p:spPr>
+        <p:txBody>
+          <a:bodyPr/>
+          <a:lstStyle/>
+          <a:p>
+            <a:fld id="{B95D59DA-B899-4408-ACC9-A868D8EE2BAD}" type="slidenum">
+              <a:rPr lang="en-BE" smtClean="0"/>
+              <a:t>‹nr.›</a:t>
+            </a:fld>
+            <a:endParaRPr lang="en-BE"/>
+          </a:p>
+        </p:txBody>
+      </p:sp>
+      <p:sp>
+        <p:nvSpPr>
+          <p:cNvPr id="16" name="TextBox 15"/>
+          <p:cNvSpPr txBox="1"/>
+          <p:nvPr/>
+        </p:nvSpPr>
+        <p:spPr>
+          <a:xfrm>
+            <a:off x="583572" y="748116"/>
+            <a:ext cx="609600" cy="584776"/>
+          </a:xfrm>
+          <a:prstGeom prst="rect">
+            <a:avLst/>
+          </a:prstGeom>
+        </p:spPr>
+        <p:txBody>
+          <a:bodyPr vert="horz" lIns="91440" tIns="45720" rIns="91440" bIns="45720" rtlCol="0" anchor="ctr">
+            <a:noAutofit/>
+          </a:bodyPr>
+          <a:lstStyle>
+            <a:lvl1pPr>
+              <a:spcBef>
+                <a:spcPct val="0"/>
+              </a:spcBef>
+              <a:buNone/>
+              <a:defRPr sz="3200" b="0" cap="all">
+                <a:ln w="3175" cmpd="sng">
+                  <a:noFill/>
+                </a:ln>
+                <a:effectLst>
+                  <a:glow rad="38100">
+                    <a:schemeClr val="bg1">
+                      <a:lumMod val="65000"/>
+                      <a:lumOff val="35000"/>
+                      <a:alpha val="40000"/>
+                    </a:schemeClr>
+                  </a:glow>
+                  <a:outerShdw blurRad="28575" dist="38100" dir="14040000" algn="tl" rotWithShape="0">
+                    <a:srgbClr val="000000">
+                      <a:alpha val="25000"/>
+                    </a:srgbClr>
+                  </a:outerShdw>
+                </a:effectLst>
+              </a:defRPr>
+            </a:lvl1pPr>
+            <a:lvl2pPr>
+              <a:defRPr>
+                <a:solidFill>
+                  <a:schemeClr val="tx2"/>
+                </a:solidFill>
+              </a:defRPr>
+            </a:lvl2pPr>
+            <a:lvl3pPr>
+              <a:defRPr>
+                <a:solidFill>
+                  <a:schemeClr val="tx2"/>
+                </a:solidFill>
+              </a:defRPr>
+            </a:lvl3pPr>
+            <a:lvl4pPr>
+              <a:defRPr>
+                <a:solidFill>
+                  <a:schemeClr val="tx2"/>
+                </a:solidFill>
+              </a:defRPr>
+            </a:lvl4pPr>
+            <a:lvl5pPr>
+              <a:defRPr>
+                <a:solidFill>
+                  <a:schemeClr val="tx2"/>
+                </a:solidFill>
+              </a:defRPr>
+            </a:lvl5pPr>
+            <a:lvl6pPr>
+              <a:defRPr>
+                <a:solidFill>
+                  <a:schemeClr val="tx2"/>
+                </a:solidFill>
+              </a:defRPr>
+            </a:lvl6pPr>
+            <a:lvl7pPr>
+              <a:defRPr>
+                <a:solidFill>
+                  <a:schemeClr val="tx2"/>
+                </a:solidFill>
+              </a:defRPr>
+            </a:lvl7pPr>
+            <a:lvl8pPr>
+              <a:defRPr>
+                <a:solidFill>
+                  <a:schemeClr val="tx2"/>
+                </a:solidFill>
+              </a:defRPr>
+            </a:lvl8pPr>
+            <a:lvl9pPr>
+              <a:defRPr>
+                <a:solidFill>
+                  <a:schemeClr val="tx2"/>
+                </a:solidFill>
+              </a:defRPr>
+            </a:lvl9pPr>
+          </a:lstStyle>
+          <a:p>
+            <a:pPr lvl="0"/>
+            <a:r>
+              <a:rPr lang="en-US" sz="7200" dirty="0">
+                <a:solidFill>
+                  <a:schemeClr val="tx1"/>
+                </a:solidFill>
+                <a:effectLst/>
+              </a:rPr>
+              <a:t>“</a:t>
+            </a:r>
+          </a:p>
+        </p:txBody>
+      </p:sp>
+      <p:sp>
+        <p:nvSpPr>
+          <p:cNvPr id="17" name="TextBox 16"/>
+          <p:cNvSpPr txBox="1"/>
+          <p:nvPr/>
+        </p:nvSpPr>
+        <p:spPr>
+          <a:xfrm>
+            <a:off x="9662809" y="3033524"/>
+            <a:ext cx="609600" cy="584776"/>
+          </a:xfrm>
+          <a:prstGeom prst="rect">
+            <a:avLst/>
+          </a:prstGeom>
+        </p:spPr>
+        <p:txBody>
+          <a:bodyPr vert="horz" lIns="91440" tIns="45720" rIns="91440" bIns="45720" rtlCol="0" anchor="ctr">
+            <a:noAutofit/>
+          </a:bodyPr>
+          <a:lstStyle>
+            <a:lvl1pPr>
+              <a:spcBef>
+                <a:spcPct val="0"/>
+              </a:spcBef>
+              <a:buNone/>
+              <a:defRPr sz="3200" b="0" cap="all">
+                <a:ln w="3175" cmpd="sng">
+                  <a:noFill/>
+                </a:ln>
+                <a:effectLst>
+                  <a:glow rad="38100">
+                    <a:schemeClr val="bg1">
+                      <a:lumMod val="65000"/>
+                      <a:lumOff val="35000"/>
+                      <a:alpha val="40000"/>
+                    </a:schemeClr>
+                  </a:glow>
+                  <a:outerShdw blurRad="28575" dist="38100" dir="14040000" algn="tl" rotWithShape="0">
+                    <a:srgbClr val="000000">
+                      <a:alpha val="25000"/>
+                    </a:srgbClr>
+                  </a:outerShdw>
+                </a:effectLst>
+              </a:defRPr>
+            </a:lvl1pPr>
+            <a:lvl2pPr>
+              <a:defRPr>
+                <a:solidFill>
+                  <a:schemeClr val="tx2"/>
+                </a:solidFill>
+              </a:defRPr>
+            </a:lvl2pPr>
+            <a:lvl3pPr>
+              <a:defRPr>
+                <a:solidFill>
+                  <a:schemeClr val="tx2"/>
+                </a:solidFill>
+              </a:defRPr>
+            </a:lvl3pPr>
+            <a:lvl4pPr>
+              <a:defRPr>
+                <a:solidFill>
+                  <a:schemeClr val="tx2"/>
+                </a:solidFill>
+              </a:defRPr>
+            </a:lvl4pPr>
+            <a:lvl5pPr>
+              <a:defRPr>
+                <a:solidFill>
+                  <a:schemeClr val="tx2"/>
+                </a:solidFill>
+              </a:defRPr>
+            </a:lvl5pPr>
+            <a:lvl6pPr>
+              <a:defRPr>
+                <a:solidFill>
+                  <a:schemeClr val="tx2"/>
+                </a:solidFill>
+              </a:defRPr>
+            </a:lvl6pPr>
+            <a:lvl7pPr>
+              <a:defRPr>
+                <a:solidFill>
+                  <a:schemeClr val="tx2"/>
+                </a:solidFill>
+              </a:defRPr>
+            </a:lvl7pPr>
+            <a:lvl8pPr>
+              <a:defRPr>
+                <a:solidFill>
+                  <a:schemeClr val="tx2"/>
+                </a:solidFill>
+              </a:defRPr>
+            </a:lvl8pPr>
+            <a:lvl9pPr>
+              <a:defRPr>
+                <a:solidFill>
+                  <a:schemeClr val="tx2"/>
+                </a:solidFill>
+              </a:defRPr>
+            </a:lvl9pPr>
+          </a:lstStyle>
+          <a:p>
+            <a:pPr lvl="0" algn="r"/>
+            <a:r>
+              <a:rPr lang="en-US" sz="7200" dirty="0">
+                <a:solidFill>
+                  <a:schemeClr val="tx1"/>
+                </a:solidFill>
+                <a:effectLst/>
+              </a:rPr>
+              <a:t>”</a:t>
+            </a:r>
+          </a:p>
+        </p:txBody>
+      </p:sp>
+    </p:spTree>
+    <p:extLst>
+      <p:ext uri="{BB962C8B-B14F-4D97-AF65-F5344CB8AC3E}">
+        <p14:creationId xmlns:p14="http://schemas.microsoft.com/office/powerpoint/2010/main" val="3432441526"/>
+      </p:ext>
+    </p:extLst>
+  </p:cSld>
+  <p:clrMapOvr>
+    <a:masterClrMapping/>
+  </p:clrMapOvr>
+</p:sldLayout>
+</file>
+
+<file path=ppt/slideLayouts/slideLayout13.xml><?xml version="1.0" encoding="utf-8"?>
+<p:sldLayout xmlns:a="http://schemas.openxmlformats.org/drawingml/2006/main" xmlns:r="http://schemas.openxmlformats.org/officeDocument/2006/relationships" xmlns:p="http://schemas.openxmlformats.org/presentationml/2006/main" preserve="1">
+  <p:cSld name="Naamkaartje">
+    <p:spTree>
+      <p:nvGrpSpPr>
+        <p:cNvPr id="1" name=""/>
+        <p:cNvGrpSpPr/>
+        <p:nvPr/>
+      </p:nvGrpSpPr>
+      <p:grpSpPr>
+        <a:xfrm>
+          <a:off x="0" y="0"/>
+          <a:ext cx="0" cy="0"/>
+          <a:chOff x="0" y="0"/>
+          <a:chExt cx="0" cy="0"/>
+        </a:xfrm>
+      </p:grpSpPr>
+      <p:pic>
+        <p:nvPicPr>
+          <p:cNvPr id="9" name="Picture 8" descr="HD-ShadowLong.png"/>
+          <p:cNvPicPr>
+            <a:picLocks noChangeAspect="1"/>
+          </p:cNvPicPr>
+          <p:nvPr/>
+        </p:nvPicPr>
+        <p:blipFill>
+          <a:blip r:embed="rId2">
+            <a:extLst>
+              <a:ext uri="{28A0092B-C50C-407E-A947-70E740481C1C}">
+                <a14:useLocalDpi xmlns:a14="http://schemas.microsoft.com/office/drawing/2010/main" val="0"/>
+              </a:ext>
+            </a:extLst>
+          </a:blip>
+          <a:stretch>
+            <a:fillRect/>
+          </a:stretch>
+        </p:blipFill>
+        <p:spPr>
+          <a:xfrm>
+            <a:off x="1" y="5928628"/>
+            <a:ext cx="10437812" cy="321164"/>
+          </a:xfrm>
+          <a:prstGeom prst="rect">
+            <a:avLst/>
+          </a:prstGeom>
+        </p:spPr>
+      </p:pic>
+      <p:pic>
+        <p:nvPicPr>
+          <p:cNvPr id="10" name="Picture 9" descr="HD-ShadowShort.png"/>
+          <p:cNvPicPr>
+            <a:picLocks noChangeAspect="1"/>
+          </p:cNvPicPr>
+          <p:nvPr/>
+        </p:nvPicPr>
+        <p:blipFill>
+          <a:blip r:embed="rId3">
+            <a:extLst>
+              <a:ext uri="{28A0092B-C50C-407E-A947-70E740481C1C}">
+                <a14:useLocalDpi xmlns:a14="http://schemas.microsoft.com/office/drawing/2010/main" val="0"/>
+              </a:ext>
+            </a:extLst>
+          </a:blip>
+          <a:stretch>
+            <a:fillRect/>
+          </a:stretch>
+        </p:blipFill>
+        <p:spPr>
+          <a:xfrm>
+            <a:off x="10585826" y="5929622"/>
+            <a:ext cx="1602997" cy="144270"/>
+          </a:xfrm>
+          <a:prstGeom prst="rect">
+            <a:avLst/>
+          </a:prstGeom>
+        </p:spPr>
+      </p:pic>
+      <p:sp>
+        <p:nvSpPr>
+          <p:cNvPr id="11" name="Rectangle 10"/>
+          <p:cNvSpPr/>
+          <p:nvPr/>
+        </p:nvSpPr>
+        <p:spPr bwMode="ltGray">
+          <a:xfrm>
+            <a:off x="0" y="4567988"/>
+            <a:ext cx="10437812" cy="1368198"/>
+          </a:xfrm>
+          <a:prstGeom prst="rect">
+            <a:avLst/>
+          </a:prstGeom>
+          <a:solidFill>
+            <a:schemeClr val="bg1">
+              <a:lumMod val="85000"/>
+              <a:lumOff val="15000"/>
+            </a:schemeClr>
+          </a:solidFill>
+          <a:ln>
+            <a:noFill/>
+          </a:ln>
+        </p:spPr>
+        <p:style>
+          <a:lnRef idx="2">
+            <a:schemeClr val="accent1">
+              <a:shade val="50000"/>
+            </a:schemeClr>
+          </a:lnRef>
+          <a:fillRef idx="1">
+            <a:schemeClr val="accent1"/>
+          </a:fillRef>
+          <a:effectRef idx="0">
+            <a:schemeClr val="accent1"/>
+          </a:effectRef>
+          <a:fontRef idx="minor">
+            <a:schemeClr val="lt1"/>
+          </a:fontRef>
+        </p:style>
+      </p:sp>
+      <p:sp>
+        <p:nvSpPr>
+          <p:cNvPr id="12" name="Rectangle 11"/>
+          <p:cNvSpPr/>
+          <p:nvPr/>
+        </p:nvSpPr>
+        <p:spPr>
+          <a:xfrm>
+            <a:off x="10585827" y="4567988"/>
+            <a:ext cx="1602997" cy="1368198"/>
+          </a:xfrm>
+          <a:prstGeom prst="rect">
+            <a:avLst/>
+          </a:prstGeom>
+          <a:solidFill>
+            <a:schemeClr val="accent1"/>
+          </a:solidFill>
+          <a:ln>
+            <a:noFill/>
+          </a:ln>
+        </p:spPr>
+        <p:style>
+          <a:lnRef idx="2">
+            <a:schemeClr val="accent1">
+              <a:shade val="50000"/>
+            </a:schemeClr>
+          </a:lnRef>
+          <a:fillRef idx="1">
+            <a:schemeClr val="accent1"/>
+          </a:fillRef>
+          <a:effectRef idx="0">
+            <a:schemeClr val="accent1"/>
+          </a:effectRef>
+          <a:fontRef idx="minor">
+            <a:schemeClr val="lt1"/>
+          </a:fontRef>
+        </p:style>
+      </p:sp>
+      <p:sp>
+        <p:nvSpPr>
+          <p:cNvPr id="2" name="Title 1"/>
+          <p:cNvSpPr>
+            <a:spLocks noGrp="1"/>
+          </p:cNvSpPr>
+          <p:nvPr>
+            <p:ph type="title"/>
+          </p:nvPr>
+        </p:nvSpPr>
+        <p:spPr>
+          <a:xfrm>
+            <a:off x="680319" y="4711615"/>
+            <a:ext cx="9613862" cy="588535"/>
+          </a:xfrm>
+        </p:spPr>
+        <p:txBody>
+          <a:bodyPr anchor="b"/>
+          <a:lstStyle>
+            <a:lvl1pPr>
+              <a:defRPr sz="3200"/>
+            </a:lvl1pPr>
+          </a:lstStyle>
+          <a:p>
+            <a:r>
+              <a:rPr lang="nl-NL"/>
+              <a:t>Klik om stijl te bewerken</a:t>
+            </a:r>
+            <a:endParaRPr lang="en-US" dirty="0"/>
+          </a:p>
+        </p:txBody>
+      </p:sp>
+      <p:sp>
+        <p:nvSpPr>
+          <p:cNvPr id="4" name="Text Placeholder 3"/>
+          <p:cNvSpPr>
+            <a:spLocks noGrp="1"/>
+          </p:cNvSpPr>
+          <p:nvPr>
+            <p:ph type="body" sz="half" idx="2"/>
+          </p:nvPr>
+        </p:nvSpPr>
+        <p:spPr>
+          <a:xfrm>
+            <a:off x="680320" y="5300149"/>
+            <a:ext cx="9613862" cy="502255"/>
+          </a:xfrm>
+        </p:spPr>
+        <p:txBody>
+          <a:bodyPr anchor="t"/>
+          <a:lstStyle>
+            <a:lvl1pPr marL="0" indent="0">
+              <a:buNone/>
+              <a:defRPr sz="1600"/>
+            </a:lvl1pPr>
+            <a:lvl2pPr marL="457200" indent="0">
+              <a:buNone/>
+              <a:defRPr sz="1400"/>
+            </a:lvl2pPr>
+            <a:lvl3pPr marL="914400" indent="0">
+              <a:buNone/>
+              <a:defRPr sz="1200"/>
+            </a:lvl3pPr>
+            <a:lvl4pPr marL="1371600" indent="0">
+              <a:buNone/>
+              <a:defRPr sz="1000"/>
+            </a:lvl4pPr>
+            <a:lvl5pPr marL="1828800" indent="0">
+              <a:buNone/>
+              <a:defRPr sz="1000"/>
+            </a:lvl5pPr>
+            <a:lvl6pPr marL="2286000" indent="0">
+              <a:buNone/>
+              <a:defRPr sz="1000"/>
+            </a:lvl6pPr>
+            <a:lvl7pPr marL="2743200" indent="0">
+              <a:buNone/>
+              <a:defRPr sz="1000"/>
+            </a:lvl7pPr>
+            <a:lvl8pPr marL="3200400" indent="0">
+              <a:buNone/>
+              <a:defRPr sz="1000"/>
+            </a:lvl8pPr>
+            <a:lvl9pPr marL="3657600" indent="0">
+              <a:buNone/>
+              <a:defRPr sz="1000"/>
+            </a:lvl9pPr>
+          </a:lstStyle>
+          <a:p>
+            <a:pPr lvl="0"/>
+            <a:r>
+              <a:rPr lang="nl-NL"/>
+              <a:t>Klikken om de tekststijl van het model te bewerken</a:t>
+            </a:r>
+          </a:p>
+        </p:txBody>
+      </p:sp>
+      <p:sp>
+        <p:nvSpPr>
+          <p:cNvPr id="5" name="Date Placeholder 4"/>
+          <p:cNvSpPr>
+            <a:spLocks noGrp="1"/>
+          </p:cNvSpPr>
+          <p:nvPr>
+            <p:ph type="dt" sz="half" idx="10"/>
+          </p:nvPr>
+        </p:nvSpPr>
+        <p:spPr/>
+        <p:txBody>
+          <a:bodyPr/>
+          <a:lstStyle/>
+          <a:p>
+            <a:fld id="{6D86DAEC-DC0F-4D08-909B-E4E2116F45D8}" type="datetimeFigureOut">
+              <a:rPr lang="en-BE" smtClean="0"/>
+              <a:t>04/21/2023</a:t>
+            </a:fld>
+            <a:endParaRPr lang="en-BE"/>
+          </a:p>
+        </p:txBody>
+      </p:sp>
+      <p:sp>
+        <p:nvSpPr>
+          <p:cNvPr id="6" name="Footer Placeholder 5"/>
+          <p:cNvSpPr>
+            <a:spLocks noGrp="1"/>
+          </p:cNvSpPr>
+          <p:nvPr>
+            <p:ph type="ftr" sz="quarter" idx="11"/>
+          </p:nvPr>
+        </p:nvSpPr>
+        <p:spPr/>
+        <p:txBody>
+          <a:bodyPr/>
+          <a:lstStyle/>
+          <a:p>
+            <a:endParaRPr lang="en-BE"/>
+          </a:p>
+        </p:txBody>
+      </p:sp>
+      <p:sp>
+        <p:nvSpPr>
+          <p:cNvPr id="7" name="Slide Number Placeholder 6"/>
+          <p:cNvSpPr>
+            <a:spLocks noGrp="1"/>
+          </p:cNvSpPr>
+          <p:nvPr>
+            <p:ph type="sldNum" sz="quarter" idx="12"/>
+          </p:nvPr>
+        </p:nvSpPr>
+        <p:spPr>
+          <a:xfrm>
+            <a:off x="10729455" y="4709925"/>
+            <a:ext cx="1154151" cy="1090789"/>
+          </a:xfrm>
+        </p:spPr>
+        <p:txBody>
+          <a:bodyPr/>
+          <a:lstStyle/>
+          <a:p>
+            <a:fld id="{B95D59DA-B899-4408-ACC9-A868D8EE2BAD}" type="slidenum">
+              <a:rPr lang="en-BE" smtClean="0"/>
+              <a:t>‹nr.›</a:t>
+            </a:fld>
+            <a:endParaRPr lang="en-BE"/>
+          </a:p>
+        </p:txBody>
+      </p:sp>
+    </p:spTree>
+    <p:extLst>
+      <p:ext uri="{BB962C8B-B14F-4D97-AF65-F5344CB8AC3E}">
+        <p14:creationId xmlns:p14="http://schemas.microsoft.com/office/powerpoint/2010/main" val="3547503024"/>
+      </p:ext>
+    </p:extLst>
+  </p:cSld>
+  <p:clrMapOvr>
+    <a:masterClrMapping/>
+  </p:clrMapOvr>
+</p:sldLayout>
+</file>
+
+<file path=ppt/slideLayouts/slideLayout14.xml><?xml version="1.0" encoding="utf-8"?>
+<p:sldLayout xmlns:a="http://schemas.openxmlformats.org/drawingml/2006/main" xmlns:r="http://schemas.openxmlformats.org/officeDocument/2006/relationships" xmlns:p="http://schemas.openxmlformats.org/presentationml/2006/main" preserve="1">
+  <p:cSld name="3 kolommen">
+    <p:spTree>
+      <p:nvGrpSpPr>
+        <p:cNvPr id="1" name=""/>
+        <p:cNvGrpSpPr/>
+        <p:nvPr/>
+      </p:nvGrpSpPr>
+      <p:grpSpPr>
+        <a:xfrm>
+          <a:off x="0" y="0"/>
+          <a:ext cx="0" cy="0"/>
+          <a:chOff x="0" y="0"/>
+          <a:chExt cx="0" cy="0"/>
+        </a:xfrm>
+      </p:grpSpPr>
+      <p:pic>
+        <p:nvPicPr>
+          <p:cNvPr id="13" name="Picture 12" descr="HD-ShadowLong.png"/>
+          <p:cNvPicPr>
+            <a:picLocks noChangeAspect="1"/>
+          </p:cNvPicPr>
+          <p:nvPr/>
+        </p:nvPicPr>
+        <p:blipFill>
+          <a:blip r:embed="rId2">
+            <a:extLst>
+              <a:ext uri="{28A0092B-C50C-407E-A947-70E740481C1C}">
+                <a14:useLocalDpi xmlns:a14="http://schemas.microsoft.com/office/drawing/2010/main" val="0"/>
+              </a:ext>
+            </a:extLst>
+          </a:blip>
+          <a:stretch>
+            <a:fillRect/>
+          </a:stretch>
+        </p:blipFill>
+        <p:spPr>
+          <a:xfrm>
+            <a:off x="1" y="1970240"/>
+            <a:ext cx="10437812" cy="321164"/>
+          </a:xfrm>
+          <a:prstGeom prst="rect">
+            <a:avLst/>
+          </a:prstGeom>
+        </p:spPr>
+      </p:pic>
+      <p:pic>
+        <p:nvPicPr>
+          <p:cNvPr id="14" name="Picture 13" descr="HD-ShadowShort.png"/>
+          <p:cNvPicPr>
+            <a:picLocks noChangeAspect="1"/>
+          </p:cNvPicPr>
+          <p:nvPr/>
+        </p:nvPicPr>
+        <p:blipFill>
+          <a:blip r:embed="rId3">
+            <a:extLst>
+              <a:ext uri="{28A0092B-C50C-407E-A947-70E740481C1C}">
+                <a14:useLocalDpi xmlns:a14="http://schemas.microsoft.com/office/drawing/2010/main" val="0"/>
+              </a:ext>
+            </a:extLst>
+          </a:blip>
+          <a:stretch>
+            <a:fillRect/>
+          </a:stretch>
+        </p:blipFill>
+        <p:spPr>
+          <a:xfrm>
+            <a:off x="10585826" y="1971234"/>
+            <a:ext cx="1602997" cy="144270"/>
+          </a:xfrm>
+          <a:prstGeom prst="rect">
+            <a:avLst/>
+          </a:prstGeom>
+        </p:spPr>
+      </p:pic>
+      <p:sp>
+        <p:nvSpPr>
+          <p:cNvPr id="16" name="Rectangle 15"/>
+          <p:cNvSpPr/>
+          <p:nvPr/>
+        </p:nvSpPr>
+        <p:spPr bwMode="ltGray">
+          <a:xfrm>
+            <a:off x="0" y="609600"/>
+            <a:ext cx="10437812" cy="1368198"/>
+          </a:xfrm>
+          <a:prstGeom prst="rect">
+            <a:avLst/>
+          </a:prstGeom>
+          <a:solidFill>
+            <a:schemeClr val="bg1">
+              <a:lumMod val="85000"/>
+              <a:lumOff val="15000"/>
+            </a:schemeClr>
+          </a:solidFill>
+          <a:ln>
+            <a:noFill/>
+          </a:ln>
+        </p:spPr>
+        <p:style>
+          <a:lnRef idx="2">
+            <a:schemeClr val="accent1">
+              <a:shade val="50000"/>
+            </a:schemeClr>
+          </a:lnRef>
+          <a:fillRef idx="1">
+            <a:schemeClr val="accent1"/>
+          </a:fillRef>
+          <a:effectRef idx="0">
+            <a:schemeClr val="accent1"/>
+          </a:effectRef>
+          <a:fontRef idx="minor">
+            <a:schemeClr val="lt1"/>
+          </a:fontRef>
+        </p:style>
+      </p:sp>
+      <p:sp>
+        <p:nvSpPr>
+          <p:cNvPr id="17" name="Rectangle 16"/>
+          <p:cNvSpPr/>
+          <p:nvPr/>
+        </p:nvSpPr>
+        <p:spPr>
+          <a:xfrm>
+            <a:off x="10585827" y="609600"/>
+            <a:ext cx="1602997" cy="1368198"/>
+          </a:xfrm>
+          <a:prstGeom prst="rect">
+            <a:avLst/>
+          </a:prstGeom>
+          <a:solidFill>
+            <a:schemeClr val="accent1"/>
+          </a:solidFill>
+          <a:ln>
+            <a:noFill/>
+          </a:ln>
+        </p:spPr>
+        <p:style>
+          <a:lnRef idx="2">
+            <a:schemeClr val="accent1">
+              <a:shade val="50000"/>
+            </a:schemeClr>
+          </a:lnRef>
+          <a:fillRef idx="1">
+            <a:schemeClr val="accent1"/>
+          </a:fillRef>
+          <a:effectRef idx="0">
+            <a:schemeClr val="accent1"/>
+          </a:effectRef>
+          <a:fontRef idx="minor">
+            <a:schemeClr val="lt1"/>
+          </a:fontRef>
+        </p:style>
+      </p:sp>
+      <p:sp>
+        <p:nvSpPr>
+          <p:cNvPr id="15" name="Title 1"/>
+          <p:cNvSpPr>
+            <a:spLocks noGrp="1"/>
+          </p:cNvSpPr>
+          <p:nvPr>
+            <p:ph type="title"/>
+          </p:nvPr>
+        </p:nvSpPr>
+        <p:spPr>
+          <a:xfrm>
+            <a:off x="669222" y="753228"/>
+            <a:ext cx="9624960" cy="1080938"/>
+          </a:xfrm>
+        </p:spPr>
+        <p:txBody>
+          <a:bodyPr/>
+          <a:lstStyle/>
+          <a:p>
+            <a:r>
+              <a:rPr lang="nl-NL"/>
+              <a:t>Klik om stijl te bewerken</a:t>
+            </a:r>
+            <a:endParaRPr lang="en-US" dirty="0"/>
+          </a:p>
+        </p:txBody>
+      </p:sp>
+      <p:sp>
+        <p:nvSpPr>
+          <p:cNvPr id="7" name="Text Placeholder 2"/>
+          <p:cNvSpPr>
+            <a:spLocks noGrp="1"/>
+          </p:cNvSpPr>
+          <p:nvPr>
+            <p:ph type="body" idx="1"/>
+          </p:nvPr>
+        </p:nvSpPr>
+        <p:spPr>
+          <a:xfrm>
+            <a:off x="660946" y="2336873"/>
+            <a:ext cx="3070034" cy="576262"/>
+          </a:xfrm>
+        </p:spPr>
+        <p:txBody>
+          <a:bodyPr anchor="b">
+            <a:noAutofit/>
+          </a:bodyPr>
+          <a:lstStyle>
+            <a:lvl1pPr marL="0" indent="0">
+              <a:buNone/>
+              <a:defRPr sz="2400" b="0">
+                <a:solidFill>
+                  <a:schemeClr val="tx1"/>
+                </a:solidFill>
+              </a:defRPr>
+            </a:lvl1pPr>
+            <a:lvl2pPr marL="457200" indent="0">
+              <a:buNone/>
+              <a:defRPr sz="2000" b="1"/>
+            </a:lvl2pPr>
+            <a:lvl3pPr marL="914400" indent="0">
+              <a:buNone/>
+              <a:defRPr sz="1800" b="1"/>
+            </a:lvl3pPr>
+            <a:lvl4pPr marL="1371600" indent="0">
+              <a:buNone/>
+              <a:defRPr sz="1600" b="1"/>
+            </a:lvl4pPr>
+            <a:lvl5pPr marL="1828800" indent="0">
+              <a:buNone/>
+              <a:defRPr sz="1600" b="1"/>
+            </a:lvl5pPr>
+            <a:lvl6pPr marL="2286000" indent="0">
+              <a:buNone/>
+              <a:defRPr sz="1600" b="1"/>
+            </a:lvl6pPr>
+            <a:lvl7pPr marL="2743200" indent="0">
+              <a:buNone/>
+              <a:defRPr sz="1600" b="1"/>
+            </a:lvl7pPr>
+            <a:lvl8pPr marL="3200400" indent="0">
+              <a:buNone/>
+              <a:defRPr sz="1600" b="1"/>
+            </a:lvl8pPr>
+            <a:lvl9pPr marL="3657600" indent="0">
+              <a:buNone/>
+              <a:defRPr sz="1600" b="1"/>
+            </a:lvl9pPr>
+          </a:lstStyle>
+          <a:p>
+            <a:pPr lvl="0"/>
+            <a:r>
+              <a:rPr lang="nl-NL"/>
+              <a:t>Klikken om de tekststijl van het model te bewerken</a:t>
+            </a:r>
+          </a:p>
+        </p:txBody>
+      </p:sp>
+      <p:sp>
+        <p:nvSpPr>
+          <p:cNvPr id="8" name="Text Placeholder 3"/>
+          <p:cNvSpPr>
+            <a:spLocks noGrp="1"/>
+          </p:cNvSpPr>
+          <p:nvPr>
+            <p:ph type="body" sz="half" idx="15"/>
+          </p:nvPr>
+        </p:nvSpPr>
+        <p:spPr>
+          <a:xfrm>
+            <a:off x="680322" y="3022673"/>
+            <a:ext cx="3049702" cy="2913513"/>
+          </a:xfrm>
+        </p:spPr>
+        <p:txBody>
+          <a:bodyPr anchor="t">
+            <a:normAutofit/>
+          </a:bodyPr>
+          <a:lstStyle>
+            <a:lvl1pPr marL="0" indent="0">
+              <a:buNone/>
+              <a:defRPr sz="1400"/>
+            </a:lvl1pPr>
+            <a:lvl2pPr marL="457200" indent="0">
+              <a:buNone/>
+              <a:defRPr sz="1200"/>
+            </a:lvl2pPr>
+            <a:lvl3pPr marL="914400" indent="0">
+              <a:buNone/>
+              <a:defRPr sz="1000"/>
+            </a:lvl3pPr>
+            <a:lvl4pPr marL="1371600" indent="0">
+              <a:buNone/>
+              <a:defRPr sz="900"/>
+            </a:lvl4pPr>
+            <a:lvl5pPr marL="1828800" indent="0">
+              <a:buNone/>
+              <a:defRPr sz="900"/>
+            </a:lvl5pPr>
+            <a:lvl6pPr marL="2286000" indent="0">
+              <a:buNone/>
+              <a:defRPr sz="900"/>
+            </a:lvl6pPr>
+            <a:lvl7pPr marL="2743200" indent="0">
+              <a:buNone/>
+              <a:defRPr sz="900"/>
+            </a:lvl7pPr>
+            <a:lvl8pPr marL="3200400" indent="0">
+              <a:buNone/>
+              <a:defRPr sz="900"/>
+            </a:lvl8pPr>
+            <a:lvl9pPr marL="3657600" indent="0">
+              <a:buNone/>
+              <a:defRPr sz="900"/>
+            </a:lvl9pPr>
+          </a:lstStyle>
+          <a:p>
+            <a:pPr lvl="0"/>
+            <a:r>
+              <a:rPr lang="nl-NL"/>
+              <a:t>Klikken om de tekststijl van het model te bewerken</a:t>
+            </a:r>
+          </a:p>
+        </p:txBody>
+      </p:sp>
+      <p:sp>
+        <p:nvSpPr>
+          <p:cNvPr id="9" name="Text Placeholder 4"/>
+          <p:cNvSpPr>
+            <a:spLocks noGrp="1"/>
+          </p:cNvSpPr>
+          <p:nvPr>
+            <p:ph type="body" sz="quarter" idx="3"/>
+          </p:nvPr>
+        </p:nvSpPr>
+        <p:spPr>
+          <a:xfrm>
+            <a:off x="3956025" y="2336873"/>
+            <a:ext cx="3063240" cy="576262"/>
+          </a:xfrm>
+        </p:spPr>
+        <p:txBody>
+          <a:bodyPr anchor="b">
+            <a:noAutofit/>
+          </a:bodyPr>
+          <a:lstStyle>
+            <a:lvl1pPr marL="0" indent="0">
+              <a:buNone/>
+              <a:defRPr sz="2400" b="0">
+                <a:solidFill>
+                  <a:schemeClr val="tx1"/>
+                </a:solidFill>
+              </a:defRPr>
+            </a:lvl1pPr>
+            <a:lvl2pPr marL="457200" indent="0">
+              <a:buNone/>
+              <a:defRPr sz="2000" b="1"/>
+            </a:lvl2pPr>
+            <a:lvl3pPr marL="914400" indent="0">
+              <a:buNone/>
+              <a:defRPr sz="1800" b="1"/>
+            </a:lvl3pPr>
+            <a:lvl4pPr marL="1371600" indent="0">
+              <a:buNone/>
+              <a:defRPr sz="1600" b="1"/>
+            </a:lvl4pPr>
+            <a:lvl5pPr marL="1828800" indent="0">
+              <a:buNone/>
+              <a:defRPr sz="1600" b="1"/>
+            </a:lvl5pPr>
+            <a:lvl6pPr marL="2286000" indent="0">
+              <a:buNone/>
+              <a:defRPr sz="1600" b="1"/>
+            </a:lvl6pPr>
+            <a:lvl7pPr marL="2743200" indent="0">
+              <a:buNone/>
+              <a:defRPr sz="1600" b="1"/>
+            </a:lvl7pPr>
+            <a:lvl8pPr marL="3200400" indent="0">
+              <a:buNone/>
+              <a:defRPr sz="1600" b="1"/>
+            </a:lvl8pPr>
+            <a:lvl9pPr marL="3657600" indent="0">
+              <a:buNone/>
+              <a:defRPr sz="1600" b="1"/>
+            </a:lvl9pPr>
+          </a:lstStyle>
+          <a:p>
+            <a:pPr lvl="0"/>
+            <a:r>
+              <a:rPr lang="nl-NL"/>
+              <a:t>Klikken om de tekststijl van het model te bewerken</a:t>
+            </a:r>
+          </a:p>
+        </p:txBody>
+      </p:sp>
+      <p:sp>
+        <p:nvSpPr>
+          <p:cNvPr id="10" name="Text Placeholder 3"/>
+          <p:cNvSpPr>
+            <a:spLocks noGrp="1"/>
+          </p:cNvSpPr>
+          <p:nvPr>
+            <p:ph type="body" sz="half" idx="16"/>
+          </p:nvPr>
+        </p:nvSpPr>
+        <p:spPr>
+          <a:xfrm>
+            <a:off x="3945470" y="3022673"/>
+            <a:ext cx="3063240" cy="2913513"/>
+          </a:xfrm>
+        </p:spPr>
+        <p:txBody>
+          <a:bodyPr anchor="t">
+            <a:normAutofit/>
+          </a:bodyPr>
+          <a:lstStyle>
+            <a:lvl1pPr marL="0" indent="0">
+              <a:buNone/>
+              <a:defRPr sz="1400"/>
+            </a:lvl1pPr>
+            <a:lvl2pPr marL="457200" indent="0">
+              <a:buNone/>
+              <a:defRPr sz="1200"/>
+            </a:lvl2pPr>
+            <a:lvl3pPr marL="914400" indent="0">
+              <a:buNone/>
+              <a:defRPr sz="1000"/>
+            </a:lvl3pPr>
+            <a:lvl4pPr marL="1371600" indent="0">
+              <a:buNone/>
+              <a:defRPr sz="900"/>
+            </a:lvl4pPr>
+            <a:lvl5pPr marL="1828800" indent="0">
+              <a:buNone/>
+              <a:defRPr sz="900"/>
+            </a:lvl5pPr>
+            <a:lvl6pPr marL="2286000" indent="0">
+              <a:buNone/>
+              <a:defRPr sz="900"/>
+            </a:lvl6pPr>
+            <a:lvl7pPr marL="2743200" indent="0">
+              <a:buNone/>
+              <a:defRPr sz="900"/>
+            </a:lvl7pPr>
+            <a:lvl8pPr marL="3200400" indent="0">
+              <a:buNone/>
+              <a:defRPr sz="900"/>
+            </a:lvl8pPr>
+            <a:lvl9pPr marL="3657600" indent="0">
+              <a:buNone/>
+              <a:defRPr sz="900"/>
+            </a:lvl9pPr>
+          </a:lstStyle>
+          <a:p>
+            <a:pPr lvl="0"/>
+            <a:r>
+              <a:rPr lang="nl-NL"/>
+              <a:t>Klikken om de tekststijl van het model te bewerken</a:t>
+            </a:r>
+          </a:p>
+        </p:txBody>
+      </p:sp>
+      <p:sp>
+        <p:nvSpPr>
+          <p:cNvPr id="11" name="Text Placeholder 4"/>
+          <p:cNvSpPr>
+            <a:spLocks noGrp="1"/>
+          </p:cNvSpPr>
+          <p:nvPr>
+            <p:ph type="body" sz="quarter" idx="13"/>
+          </p:nvPr>
+        </p:nvSpPr>
+        <p:spPr>
+          <a:xfrm>
+            <a:off x="7224156" y="2336873"/>
+            <a:ext cx="3070025" cy="576262"/>
+          </a:xfrm>
+        </p:spPr>
+        <p:txBody>
+          <a:bodyPr anchor="b">
+            <a:noAutofit/>
+          </a:bodyPr>
+          <a:lstStyle>
+            <a:lvl1pPr marL="0" indent="0">
+              <a:buNone/>
+              <a:defRPr sz="2400" b="0">
+                <a:solidFill>
+                  <a:schemeClr val="tx1"/>
+                </a:solidFill>
+              </a:defRPr>
+            </a:lvl1pPr>
+            <a:lvl2pPr marL="457200" indent="0">
+              <a:buNone/>
+              <a:defRPr sz="2000" b="1"/>
+            </a:lvl2pPr>
+            <a:lvl3pPr marL="914400" indent="0">
+              <a:buNone/>
+              <a:defRPr sz="1800" b="1"/>
+            </a:lvl3pPr>
+            <a:lvl4pPr marL="1371600" indent="0">
+              <a:buNone/>
+              <a:defRPr sz="1600" b="1"/>
+            </a:lvl4pPr>
+            <a:lvl5pPr marL="1828800" indent="0">
+              <a:buNone/>
+              <a:defRPr sz="1600" b="1"/>
+            </a:lvl5pPr>
+            <a:lvl6pPr marL="2286000" indent="0">
+              <a:buNone/>
+              <a:defRPr sz="1600" b="1"/>
+            </a:lvl6pPr>
+            <a:lvl7pPr marL="2743200" indent="0">
+              <a:buNone/>
+              <a:defRPr sz="1600" b="1"/>
+            </a:lvl7pPr>
+            <a:lvl8pPr marL="3200400" indent="0">
+              <a:buNone/>
+              <a:defRPr sz="1600" b="1"/>
+            </a:lvl8pPr>
+            <a:lvl9pPr marL="3657600" indent="0">
+              <a:buNone/>
+              <a:defRPr sz="1600" b="1"/>
+            </a:lvl9pPr>
+          </a:lstStyle>
+          <a:p>
+            <a:pPr lvl="0"/>
+            <a:r>
+              <a:rPr lang="nl-NL"/>
+              <a:t>Klikken om de tekststijl van het model te bewerken</a:t>
+            </a:r>
+          </a:p>
+        </p:txBody>
+      </p:sp>
+      <p:sp>
+        <p:nvSpPr>
+          <p:cNvPr id="12" name="Text Placeholder 3"/>
+          <p:cNvSpPr>
+            <a:spLocks noGrp="1"/>
+          </p:cNvSpPr>
+          <p:nvPr>
+            <p:ph type="body" sz="half" idx="17"/>
+          </p:nvPr>
+        </p:nvSpPr>
+        <p:spPr>
+          <a:xfrm>
+            <a:off x="7224156" y="3022673"/>
+            <a:ext cx="3070025" cy="2913513"/>
+          </a:xfrm>
+        </p:spPr>
+        <p:txBody>
+          <a:bodyPr anchor="t">
+            <a:normAutofit/>
+          </a:bodyPr>
+          <a:lstStyle>
+            <a:lvl1pPr marL="0" indent="0">
+              <a:buNone/>
+              <a:defRPr sz="1400"/>
+            </a:lvl1pPr>
+            <a:lvl2pPr marL="457200" indent="0">
+              <a:buNone/>
+              <a:defRPr sz="1200"/>
+            </a:lvl2pPr>
+            <a:lvl3pPr marL="914400" indent="0">
+              <a:buNone/>
+              <a:defRPr sz="1000"/>
+            </a:lvl3pPr>
+            <a:lvl4pPr marL="1371600" indent="0">
+              <a:buNone/>
+              <a:defRPr sz="900"/>
+            </a:lvl4pPr>
+            <a:lvl5pPr marL="1828800" indent="0">
+              <a:buNone/>
+              <a:defRPr sz="900"/>
+            </a:lvl5pPr>
+            <a:lvl6pPr marL="2286000" indent="0">
+              <a:buNone/>
+              <a:defRPr sz="900"/>
+            </a:lvl6pPr>
+            <a:lvl7pPr marL="2743200" indent="0">
+              <a:buNone/>
+              <a:defRPr sz="900"/>
+            </a:lvl7pPr>
+            <a:lvl8pPr marL="3200400" indent="0">
+              <a:buNone/>
+              <a:defRPr sz="900"/>
+            </a:lvl8pPr>
+            <a:lvl9pPr marL="3657600" indent="0">
+              <a:buNone/>
+              <a:defRPr sz="900"/>
+            </a:lvl9pPr>
+          </a:lstStyle>
+          <a:p>
+            <a:pPr lvl="0"/>
+            <a:r>
+              <a:rPr lang="nl-NL"/>
+              <a:t>Klikken om de tekststijl van het model te bewerken</a:t>
+            </a:r>
+          </a:p>
+        </p:txBody>
+      </p:sp>
+      <p:sp>
+        <p:nvSpPr>
+          <p:cNvPr id="3" name="Date Placeholder 2"/>
+          <p:cNvSpPr>
+            <a:spLocks noGrp="1"/>
+          </p:cNvSpPr>
+          <p:nvPr>
+            <p:ph type="dt" sz="half" idx="10"/>
+          </p:nvPr>
+        </p:nvSpPr>
+        <p:spPr/>
+        <p:txBody>
+          <a:bodyPr/>
+          <a:lstStyle/>
+          <a:p>
+            <a:fld id="{6D86DAEC-DC0F-4D08-909B-E4E2116F45D8}" type="datetimeFigureOut">
+              <a:rPr lang="en-BE" smtClean="0"/>
+              <a:t>04/21/2023</a:t>
+            </a:fld>
+            <a:endParaRPr lang="en-BE"/>
+          </a:p>
+        </p:txBody>
+      </p:sp>
+      <p:sp>
+        <p:nvSpPr>
+          <p:cNvPr id="4" name="Footer Placeholder 3"/>
+          <p:cNvSpPr>
+            <a:spLocks noGrp="1"/>
+          </p:cNvSpPr>
+          <p:nvPr>
+            <p:ph type="ftr" sz="quarter" idx="11"/>
+          </p:nvPr>
+        </p:nvSpPr>
+        <p:spPr/>
+        <p:txBody>
+          <a:bodyPr/>
+          <a:lstStyle/>
+          <a:p>
+            <a:endParaRPr lang="en-BE"/>
+          </a:p>
+        </p:txBody>
+      </p:sp>
+      <p:sp>
+        <p:nvSpPr>
+          <p:cNvPr id="5" name="Slide Number Placeholder 4"/>
+          <p:cNvSpPr>
+            <a:spLocks noGrp="1"/>
+          </p:cNvSpPr>
+          <p:nvPr>
+            <p:ph type="sldNum" sz="quarter" idx="12"/>
+          </p:nvPr>
+        </p:nvSpPr>
+        <p:spPr/>
+        <p:txBody>
+          <a:bodyPr/>
+          <a:lstStyle/>
+          <a:p>
+            <a:fld id="{B95D59DA-B899-4408-ACC9-A868D8EE2BAD}" type="slidenum">
+              <a:rPr lang="en-BE" smtClean="0"/>
+              <a:t>‹nr.›</a:t>
+            </a:fld>
+            <a:endParaRPr lang="en-BE"/>
+          </a:p>
+        </p:txBody>
+      </p:sp>
+    </p:spTree>
+    <p:extLst>
+      <p:ext uri="{BB962C8B-B14F-4D97-AF65-F5344CB8AC3E}">
+        <p14:creationId xmlns:p14="http://schemas.microsoft.com/office/powerpoint/2010/main" val="428641170"/>
+      </p:ext>
+    </p:extLst>
+  </p:cSld>
+  <p:clrMapOvr>
+    <a:masterClrMapping/>
+  </p:clrMapOvr>
+</p:sldLayout>
+</file>
+
+<file path=ppt/slideLayouts/slideLayout15.xml><?xml version="1.0" encoding="utf-8"?>
+<p:sldLayout xmlns:a="http://schemas.openxmlformats.org/drawingml/2006/main" xmlns:r="http://schemas.openxmlformats.org/officeDocument/2006/relationships" xmlns:p="http://schemas.openxmlformats.org/presentationml/2006/main" preserve="1">
+  <p:cSld name="3 Afbeelding-kolom">
+    <p:spTree>
+      <p:nvGrpSpPr>
+        <p:cNvPr id="1" name=""/>
+        <p:cNvGrpSpPr/>
+        <p:nvPr/>
+      </p:nvGrpSpPr>
+      <p:grpSpPr>
+        <a:xfrm>
+          <a:off x="0" y="0"/>
+          <a:ext cx="0" cy="0"/>
+          <a:chOff x="0" y="0"/>
+          <a:chExt cx="0" cy="0"/>
+        </a:xfrm>
+      </p:grpSpPr>
+      <p:pic>
+        <p:nvPicPr>
+          <p:cNvPr id="15" name="Picture 14" descr="HD-ShadowLong.png"/>
+          <p:cNvPicPr>
+            <a:picLocks noChangeAspect="1"/>
+          </p:cNvPicPr>
+          <p:nvPr/>
+        </p:nvPicPr>
+        <p:blipFill>
+          <a:blip r:embed="rId2">
+            <a:extLst>
+              <a:ext uri="{28A0092B-C50C-407E-A947-70E740481C1C}">
+                <a14:useLocalDpi xmlns:a14="http://schemas.microsoft.com/office/drawing/2010/main" val="0"/>
+              </a:ext>
+            </a:extLst>
+          </a:blip>
+          <a:stretch>
+            <a:fillRect/>
+          </a:stretch>
+        </p:blipFill>
+        <p:spPr>
+          <a:xfrm>
+            <a:off x="1" y="1970240"/>
+            <a:ext cx="10437812" cy="321164"/>
+          </a:xfrm>
+          <a:prstGeom prst="rect">
+            <a:avLst/>
+          </a:prstGeom>
+        </p:spPr>
+      </p:pic>
+      <p:pic>
+        <p:nvPicPr>
+          <p:cNvPr id="16" name="Picture 15" descr="HD-ShadowShort.png"/>
+          <p:cNvPicPr>
+            <a:picLocks noChangeAspect="1"/>
+          </p:cNvPicPr>
+          <p:nvPr/>
+        </p:nvPicPr>
+        <p:blipFill>
+          <a:blip r:embed="rId3">
+            <a:extLst>
+              <a:ext uri="{28A0092B-C50C-407E-A947-70E740481C1C}">
+                <a14:useLocalDpi xmlns:a14="http://schemas.microsoft.com/office/drawing/2010/main" val="0"/>
+              </a:ext>
+            </a:extLst>
+          </a:blip>
+          <a:stretch>
+            <a:fillRect/>
+          </a:stretch>
+        </p:blipFill>
+        <p:spPr>
+          <a:xfrm>
+            <a:off x="10585826" y="1971234"/>
+            <a:ext cx="1602997" cy="144270"/>
+          </a:xfrm>
+          <a:prstGeom prst="rect">
+            <a:avLst/>
+          </a:prstGeom>
+        </p:spPr>
+      </p:pic>
+      <p:sp>
+        <p:nvSpPr>
+          <p:cNvPr id="17" name="Rectangle 16"/>
+          <p:cNvSpPr/>
+          <p:nvPr/>
+        </p:nvSpPr>
+        <p:spPr bwMode="ltGray">
+          <a:xfrm>
+            <a:off x="0" y="609600"/>
+            <a:ext cx="10437812" cy="1368198"/>
+          </a:xfrm>
+          <a:prstGeom prst="rect">
+            <a:avLst/>
+          </a:prstGeom>
+          <a:solidFill>
+            <a:schemeClr val="bg1">
+              <a:lumMod val="85000"/>
+              <a:lumOff val="15000"/>
+            </a:schemeClr>
+          </a:solidFill>
+          <a:ln>
+            <a:noFill/>
+          </a:ln>
+        </p:spPr>
+        <p:style>
+          <a:lnRef idx="2">
+            <a:schemeClr val="accent1">
+              <a:shade val="50000"/>
+            </a:schemeClr>
+          </a:lnRef>
+          <a:fillRef idx="1">
+            <a:schemeClr val="accent1"/>
+          </a:fillRef>
+          <a:effectRef idx="0">
+            <a:schemeClr val="accent1"/>
+          </a:effectRef>
+          <a:fontRef idx="minor">
+            <a:schemeClr val="lt1"/>
+          </a:fontRef>
+        </p:style>
+      </p:sp>
+      <p:sp>
+        <p:nvSpPr>
+          <p:cNvPr id="18" name="Rectangle 17"/>
+          <p:cNvSpPr/>
+          <p:nvPr/>
+        </p:nvSpPr>
+        <p:spPr>
+          <a:xfrm>
+            <a:off x="10585827" y="609600"/>
+            <a:ext cx="1602997" cy="1368198"/>
+          </a:xfrm>
+          <a:prstGeom prst="rect">
+            <a:avLst/>
+          </a:prstGeom>
+          <a:solidFill>
+            <a:schemeClr val="accent1"/>
+          </a:solidFill>
+          <a:ln>
+            <a:noFill/>
+          </a:ln>
+        </p:spPr>
+        <p:style>
+          <a:lnRef idx="2">
+            <a:schemeClr val="accent1">
+              <a:shade val="50000"/>
+            </a:schemeClr>
+          </a:lnRef>
+          <a:fillRef idx="1">
+            <a:schemeClr val="accent1"/>
+          </a:fillRef>
+          <a:effectRef idx="0">
+            <a:schemeClr val="accent1"/>
+          </a:effectRef>
+          <a:fontRef idx="minor">
+            <a:schemeClr val="lt1"/>
+          </a:fontRef>
+        </p:style>
+      </p:sp>
+      <p:sp>
+        <p:nvSpPr>
+          <p:cNvPr id="30" name="Title 1"/>
+          <p:cNvSpPr>
+            <a:spLocks noGrp="1"/>
+          </p:cNvSpPr>
+          <p:nvPr>
+            <p:ph type="title"/>
+          </p:nvPr>
+        </p:nvSpPr>
+        <p:spPr>
+          <a:xfrm>
+            <a:off x="680322" y="753228"/>
+            <a:ext cx="9613860" cy="1080938"/>
+          </a:xfrm>
+        </p:spPr>
+        <p:txBody>
+          <a:bodyPr/>
+          <a:lstStyle/>
+          <a:p>
+            <a:r>
+              <a:rPr lang="nl-NL"/>
+              <a:t>Klik om stijl te bewerken</a:t>
+            </a:r>
+            <a:endParaRPr lang="en-US" dirty="0"/>
+          </a:p>
+        </p:txBody>
+      </p:sp>
+      <p:sp>
+        <p:nvSpPr>
+          <p:cNvPr id="19" name="Text Placeholder 2"/>
+          <p:cNvSpPr>
+            <a:spLocks noGrp="1"/>
+          </p:cNvSpPr>
+          <p:nvPr>
+            <p:ph type="body" idx="1"/>
+          </p:nvPr>
+        </p:nvSpPr>
+        <p:spPr>
+          <a:xfrm>
+            <a:off x="680318" y="4297503"/>
+            <a:ext cx="3049705" cy="576262"/>
+          </a:xfrm>
+        </p:spPr>
+        <p:txBody>
+          <a:bodyPr anchor="b">
+            <a:noAutofit/>
+          </a:bodyPr>
+          <a:lstStyle>
+            <a:lvl1pPr marL="0" indent="0">
+              <a:buNone/>
+              <a:defRPr sz="2400" b="0">
+                <a:solidFill>
+                  <a:schemeClr val="tx1"/>
+                </a:solidFill>
+              </a:defRPr>
+            </a:lvl1pPr>
+            <a:lvl2pPr marL="457200" indent="0">
+              <a:buNone/>
+              <a:defRPr sz="2000" b="1"/>
+            </a:lvl2pPr>
+            <a:lvl3pPr marL="914400" indent="0">
+              <a:buNone/>
+              <a:defRPr sz="1800" b="1"/>
+            </a:lvl3pPr>
+            <a:lvl4pPr marL="1371600" indent="0">
+              <a:buNone/>
+              <a:defRPr sz="1600" b="1"/>
+            </a:lvl4pPr>
+            <a:lvl5pPr marL="1828800" indent="0">
+              <a:buNone/>
+              <a:defRPr sz="1600" b="1"/>
+            </a:lvl5pPr>
+            <a:lvl6pPr marL="2286000" indent="0">
+              <a:buNone/>
+              <a:defRPr sz="1600" b="1"/>
+            </a:lvl6pPr>
+            <a:lvl7pPr marL="2743200" indent="0">
+              <a:buNone/>
+              <a:defRPr sz="1600" b="1"/>
+            </a:lvl7pPr>
+            <a:lvl8pPr marL="3200400" indent="0">
+              <a:buNone/>
+              <a:defRPr sz="1600" b="1"/>
+            </a:lvl8pPr>
+            <a:lvl9pPr marL="3657600" indent="0">
+              <a:buNone/>
+              <a:defRPr sz="1600" b="1"/>
+            </a:lvl9pPr>
+          </a:lstStyle>
+          <a:p>
+            <a:pPr lvl="0"/>
+            <a:r>
+              <a:rPr lang="nl-NL"/>
+              <a:t>Klikken om de tekststijl van het model te bewerken</a:t>
+            </a:r>
+          </a:p>
+        </p:txBody>
+      </p:sp>
+      <p:sp>
+        <p:nvSpPr>
+          <p:cNvPr id="20" name="Picture Placeholder 2"/>
+          <p:cNvSpPr>
+            <a:spLocks noGrp="1" noChangeAspect="1"/>
+          </p:cNvSpPr>
+          <p:nvPr>
+            <p:ph type="pic" idx="15"/>
+          </p:nvPr>
+        </p:nvSpPr>
+        <p:spPr>
+          <a:xfrm>
+            <a:off x="680318" y="2336873"/>
+            <a:ext cx="3049705" cy="1524000"/>
+          </a:xfrm>
+          <a:prstGeom prst="roundRect">
+            <a:avLst>
+              <a:gd name="adj" fmla="val 0"/>
+            </a:avLst>
+          </a:prstGeom>
+          <a:effectLst>
+            <a:outerShdw blurRad="50800" dist="50800" dir="5400000" algn="tl" rotWithShape="0">
+              <a:srgbClr val="000000">
+                <a:alpha val="43000"/>
+              </a:srgbClr>
+            </a:outerShdw>
+          </a:effectLst>
+        </p:spPr>
+        <p:txBody>
+          <a:bodyPr anchor="t">
+            <a:normAutofit/>
+          </a:bodyPr>
+          <a:lstStyle>
+            <a:lvl1pPr marL="0" indent="0" algn="ctr">
+              <a:buNone/>
+              <a:defRPr sz="1600"/>
+            </a:lvl1pPr>
+            <a:lvl2pPr marL="457200" indent="0">
+              <a:buNone/>
+              <a:defRPr sz="1600"/>
+            </a:lvl2pPr>
+            <a:lvl3pPr marL="914400" indent="0">
+              <a:buNone/>
+              <a:defRPr sz="1600"/>
+            </a:lvl3pPr>
+            <a:lvl4pPr marL="1371600" indent="0">
+              <a:buNone/>
+              <a:defRPr sz="1600"/>
+            </a:lvl4pPr>
+            <a:lvl5pPr marL="1828800" indent="0">
+              <a:buNone/>
+              <a:defRPr sz="1600"/>
+            </a:lvl5pPr>
+            <a:lvl6pPr marL="2286000" indent="0">
+              <a:buNone/>
+              <a:defRPr sz="1600"/>
+            </a:lvl6pPr>
+            <a:lvl7pPr marL="2743200" indent="0">
+              <a:buNone/>
+              <a:defRPr sz="1600"/>
+            </a:lvl7pPr>
+            <a:lvl8pPr marL="3200400" indent="0">
+              <a:buNone/>
+              <a:defRPr sz="1600"/>
+            </a:lvl8pPr>
+            <a:lvl9pPr marL="3657600" indent="0">
+              <a:buNone/>
+              <a:defRPr sz="1600"/>
+            </a:lvl9pPr>
+          </a:lstStyle>
+          <a:p>
+            <a:r>
+              <a:rPr lang="nl-NL"/>
+              <a:t>Klik op het pictogram als u een afbeelding wilt toevoegen</a:t>
+            </a:r>
+            <a:endParaRPr lang="en-US" dirty="0"/>
+          </a:p>
+        </p:txBody>
+      </p:sp>
+      <p:sp>
+        <p:nvSpPr>
+          <p:cNvPr id="21" name="Text Placeholder 3"/>
+          <p:cNvSpPr>
+            <a:spLocks noGrp="1"/>
+          </p:cNvSpPr>
+          <p:nvPr>
+            <p:ph type="body" sz="half" idx="18"/>
+          </p:nvPr>
+        </p:nvSpPr>
+        <p:spPr>
+          <a:xfrm>
+            <a:off x="680318" y="4873765"/>
+            <a:ext cx="3049705" cy="1062422"/>
+          </a:xfrm>
+        </p:spPr>
+        <p:txBody>
+          <a:bodyPr anchor="t">
+            <a:normAutofit/>
+          </a:bodyPr>
+          <a:lstStyle>
+            <a:lvl1pPr marL="0" indent="0">
+              <a:buNone/>
+              <a:defRPr sz="1400"/>
+            </a:lvl1pPr>
+            <a:lvl2pPr marL="457200" indent="0">
+              <a:buNone/>
+              <a:defRPr sz="1200"/>
+            </a:lvl2pPr>
+            <a:lvl3pPr marL="914400" indent="0">
+              <a:buNone/>
+              <a:defRPr sz="1000"/>
+            </a:lvl3pPr>
+            <a:lvl4pPr marL="1371600" indent="0">
+              <a:buNone/>
+              <a:defRPr sz="900"/>
+            </a:lvl4pPr>
+            <a:lvl5pPr marL="1828800" indent="0">
+              <a:buNone/>
+              <a:defRPr sz="900"/>
+            </a:lvl5pPr>
+            <a:lvl6pPr marL="2286000" indent="0">
+              <a:buNone/>
+              <a:defRPr sz="900"/>
+            </a:lvl6pPr>
+            <a:lvl7pPr marL="2743200" indent="0">
+              <a:buNone/>
+              <a:defRPr sz="900"/>
+            </a:lvl7pPr>
+            <a:lvl8pPr marL="3200400" indent="0">
+              <a:buNone/>
+              <a:defRPr sz="900"/>
+            </a:lvl8pPr>
+            <a:lvl9pPr marL="3657600" indent="0">
+              <a:buNone/>
+              <a:defRPr sz="900"/>
+            </a:lvl9pPr>
+          </a:lstStyle>
+          <a:p>
+            <a:pPr lvl="0"/>
+            <a:r>
+              <a:rPr lang="nl-NL"/>
+              <a:t>Klikken om de tekststijl van het model te bewerken</a:t>
+            </a:r>
+          </a:p>
+        </p:txBody>
+      </p:sp>
+      <p:sp>
+        <p:nvSpPr>
+          <p:cNvPr id="22" name="Text Placeholder 4"/>
+          <p:cNvSpPr>
+            <a:spLocks noGrp="1"/>
+          </p:cNvSpPr>
+          <p:nvPr>
+            <p:ph type="body" sz="quarter" idx="3"/>
+          </p:nvPr>
+        </p:nvSpPr>
+        <p:spPr>
+          <a:xfrm>
+            <a:off x="3945471" y="4297503"/>
+            <a:ext cx="3063240" cy="576262"/>
+          </a:xfrm>
+        </p:spPr>
+        <p:txBody>
+          <a:bodyPr anchor="b">
+            <a:noAutofit/>
+          </a:bodyPr>
+          <a:lstStyle>
+            <a:lvl1pPr marL="0" indent="0">
+              <a:buNone/>
+              <a:defRPr sz="2400" b="0">
+                <a:solidFill>
+                  <a:schemeClr val="tx1"/>
+                </a:solidFill>
+              </a:defRPr>
+            </a:lvl1pPr>
+            <a:lvl2pPr marL="457200" indent="0">
+              <a:buNone/>
+              <a:defRPr sz="2000" b="1"/>
+            </a:lvl2pPr>
+            <a:lvl3pPr marL="914400" indent="0">
+              <a:buNone/>
+              <a:defRPr sz="1800" b="1"/>
+            </a:lvl3pPr>
+            <a:lvl4pPr marL="1371600" indent="0">
+              <a:buNone/>
+              <a:defRPr sz="1600" b="1"/>
+            </a:lvl4pPr>
+            <a:lvl5pPr marL="1828800" indent="0">
+              <a:buNone/>
+              <a:defRPr sz="1600" b="1"/>
+            </a:lvl5pPr>
+            <a:lvl6pPr marL="2286000" indent="0">
+              <a:buNone/>
+              <a:defRPr sz="1600" b="1"/>
+            </a:lvl6pPr>
+            <a:lvl7pPr marL="2743200" indent="0">
+              <a:buNone/>
+              <a:defRPr sz="1600" b="1"/>
+            </a:lvl7pPr>
+            <a:lvl8pPr marL="3200400" indent="0">
+              <a:buNone/>
+              <a:defRPr sz="1600" b="1"/>
+            </a:lvl8pPr>
+            <a:lvl9pPr marL="3657600" indent="0">
+              <a:buNone/>
+              <a:defRPr sz="1600" b="1"/>
+            </a:lvl9pPr>
+          </a:lstStyle>
+          <a:p>
+            <a:pPr lvl="0"/>
+            <a:r>
+              <a:rPr lang="nl-NL"/>
+              <a:t>Klikken om de tekststijl van het model te bewerken</a:t>
+            </a:r>
+          </a:p>
+        </p:txBody>
+      </p:sp>
+      <p:sp>
+        <p:nvSpPr>
+          <p:cNvPr id="23" name="Picture Placeholder 2"/>
+          <p:cNvSpPr>
+            <a:spLocks noGrp="1" noChangeAspect="1"/>
+          </p:cNvSpPr>
+          <p:nvPr>
+            <p:ph type="pic" idx="21"/>
+          </p:nvPr>
+        </p:nvSpPr>
+        <p:spPr>
+          <a:xfrm>
+            <a:off x="3945470" y="2336873"/>
+            <a:ext cx="3063240" cy="1524000"/>
+          </a:xfrm>
+          <a:prstGeom prst="roundRect">
+            <a:avLst>
+              <a:gd name="adj" fmla="val 0"/>
+            </a:avLst>
+          </a:prstGeom>
+          <a:effectLst>
+            <a:outerShdw blurRad="50800" dist="50800" dir="5400000" algn="tl" rotWithShape="0">
+              <a:srgbClr val="000000">
+                <a:alpha val="43000"/>
+              </a:srgbClr>
+            </a:outerShdw>
+          </a:effectLst>
+        </p:spPr>
+        <p:txBody>
+          <a:bodyPr anchor="t">
+            <a:normAutofit/>
+          </a:bodyPr>
+          <a:lstStyle>
+            <a:lvl1pPr marL="0" indent="0" algn="ctr">
+              <a:buNone/>
+              <a:defRPr sz="1600"/>
+            </a:lvl1pPr>
+            <a:lvl2pPr marL="457200" indent="0">
+              <a:buNone/>
+              <a:defRPr sz="1600"/>
+            </a:lvl2pPr>
+            <a:lvl3pPr marL="914400" indent="0">
+              <a:buNone/>
+              <a:defRPr sz="1600"/>
+            </a:lvl3pPr>
+            <a:lvl4pPr marL="1371600" indent="0">
+              <a:buNone/>
+              <a:defRPr sz="1600"/>
+            </a:lvl4pPr>
+            <a:lvl5pPr marL="1828800" indent="0">
+              <a:buNone/>
+              <a:defRPr sz="1600"/>
+            </a:lvl5pPr>
+            <a:lvl6pPr marL="2286000" indent="0">
+              <a:buNone/>
+              <a:defRPr sz="1600"/>
+            </a:lvl6pPr>
+            <a:lvl7pPr marL="2743200" indent="0">
+              <a:buNone/>
+              <a:defRPr sz="1600"/>
+            </a:lvl7pPr>
+            <a:lvl8pPr marL="3200400" indent="0">
+              <a:buNone/>
+              <a:defRPr sz="1600"/>
+            </a:lvl8pPr>
+            <a:lvl9pPr marL="3657600" indent="0">
+              <a:buNone/>
+              <a:defRPr sz="1600"/>
+            </a:lvl9pPr>
+          </a:lstStyle>
+          <a:p>
+            <a:r>
+              <a:rPr lang="nl-NL"/>
+              <a:t>Klik op het pictogram als u een afbeelding wilt toevoegen</a:t>
+            </a:r>
+            <a:endParaRPr lang="en-US" dirty="0"/>
+          </a:p>
+        </p:txBody>
+      </p:sp>
+      <p:sp>
+        <p:nvSpPr>
+          <p:cNvPr id="24" name="Text Placeholder 3"/>
+          <p:cNvSpPr>
+            <a:spLocks noGrp="1"/>
+          </p:cNvSpPr>
+          <p:nvPr>
+            <p:ph type="body" sz="half" idx="19"/>
+          </p:nvPr>
+        </p:nvSpPr>
+        <p:spPr>
+          <a:xfrm>
+            <a:off x="3944117" y="4873764"/>
+            <a:ext cx="3067297" cy="1062422"/>
+          </a:xfrm>
+        </p:spPr>
+        <p:txBody>
+          <a:bodyPr anchor="t">
+            <a:normAutofit/>
+          </a:bodyPr>
+          <a:lstStyle>
+            <a:lvl1pPr marL="0" indent="0">
+              <a:buNone/>
+              <a:defRPr sz="1400"/>
+            </a:lvl1pPr>
+            <a:lvl2pPr marL="457200" indent="0">
+              <a:buNone/>
+              <a:defRPr sz="1200"/>
+            </a:lvl2pPr>
+            <a:lvl3pPr marL="914400" indent="0">
+              <a:buNone/>
+              <a:defRPr sz="1000"/>
+            </a:lvl3pPr>
+            <a:lvl4pPr marL="1371600" indent="0">
+              <a:buNone/>
+              <a:defRPr sz="900"/>
+            </a:lvl4pPr>
+            <a:lvl5pPr marL="1828800" indent="0">
+              <a:buNone/>
+              <a:defRPr sz="900"/>
+            </a:lvl5pPr>
+            <a:lvl6pPr marL="2286000" indent="0">
+              <a:buNone/>
+              <a:defRPr sz="900"/>
+            </a:lvl6pPr>
+            <a:lvl7pPr marL="2743200" indent="0">
+              <a:buNone/>
+              <a:defRPr sz="900"/>
+            </a:lvl7pPr>
+            <a:lvl8pPr marL="3200400" indent="0">
+              <a:buNone/>
+              <a:defRPr sz="900"/>
+            </a:lvl8pPr>
+            <a:lvl9pPr marL="3657600" indent="0">
+              <a:buNone/>
+              <a:defRPr sz="900"/>
+            </a:lvl9pPr>
+          </a:lstStyle>
+          <a:p>
+            <a:pPr lvl="0"/>
+            <a:r>
+              <a:rPr lang="nl-NL"/>
+              <a:t>Klikken om de tekststijl van het model te bewerken</a:t>
+            </a:r>
+          </a:p>
+        </p:txBody>
+      </p:sp>
+      <p:sp>
+        <p:nvSpPr>
+          <p:cNvPr id="25" name="Text Placeholder 4"/>
+          <p:cNvSpPr>
+            <a:spLocks noGrp="1"/>
+          </p:cNvSpPr>
+          <p:nvPr>
+            <p:ph type="body" sz="quarter" idx="13"/>
+          </p:nvPr>
+        </p:nvSpPr>
+        <p:spPr>
+          <a:xfrm>
+            <a:off x="7230678" y="4297503"/>
+            <a:ext cx="3063505" cy="576262"/>
+          </a:xfrm>
+        </p:spPr>
+        <p:txBody>
+          <a:bodyPr anchor="b">
+            <a:noAutofit/>
+          </a:bodyPr>
+          <a:lstStyle>
+            <a:lvl1pPr marL="0" indent="0">
+              <a:buNone/>
+              <a:defRPr sz="2400" b="0">
+                <a:solidFill>
+                  <a:schemeClr val="tx1"/>
+                </a:solidFill>
+              </a:defRPr>
+            </a:lvl1pPr>
+            <a:lvl2pPr marL="457200" indent="0">
+              <a:buNone/>
+              <a:defRPr sz="2000" b="1"/>
+            </a:lvl2pPr>
+            <a:lvl3pPr marL="914400" indent="0">
+              <a:buNone/>
+              <a:defRPr sz="1800" b="1"/>
+            </a:lvl3pPr>
+            <a:lvl4pPr marL="1371600" indent="0">
+              <a:buNone/>
+              <a:defRPr sz="1600" b="1"/>
+            </a:lvl4pPr>
+            <a:lvl5pPr marL="1828800" indent="0">
+              <a:buNone/>
+              <a:defRPr sz="1600" b="1"/>
+            </a:lvl5pPr>
+            <a:lvl6pPr marL="2286000" indent="0">
+              <a:buNone/>
+              <a:defRPr sz="1600" b="1"/>
+            </a:lvl6pPr>
+            <a:lvl7pPr marL="2743200" indent="0">
+              <a:buNone/>
+              <a:defRPr sz="1600" b="1"/>
+            </a:lvl7pPr>
+            <a:lvl8pPr marL="3200400" indent="0">
+              <a:buNone/>
+              <a:defRPr sz="1600" b="1"/>
+            </a:lvl8pPr>
+            <a:lvl9pPr marL="3657600" indent="0">
+              <a:buNone/>
+              <a:defRPr sz="1600" b="1"/>
+            </a:lvl9pPr>
+          </a:lstStyle>
+          <a:p>
+            <a:pPr lvl="0"/>
+            <a:r>
+              <a:rPr lang="nl-NL"/>
+              <a:t>Klikken om de tekststijl van het model te bewerken</a:t>
+            </a:r>
+          </a:p>
+        </p:txBody>
+      </p:sp>
+      <p:sp>
+        <p:nvSpPr>
+          <p:cNvPr id="26" name="Picture Placeholder 2"/>
+          <p:cNvSpPr>
+            <a:spLocks noGrp="1" noChangeAspect="1"/>
+          </p:cNvSpPr>
+          <p:nvPr>
+            <p:ph type="pic" idx="22"/>
+          </p:nvPr>
+        </p:nvSpPr>
+        <p:spPr>
+          <a:xfrm>
+            <a:off x="7230677" y="2336873"/>
+            <a:ext cx="3063505" cy="1524000"/>
+          </a:xfrm>
+          <a:prstGeom prst="roundRect">
+            <a:avLst>
+              <a:gd name="adj" fmla="val 0"/>
+            </a:avLst>
+          </a:prstGeom>
+          <a:effectLst>
+            <a:outerShdw blurRad="50800" dist="50800" dir="5400000" algn="tl" rotWithShape="0">
+              <a:srgbClr val="000000">
+                <a:alpha val="43000"/>
+              </a:srgbClr>
+            </a:outerShdw>
+          </a:effectLst>
+        </p:spPr>
+        <p:txBody>
+          <a:bodyPr anchor="t">
+            <a:normAutofit/>
+          </a:bodyPr>
+          <a:lstStyle>
+            <a:lvl1pPr marL="0" indent="0" algn="ctr">
+              <a:buNone/>
+              <a:defRPr sz="1600"/>
+            </a:lvl1pPr>
+            <a:lvl2pPr marL="457200" indent="0">
+              <a:buNone/>
+              <a:defRPr sz="1600"/>
+            </a:lvl2pPr>
+            <a:lvl3pPr marL="914400" indent="0">
+              <a:buNone/>
+              <a:defRPr sz="1600"/>
+            </a:lvl3pPr>
+            <a:lvl4pPr marL="1371600" indent="0">
+              <a:buNone/>
+              <a:defRPr sz="1600"/>
+            </a:lvl4pPr>
+            <a:lvl5pPr marL="1828800" indent="0">
+              <a:buNone/>
+              <a:defRPr sz="1600"/>
+            </a:lvl5pPr>
+            <a:lvl6pPr marL="2286000" indent="0">
+              <a:buNone/>
+              <a:defRPr sz="1600"/>
+            </a:lvl6pPr>
+            <a:lvl7pPr marL="2743200" indent="0">
+              <a:buNone/>
+              <a:defRPr sz="1600"/>
+            </a:lvl7pPr>
+            <a:lvl8pPr marL="3200400" indent="0">
+              <a:buNone/>
+              <a:defRPr sz="1600"/>
+            </a:lvl8pPr>
+            <a:lvl9pPr marL="3657600" indent="0">
+              <a:buNone/>
+              <a:defRPr sz="1600"/>
+            </a:lvl9pPr>
+          </a:lstStyle>
+          <a:p>
+            <a:r>
+              <a:rPr lang="nl-NL"/>
+              <a:t>Klik op het pictogram als u een afbeelding wilt toevoegen</a:t>
+            </a:r>
+            <a:endParaRPr lang="en-US" dirty="0"/>
+          </a:p>
+        </p:txBody>
+      </p:sp>
+      <p:sp>
+        <p:nvSpPr>
+          <p:cNvPr id="27" name="Text Placeholder 3"/>
+          <p:cNvSpPr>
+            <a:spLocks noGrp="1"/>
+          </p:cNvSpPr>
+          <p:nvPr>
+            <p:ph type="body" sz="half" idx="20"/>
+          </p:nvPr>
+        </p:nvSpPr>
+        <p:spPr>
+          <a:xfrm>
+            <a:off x="7230553" y="4873762"/>
+            <a:ext cx="3067563" cy="1062422"/>
+          </a:xfrm>
+        </p:spPr>
+        <p:txBody>
+          <a:bodyPr anchor="t">
+            <a:normAutofit/>
+          </a:bodyPr>
+          <a:lstStyle>
+            <a:lvl1pPr marL="0" indent="0">
+              <a:buNone/>
+              <a:defRPr sz="1400"/>
+            </a:lvl1pPr>
+            <a:lvl2pPr marL="457200" indent="0">
+              <a:buNone/>
+              <a:defRPr sz="1200"/>
+            </a:lvl2pPr>
+            <a:lvl3pPr marL="914400" indent="0">
+              <a:buNone/>
+              <a:defRPr sz="1000"/>
+            </a:lvl3pPr>
+            <a:lvl4pPr marL="1371600" indent="0">
+              <a:buNone/>
+              <a:defRPr sz="900"/>
+            </a:lvl4pPr>
+            <a:lvl5pPr marL="1828800" indent="0">
+              <a:buNone/>
+              <a:defRPr sz="900"/>
+            </a:lvl5pPr>
+            <a:lvl6pPr marL="2286000" indent="0">
+              <a:buNone/>
+              <a:defRPr sz="900"/>
+            </a:lvl6pPr>
+            <a:lvl7pPr marL="2743200" indent="0">
+              <a:buNone/>
+              <a:defRPr sz="900"/>
+            </a:lvl7pPr>
+            <a:lvl8pPr marL="3200400" indent="0">
+              <a:buNone/>
+              <a:defRPr sz="900"/>
+            </a:lvl8pPr>
+            <a:lvl9pPr marL="3657600" indent="0">
+              <a:buNone/>
+              <a:defRPr sz="900"/>
+            </a:lvl9pPr>
+          </a:lstStyle>
+          <a:p>
+            <a:pPr lvl="0"/>
+            <a:r>
+              <a:rPr lang="nl-NL"/>
+              <a:t>Klikken om de tekststijl van het model te bewerken</a:t>
+            </a:r>
+          </a:p>
+        </p:txBody>
+      </p:sp>
+      <p:sp>
+        <p:nvSpPr>
+          <p:cNvPr id="3" name="Date Placeholder 2"/>
+          <p:cNvSpPr>
+            <a:spLocks noGrp="1"/>
+          </p:cNvSpPr>
+          <p:nvPr>
+            <p:ph type="dt" sz="half" idx="10"/>
+          </p:nvPr>
+        </p:nvSpPr>
+        <p:spPr/>
+        <p:txBody>
+          <a:bodyPr/>
+          <a:lstStyle/>
+          <a:p>
+            <a:fld id="{6D86DAEC-DC0F-4D08-909B-E4E2116F45D8}" type="datetimeFigureOut">
+              <a:rPr lang="en-BE" smtClean="0"/>
+              <a:t>04/21/2023</a:t>
+            </a:fld>
+            <a:endParaRPr lang="en-BE"/>
+          </a:p>
+        </p:txBody>
+      </p:sp>
+      <p:sp>
+        <p:nvSpPr>
+          <p:cNvPr id="4" name="Footer Placeholder 3"/>
+          <p:cNvSpPr>
+            <a:spLocks noGrp="1"/>
+          </p:cNvSpPr>
+          <p:nvPr>
+            <p:ph type="ftr" sz="quarter" idx="11"/>
+          </p:nvPr>
+        </p:nvSpPr>
+        <p:spPr/>
+        <p:txBody>
+          <a:bodyPr/>
+          <a:lstStyle/>
+          <a:p>
+            <a:endParaRPr lang="en-BE"/>
+          </a:p>
+        </p:txBody>
+      </p:sp>
+      <p:sp>
+        <p:nvSpPr>
+          <p:cNvPr id="5" name="Slide Number Placeholder 4"/>
+          <p:cNvSpPr>
+            <a:spLocks noGrp="1"/>
+          </p:cNvSpPr>
+          <p:nvPr>
+            <p:ph type="sldNum" sz="quarter" idx="12"/>
+          </p:nvPr>
+        </p:nvSpPr>
+        <p:spPr/>
+        <p:txBody>
+          <a:bodyPr/>
+          <a:lstStyle/>
+          <a:p>
+            <a:fld id="{B95D59DA-B899-4408-ACC9-A868D8EE2BAD}" type="slidenum">
+              <a:rPr lang="en-BE" smtClean="0"/>
+              <a:t>‹nr.›</a:t>
+            </a:fld>
+            <a:endParaRPr lang="en-BE"/>
+          </a:p>
+        </p:txBody>
+      </p:sp>
+    </p:spTree>
+    <p:extLst>
+      <p:ext uri="{BB962C8B-B14F-4D97-AF65-F5344CB8AC3E}">
+        <p14:creationId xmlns:p14="http://schemas.microsoft.com/office/powerpoint/2010/main" val="3124390377"/>
+      </p:ext>
+    </p:extLst>
+  </p:cSld>
+  <p:clrMapOvr>
+    <a:masterClrMapping/>
+  </p:clrMapOvr>
+</p:sldLayout>
+</file>
+
+<file path=ppt/slideLayouts/slideLayout16.xml><?xml version="1.0" encoding="utf-8"?>
 <p:sldLayout xmlns:a="http://schemas.openxmlformats.org/drawingml/2006/main" xmlns:r="http://schemas.openxmlformats.org/officeDocument/2006/relationships" xmlns:p="http://schemas.openxmlformats.org/presentationml/2006/main" type="vertTx" preserve="1">
   <p:cSld name="Titel en verticale tekst">
     <p:spTree>
@@ -348,20 +3788,232 @@
           <a:chExt cx="0" cy="0"/>
         </a:xfrm>
       </p:grpSpPr>
-      <p:sp>
-        <p:nvSpPr>
-          <p:cNvPr id="2" name="Titel 1">
+      <p:pic>
+        <p:nvPicPr>
+          <p:cNvPr id="7" name="Picture 6" descr="HD-ShadowLong.png"/>
+          <p:cNvPicPr>
+            <a:picLocks noChangeAspect="1"/>
+          </p:cNvPicPr>
+          <p:nvPr/>
+        </p:nvPicPr>
+        <p:blipFill>
+          <a:blip r:embed="rId2">
             <a:extLst>
-              <a:ext uri="{FF2B5EF4-FFF2-40B4-BE49-F238E27FC236}">
-                <a16:creationId xmlns:a16="http://schemas.microsoft.com/office/drawing/2014/main" id="{C272AE8E-DB93-4B64-884C-E5CA77304EA9}"/>
+              <a:ext uri="{28A0092B-C50C-407E-A947-70E740481C1C}">
+                <a14:useLocalDpi xmlns:a14="http://schemas.microsoft.com/office/drawing/2010/main" val="0"/>
               </a:ext>
             </a:extLst>
-          </p:cNvPr>
+          </a:blip>
+          <a:stretch>
+            <a:fillRect/>
+          </a:stretch>
+        </p:blipFill>
+        <p:spPr>
+          <a:xfrm>
+            <a:off x="1" y="1970240"/>
+            <a:ext cx="10437812" cy="321164"/>
+          </a:xfrm>
+          <a:prstGeom prst="rect">
+            <a:avLst/>
+          </a:prstGeom>
+        </p:spPr>
+      </p:pic>
+      <p:pic>
+        <p:nvPicPr>
+          <p:cNvPr id="8" name="Picture 7" descr="HD-ShadowShort.png"/>
+          <p:cNvPicPr>
+            <a:picLocks noChangeAspect="1"/>
+          </p:cNvPicPr>
+          <p:nvPr/>
+        </p:nvPicPr>
+        <p:blipFill>
+          <a:blip r:embed="rId3">
+            <a:extLst>
+              <a:ext uri="{28A0092B-C50C-407E-A947-70E740481C1C}">
+                <a14:useLocalDpi xmlns:a14="http://schemas.microsoft.com/office/drawing/2010/main" val="0"/>
+              </a:ext>
+            </a:extLst>
+          </a:blip>
+          <a:stretch>
+            <a:fillRect/>
+          </a:stretch>
+        </p:blipFill>
+        <p:spPr>
+          <a:xfrm>
+            <a:off x="10585826" y="1971234"/>
+            <a:ext cx="1602997" cy="144270"/>
+          </a:xfrm>
+          <a:prstGeom prst="rect">
+            <a:avLst/>
+          </a:prstGeom>
+        </p:spPr>
+      </p:pic>
+      <p:sp>
+        <p:nvSpPr>
+          <p:cNvPr id="9" name="Rectangle 8"/>
+          <p:cNvSpPr/>
+          <p:nvPr/>
+        </p:nvSpPr>
+        <p:spPr bwMode="ltGray">
+          <a:xfrm>
+            <a:off x="0" y="609600"/>
+            <a:ext cx="10437812" cy="1368198"/>
+          </a:xfrm>
+          <a:prstGeom prst="rect">
+            <a:avLst/>
+          </a:prstGeom>
+          <a:solidFill>
+            <a:schemeClr val="bg1">
+              <a:lumMod val="85000"/>
+              <a:lumOff val="15000"/>
+            </a:schemeClr>
+          </a:solidFill>
+          <a:ln>
+            <a:noFill/>
+          </a:ln>
+        </p:spPr>
+        <p:style>
+          <a:lnRef idx="2">
+            <a:schemeClr val="accent1">
+              <a:shade val="50000"/>
+            </a:schemeClr>
+          </a:lnRef>
+          <a:fillRef idx="1">
+            <a:schemeClr val="accent1"/>
+          </a:fillRef>
+          <a:effectRef idx="0">
+            <a:schemeClr val="accent1"/>
+          </a:effectRef>
+          <a:fontRef idx="minor">
+            <a:schemeClr val="lt1"/>
+          </a:fontRef>
+        </p:style>
+      </p:sp>
+      <p:sp>
+        <p:nvSpPr>
+          <p:cNvPr id="10" name="Rectangle 9"/>
+          <p:cNvSpPr/>
+          <p:nvPr/>
+        </p:nvSpPr>
+        <p:spPr>
+          <a:xfrm>
+            <a:off x="10585827" y="609600"/>
+            <a:ext cx="1602997" cy="1368198"/>
+          </a:xfrm>
+          <a:prstGeom prst="rect">
+            <a:avLst/>
+          </a:prstGeom>
+          <a:solidFill>
+            <a:schemeClr val="accent1"/>
+          </a:solidFill>
+          <a:ln>
+            <a:noFill/>
+          </a:ln>
+        </p:spPr>
+        <p:style>
+          <a:lnRef idx="2">
+            <a:schemeClr val="accent1">
+              <a:shade val="50000"/>
+            </a:schemeClr>
+          </a:lnRef>
+          <a:fillRef idx="1">
+            <a:schemeClr val="accent1"/>
+          </a:fillRef>
+          <a:effectRef idx="0">
+            <a:schemeClr val="accent1"/>
+          </a:effectRef>
+          <a:fontRef idx="minor">
+            <a:schemeClr val="lt1"/>
+          </a:fontRef>
+        </p:style>
+      </p:sp>
+      <p:sp>
+        <p:nvSpPr>
+          <p:cNvPr id="2" name="Title 1"/>
           <p:cNvSpPr>
             <a:spLocks noGrp="1"/>
           </p:cNvSpPr>
           <p:nvPr>
             <p:ph type="title"/>
+          </p:nvPr>
+        </p:nvSpPr>
+        <p:spPr/>
+        <p:txBody>
+          <a:bodyPr/>
+          <a:lstStyle>
+            <a:lvl1pPr algn="r">
+              <a:defRPr/>
+            </a:lvl1pPr>
+          </a:lstStyle>
+          <a:p>
+            <a:r>
+              <a:rPr lang="nl-NL"/>
+              <a:t>Klik om stijl te bewerken</a:t>
+            </a:r>
+            <a:endParaRPr lang="en-US" dirty="0"/>
+          </a:p>
+        </p:txBody>
+      </p:sp>
+      <p:sp>
+        <p:nvSpPr>
+          <p:cNvPr id="3" name="Vertical Text Placeholder 2"/>
+          <p:cNvSpPr>
+            <a:spLocks noGrp="1"/>
+          </p:cNvSpPr>
+          <p:nvPr>
+            <p:ph type="body" orient="vert" idx="1"/>
+          </p:nvPr>
+        </p:nvSpPr>
+        <p:spPr/>
+        <p:txBody>
+          <a:bodyPr vert="eaVert"/>
+          <a:lstStyle/>
+          <a:p>
+            <a:pPr lvl="0"/>
+            <a:r>
+              <a:rPr lang="nl-NL"/>
+              <a:t>Klikken om de tekststijl van het model te bewerken</a:t>
+            </a:r>
+          </a:p>
+          <a:p>
+            <a:pPr lvl="1"/>
+            <a:r>
+              <a:rPr lang="nl-NL"/>
+              <a:t>Tweede niveau</a:t>
+            </a:r>
+          </a:p>
+          <a:p>
+            <a:pPr lvl="2"/>
+            <a:r>
+              <a:rPr lang="nl-NL"/>
+              <a:t>Derde niveau</a:t>
+            </a:r>
+          </a:p>
+          <a:p>
+            <a:pPr lvl="3"/>
+            <a:r>
+              <a:rPr lang="nl-NL"/>
+              <a:t>Vierde niveau</a:t>
+            </a:r>
+          </a:p>
+          <a:p>
+            <a:pPr lvl="4"/>
+            <a:r>
+              <a:rPr lang="nl-NL"/>
+              <a:t>Vijfde niveau</a:t>
+            </a:r>
+            <a:endParaRPr lang="en-US" dirty="0"/>
+          </a:p>
+        </p:txBody>
+      </p:sp>
+      <p:sp>
+        <p:nvSpPr>
+          <p:cNvPr id="4" name="Date Placeholder 3"/>
+          <p:cNvSpPr>
+            <a:spLocks noGrp="1"/>
+          </p:cNvSpPr>
+          <p:nvPr>
+            <p:ph type="dt" sz="half" idx="10"/>
           </p:nvPr>
         </p:nvSpPr>
         <p:spPr/>
@@ -369,86 +4021,22 @@
           <a:bodyPr/>
           <a:lstStyle/>
           <a:p>
-            <a:r>
-              <a:rPr lang="nl-NL"/>
-              <a:t>Klik om stijl te bewerken</a:t>
-            </a:r>
+            <a:fld id="{6D86DAEC-DC0F-4D08-909B-E4E2116F45D8}" type="datetimeFigureOut">
+              <a:rPr lang="en-BE" smtClean="0"/>
+              <a:t>04/21/2023</a:t>
+            </a:fld>
             <a:endParaRPr lang="en-BE"/>
           </a:p>
         </p:txBody>
       </p:sp>
       <p:sp>
         <p:nvSpPr>
-          <p:cNvPr id="3" name="Tijdelijke aanduiding voor verticale tekst 2">
-            <a:extLst>
-              <a:ext uri="{FF2B5EF4-FFF2-40B4-BE49-F238E27FC236}">
-                <a16:creationId xmlns:a16="http://schemas.microsoft.com/office/drawing/2014/main" id="{0528AD0E-2500-26A8-119F-05F3C34671D3}"/>
-              </a:ext>
-            </a:extLst>
-          </p:cNvPr>
-          <p:cNvSpPr>
-            <a:spLocks noGrp="1"/>
-          </p:cNvSpPr>
-          <p:nvPr>
-            <p:ph type="body" orient="vert" idx="1"/>
-          </p:nvPr>
-        </p:nvSpPr>
-        <p:spPr/>
-        <p:txBody>
-          <a:bodyPr vert="eaVert"/>
-          <a:lstStyle/>
-          <a:p>
-            <a:pPr lvl="0"/>
-            <a:r>
-              <a:rPr lang="nl-NL"/>
-              <a:t>Klikken om de tekststijl van het model te bewerken</a:t>
-            </a:r>
-          </a:p>
-          <a:p>
-            <a:pPr lvl="1"/>
-            <a:r>
-              <a:rPr lang="nl-NL"/>
-              <a:t>Tweede niveau</a:t>
-            </a:r>
-          </a:p>
-          <a:p>
-            <a:pPr lvl="2"/>
-            <a:r>
-              <a:rPr lang="nl-NL"/>
-              <a:t>Derde niveau</a:t>
-            </a:r>
-          </a:p>
-          <a:p>
-            <a:pPr lvl="3"/>
-            <a:r>
-              <a:rPr lang="nl-NL"/>
-              <a:t>Vierde niveau</a:t>
-            </a:r>
-          </a:p>
-          <a:p>
-            <a:pPr lvl="4"/>
-            <a:r>
-              <a:rPr lang="nl-NL"/>
-              <a:t>Vijfde niveau</a:t>
-            </a:r>
-            <a:endParaRPr lang="en-BE"/>
-          </a:p>
-        </p:txBody>
-      </p:sp>
-      <p:sp>
-        <p:nvSpPr>
-          <p:cNvPr id="4" name="Tijdelijke aanduiding voor datum 3">
-            <a:extLst>
-              <a:ext uri="{FF2B5EF4-FFF2-40B4-BE49-F238E27FC236}">
-                <a16:creationId xmlns:a16="http://schemas.microsoft.com/office/drawing/2014/main" id="{75F48B0A-CCE4-06CD-42AF-2F9138EB79CE}"/>
-              </a:ext>
-            </a:extLst>
-          </p:cNvPr>
-          <p:cNvSpPr>
-            <a:spLocks noGrp="1"/>
-          </p:cNvSpPr>
-          <p:nvPr>
-            <p:ph type="dt" sz="half" idx="10"/>
+          <p:cNvPr id="5" name="Footer Placeholder 4"/>
+          <p:cNvSpPr>
+            <a:spLocks noGrp="1"/>
+          </p:cNvSpPr>
+          <p:nvPr>
+            <p:ph type="ftr" sz="quarter" idx="11"/>
           </p:nvPr>
         </p:nvSpPr>
         <p:spPr/>
@@ -456,48 +4044,13 @@
           <a:bodyPr/>
           <a:lstStyle/>
           <a:p>
-            <a:fld id="{6D86DAEC-DC0F-4D08-909B-E4E2116F45D8}" type="datetimeFigureOut">
-              <a:rPr lang="en-BE" smtClean="0"/>
-              <a:t>21/04/2023</a:t>
-            </a:fld>
             <a:endParaRPr lang="en-BE"/>
           </a:p>
         </p:txBody>
       </p:sp>
       <p:sp>
         <p:nvSpPr>
-          <p:cNvPr id="5" name="Tijdelijke aanduiding voor voettekst 4">
-            <a:extLst>
-              <a:ext uri="{FF2B5EF4-FFF2-40B4-BE49-F238E27FC236}">
-                <a16:creationId xmlns:a16="http://schemas.microsoft.com/office/drawing/2014/main" id="{B5F87324-C80A-4E52-9D9B-7E97B2CD0789}"/>
-              </a:ext>
-            </a:extLst>
-          </p:cNvPr>
-          <p:cNvSpPr>
-            <a:spLocks noGrp="1"/>
-          </p:cNvSpPr>
-          <p:nvPr>
-            <p:ph type="ftr" sz="quarter" idx="11"/>
-          </p:nvPr>
-        </p:nvSpPr>
-        <p:spPr/>
-        <p:txBody>
-          <a:bodyPr/>
-          <a:lstStyle/>
-          <a:p>
-            <a:endParaRPr lang="en-BE"/>
-          </a:p>
-        </p:txBody>
-      </p:sp>
-      <p:sp>
-        <p:nvSpPr>
-          <p:cNvPr id="6" name="Tijdelijke aanduiding voor dianummer 5">
-            <a:extLst>
-              <a:ext uri="{FF2B5EF4-FFF2-40B4-BE49-F238E27FC236}">
-                <a16:creationId xmlns:a16="http://schemas.microsoft.com/office/drawing/2014/main" id="{3A41982A-6322-BA29-838D-FB411957EE3D}"/>
-              </a:ext>
-            </a:extLst>
-          </p:cNvPr>
+          <p:cNvPr id="6" name="Slide Number Placeholder 5"/>
           <p:cNvSpPr>
             <a:spLocks noGrp="1"/>
           </p:cNvSpPr>
@@ -521,7 +4074,7 @@
     </p:spTree>
     <p:extLst>
       <p:ext uri="{BB962C8B-B14F-4D97-AF65-F5344CB8AC3E}">
-        <p14:creationId xmlns:p14="http://schemas.microsoft.com/office/powerpoint/2010/main" val="3065583969"/>
+        <p14:creationId xmlns:p14="http://schemas.microsoft.com/office/powerpoint/2010/main" val="988112055"/>
       </p:ext>
     </p:extLst>
   </p:cSld>
@@ -531,7 +4084,7 @@
 </p:sldLayout>
 </file>
 
-<file path=ppt/slideLayouts/slideLayout11.xml><?xml version="1.0" encoding="utf-8"?>
+<file path=ppt/slideLayouts/slideLayout17.xml><?xml version="1.0" encoding="utf-8"?>
 <p:sldLayout xmlns:a="http://schemas.openxmlformats.org/drawingml/2006/main" xmlns:r="http://schemas.openxmlformats.org/officeDocument/2006/relationships" xmlns:p="http://schemas.openxmlformats.org/presentationml/2006/main" type="vertTitleAndTx" preserve="1">
   <p:cSld name="Verticale titel en tekst">
     <p:spTree>
@@ -550,13 +4103,86 @@
       </p:grpSpPr>
       <p:sp>
         <p:nvSpPr>
-          <p:cNvPr id="2" name="Verticale titel 1">
-            <a:extLst>
-              <a:ext uri="{FF2B5EF4-FFF2-40B4-BE49-F238E27FC236}">
-                <a16:creationId xmlns:a16="http://schemas.microsoft.com/office/drawing/2014/main" id="{27C75CCA-2D50-1C4F-C3E4-0C9F8EBCBA86}"/>
-              </a:ext>
-            </a:extLst>
-          </p:cNvPr>
+          <p:cNvPr id="7" name="Rectangle 6"/>
+          <p:cNvSpPr/>
+          <p:nvPr/>
+        </p:nvSpPr>
+        <p:spPr bwMode="ltGray">
+          <a:xfrm rot="5400000">
+            <a:off x="8116207" y="1869395"/>
+            <a:ext cx="5106988" cy="1368198"/>
+          </a:xfrm>
+          <a:prstGeom prst="rect">
+            <a:avLst/>
+          </a:prstGeom>
+          <a:solidFill>
+            <a:schemeClr val="bg1">
+              <a:lumMod val="85000"/>
+              <a:lumOff val="15000"/>
+            </a:schemeClr>
+          </a:solidFill>
+          <a:ln>
+            <a:noFill/>
+          </a:ln>
+        </p:spPr>
+        <p:style>
+          <a:lnRef idx="2">
+            <a:schemeClr val="accent1">
+              <a:shade val="50000"/>
+            </a:schemeClr>
+          </a:lnRef>
+          <a:fillRef idx="1">
+            <a:schemeClr val="accent1"/>
+          </a:fillRef>
+          <a:effectRef idx="0">
+            <a:schemeClr val="accent1"/>
+          </a:effectRef>
+          <a:fontRef idx="minor">
+            <a:schemeClr val="lt1"/>
+          </a:fontRef>
+        </p:style>
+      </p:sp>
+      <p:sp>
+        <p:nvSpPr>
+          <p:cNvPr id="8" name="Rectangle 7"/>
+          <p:cNvSpPr/>
+          <p:nvPr/>
+        </p:nvSpPr>
+        <p:spPr>
+          <a:xfrm rot="5400000">
+            <a:off x="9868202" y="5372403"/>
+            <a:ext cx="1602997" cy="1368198"/>
+          </a:xfrm>
+          <a:prstGeom prst="rect">
+            <a:avLst/>
+          </a:prstGeom>
+          <a:solidFill>
+            <a:schemeClr val="accent1"/>
+          </a:solidFill>
+          <a:ln>
+            <a:noFill/>
+          </a:ln>
+        </p:spPr>
+        <p:style>
+          <a:lnRef idx="2">
+            <a:schemeClr val="accent1">
+              <a:shade val="50000"/>
+            </a:schemeClr>
+          </a:lnRef>
+          <a:fillRef idx="1">
+            <a:schemeClr val="accent1"/>
+          </a:fillRef>
+          <a:effectRef idx="0">
+            <a:schemeClr val="accent1"/>
+          </a:effectRef>
+          <a:fontRef idx="minor">
+            <a:schemeClr val="lt1"/>
+          </a:fontRef>
+        </p:style>
+      </p:sp>
+      <p:sp>
+        <p:nvSpPr>
+          <p:cNvPr id="2" name="Vertical Title 1"/>
           <p:cNvSpPr>
             <a:spLocks noGrp="1"/>
           </p:cNvSpPr>
@@ -566,8 +4192,8 @@
         </p:nvSpPr>
         <p:spPr>
           <a:xfrm>
-            <a:off x="8724900" y="365125"/>
-            <a:ext cx="2628900" cy="5811838"/>
+            <a:off x="10129231" y="609597"/>
+            <a:ext cx="1073802" cy="4353760"/>
           </a:xfrm>
         </p:spPr>
         <p:txBody>
@@ -578,19 +4204,13 @@
               <a:rPr lang="nl-NL"/>
               <a:t>Klik om stijl te bewerken</a:t>
             </a:r>
-            <a:endParaRPr lang="en-BE"/>
-          </a:p>
-        </p:txBody>
-      </p:sp>
-      <p:sp>
-        <p:nvSpPr>
-          <p:cNvPr id="3" name="Tijdelijke aanduiding voor verticale tekst 2">
-            <a:extLst>
-              <a:ext uri="{FF2B5EF4-FFF2-40B4-BE49-F238E27FC236}">
-                <a16:creationId xmlns:a16="http://schemas.microsoft.com/office/drawing/2014/main" id="{168A5B34-FA22-9944-B67B-AA2A6AD06C9F}"/>
-              </a:ext>
-            </a:extLst>
-          </p:cNvPr>
+            <a:endParaRPr lang="en-US" dirty="0"/>
+          </a:p>
+        </p:txBody>
+      </p:sp>
+      <p:sp>
+        <p:nvSpPr>
+          <p:cNvPr id="3" name="Vertical Text Placeholder 2"/>
           <p:cNvSpPr>
             <a:spLocks noGrp="1"/>
           </p:cNvSpPr>
@@ -600,8 +4220,8 @@
         </p:nvSpPr>
         <p:spPr>
           <a:xfrm>
-            <a:off x="838200" y="365125"/>
-            <a:ext cx="7734300" cy="5811838"/>
+            <a:off x="680322" y="609597"/>
+            <a:ext cx="8870004" cy="5326589"/>
           </a:xfrm>
         </p:spPr>
         <p:txBody>
@@ -641,19 +4261,13 @@
               <a:rPr lang="nl-NL"/>
               <a:t>Vijfde niveau</a:t>
             </a:r>
-            <a:endParaRPr lang="en-BE"/>
-          </a:p>
-        </p:txBody>
-      </p:sp>
-      <p:sp>
-        <p:nvSpPr>
-          <p:cNvPr id="4" name="Tijdelijke aanduiding voor datum 3">
-            <a:extLst>
-              <a:ext uri="{FF2B5EF4-FFF2-40B4-BE49-F238E27FC236}">
-                <a16:creationId xmlns:a16="http://schemas.microsoft.com/office/drawing/2014/main" id="{34372B20-009F-954D-0A07-886A29C50EE2}"/>
-              </a:ext>
-            </a:extLst>
-          </p:cNvPr>
+            <a:endParaRPr lang="en-US" dirty="0"/>
+          </a:p>
+        </p:txBody>
+      </p:sp>
+      <p:sp>
+        <p:nvSpPr>
+          <p:cNvPr id="4" name="Date Placeholder 3"/>
           <p:cNvSpPr>
             <a:spLocks noGrp="1"/>
           </p:cNvSpPr>
@@ -661,14 +4275,19 @@
             <p:ph type="dt" sz="half" idx="10"/>
           </p:nvPr>
         </p:nvSpPr>
-        <p:spPr/>
+        <p:spPr>
+          <a:xfrm>
+            <a:off x="6807126" y="5936187"/>
+            <a:ext cx="2743200" cy="365125"/>
+          </a:xfrm>
+        </p:spPr>
         <p:txBody>
           <a:bodyPr/>
           <a:lstStyle/>
           <a:p>
             <a:fld id="{6D86DAEC-DC0F-4D08-909B-E4E2116F45D8}" type="datetimeFigureOut">
               <a:rPr lang="en-BE" smtClean="0"/>
-              <a:t>21/04/2023</a:t>
+              <a:t>04/21/2023</a:t>
             </a:fld>
             <a:endParaRPr lang="en-BE"/>
           </a:p>
@@ -676,13 +4295,7 @@
       </p:sp>
       <p:sp>
         <p:nvSpPr>
-          <p:cNvPr id="5" name="Tijdelijke aanduiding voor voettekst 4">
-            <a:extLst>
-              <a:ext uri="{FF2B5EF4-FFF2-40B4-BE49-F238E27FC236}">
-                <a16:creationId xmlns:a16="http://schemas.microsoft.com/office/drawing/2014/main" id="{85C50F96-4261-10BA-A20C-6271DF27CC6B}"/>
-              </a:ext>
-            </a:extLst>
-          </p:cNvPr>
+          <p:cNvPr id="5" name="Footer Placeholder 4"/>
           <p:cNvSpPr>
             <a:spLocks noGrp="1"/>
           </p:cNvSpPr>
@@ -690,7 +4303,12 @@
             <p:ph type="ftr" sz="quarter" idx="11"/>
           </p:nvPr>
         </p:nvSpPr>
-        <p:spPr/>
+        <p:spPr>
+          <a:xfrm>
+            <a:off x="680321" y="5936188"/>
+            <a:ext cx="6126805" cy="365125"/>
+          </a:xfrm>
+        </p:spPr>
         <p:txBody>
           <a:bodyPr/>
           <a:lstStyle/>
@@ -701,13 +4319,7 @@
       </p:sp>
       <p:sp>
         <p:nvSpPr>
-          <p:cNvPr id="6" name="Tijdelijke aanduiding voor dianummer 5">
-            <a:extLst>
-              <a:ext uri="{FF2B5EF4-FFF2-40B4-BE49-F238E27FC236}">
-                <a16:creationId xmlns:a16="http://schemas.microsoft.com/office/drawing/2014/main" id="{95236D95-A240-8449-1993-D2B3EEB970D6}"/>
-              </a:ext>
-            </a:extLst>
-          </p:cNvPr>
+          <p:cNvPr id="6" name="Slide Number Placeholder 5"/>
           <p:cNvSpPr>
             <a:spLocks noGrp="1"/>
           </p:cNvSpPr>
@@ -715,10 +4327,19 @@
             <p:ph type="sldNum" sz="quarter" idx="12"/>
           </p:nvPr>
         </p:nvSpPr>
-        <p:spPr/>
-        <p:txBody>
-          <a:bodyPr/>
-          <a:lstStyle/>
+        <p:spPr>
+          <a:xfrm>
+            <a:off x="10097550" y="5398633"/>
+            <a:ext cx="1154151" cy="1090789"/>
+          </a:xfrm>
+        </p:spPr>
+        <p:txBody>
+          <a:bodyPr anchor="t"/>
+          <a:lstStyle>
+            <a:lvl1pPr algn="ctr">
+              <a:defRPr/>
+            </a:lvl1pPr>
+          </a:lstStyle>
           <a:p>
             <a:fld id="{B95D59DA-B899-4408-ACC9-A868D8EE2BAD}" type="slidenum">
               <a:rPr lang="en-BE" smtClean="0"/>
@@ -731,7 +4352,7 @@
     </p:spTree>
     <p:extLst>
       <p:ext uri="{BB962C8B-B14F-4D97-AF65-F5344CB8AC3E}">
-        <p14:creationId xmlns:p14="http://schemas.microsoft.com/office/powerpoint/2010/main" val="799331659"/>
+        <p14:creationId xmlns:p14="http://schemas.microsoft.com/office/powerpoint/2010/main" val="860490859"/>
       </p:ext>
     </p:extLst>
   </p:cSld>
@@ -758,15 +4379,148 @@
           <a:chExt cx="0" cy="0"/>
         </a:xfrm>
       </p:grpSpPr>
-      <p:sp>
-        <p:nvSpPr>
-          <p:cNvPr id="2" name="Titel 1">
+      <p:pic>
+        <p:nvPicPr>
+          <p:cNvPr id="15" name="Picture 14" descr="HD-ShadowLong.png"/>
+          <p:cNvPicPr>
+            <a:picLocks noChangeAspect="1"/>
+          </p:cNvPicPr>
+          <p:nvPr/>
+        </p:nvPicPr>
+        <p:blipFill>
+          <a:blip r:embed="rId2">
             <a:extLst>
-              <a:ext uri="{FF2B5EF4-FFF2-40B4-BE49-F238E27FC236}">
-                <a16:creationId xmlns:a16="http://schemas.microsoft.com/office/drawing/2014/main" id="{36FC1140-FC8A-888D-04D8-68288EDEDCC6}"/>
+              <a:ext uri="{28A0092B-C50C-407E-A947-70E740481C1C}">
+                <a14:useLocalDpi xmlns:a14="http://schemas.microsoft.com/office/drawing/2010/main" val="0"/>
               </a:ext>
             </a:extLst>
-          </p:cNvPr>
+          </a:blip>
+          <a:stretch>
+            <a:fillRect/>
+          </a:stretch>
+        </p:blipFill>
+        <p:spPr>
+          <a:xfrm>
+            <a:off x="1" y="1970240"/>
+            <a:ext cx="10437812" cy="321164"/>
+          </a:xfrm>
+          <a:prstGeom prst="rect">
+            <a:avLst/>
+          </a:prstGeom>
+        </p:spPr>
+      </p:pic>
+      <p:pic>
+        <p:nvPicPr>
+          <p:cNvPr id="16" name="Picture 15" descr="HD-ShadowShort.png"/>
+          <p:cNvPicPr>
+            <a:picLocks noChangeAspect="1"/>
+          </p:cNvPicPr>
+          <p:nvPr/>
+        </p:nvPicPr>
+        <p:blipFill>
+          <a:blip r:embed="rId3">
+            <a:extLst>
+              <a:ext uri="{28A0092B-C50C-407E-A947-70E740481C1C}">
+                <a14:useLocalDpi xmlns:a14="http://schemas.microsoft.com/office/drawing/2010/main" val="0"/>
+              </a:ext>
+            </a:extLst>
+          </a:blip>
+          <a:stretch>
+            <a:fillRect/>
+          </a:stretch>
+        </p:blipFill>
+        <p:spPr>
+          <a:xfrm>
+            <a:off x="10585826" y="1971234"/>
+            <a:ext cx="1602997" cy="144270"/>
+          </a:xfrm>
+          <a:prstGeom prst="rect">
+            <a:avLst/>
+          </a:prstGeom>
+        </p:spPr>
+      </p:pic>
+      <p:sp>
+        <p:nvSpPr>
+          <p:cNvPr id="17" name="Rectangle 16"/>
+          <p:cNvSpPr/>
+          <p:nvPr/>
+        </p:nvSpPr>
+        <p:spPr bwMode="ltGray">
+          <a:xfrm>
+            <a:off x="0" y="609600"/>
+            <a:ext cx="10437812" cy="1368198"/>
+          </a:xfrm>
+          <a:prstGeom prst="rect">
+            <a:avLst/>
+          </a:prstGeom>
+          <a:solidFill>
+            <a:schemeClr val="bg1">
+              <a:lumMod val="85000"/>
+              <a:lumOff val="15000"/>
+            </a:schemeClr>
+          </a:solidFill>
+          <a:ln>
+            <a:noFill/>
+          </a:ln>
+        </p:spPr>
+        <p:style>
+          <a:lnRef idx="2">
+            <a:schemeClr val="accent1">
+              <a:shade val="50000"/>
+            </a:schemeClr>
+          </a:lnRef>
+          <a:fillRef idx="1">
+            <a:schemeClr val="accent1"/>
+          </a:fillRef>
+          <a:effectRef idx="0">
+            <a:schemeClr val="accent1"/>
+          </a:effectRef>
+          <a:fontRef idx="minor">
+            <a:schemeClr val="lt1"/>
+          </a:fontRef>
+        </p:style>
+      </p:sp>
+      <p:sp>
+        <p:nvSpPr>
+          <p:cNvPr id="18" name="Rectangle 17"/>
+          <p:cNvSpPr/>
+          <p:nvPr/>
+        </p:nvSpPr>
+        <p:spPr>
+          <a:xfrm>
+            <a:off x="10585827" y="609600"/>
+            <a:ext cx="1602997" cy="1368198"/>
+          </a:xfrm>
+          <a:prstGeom prst="rect">
+            <a:avLst/>
+          </a:prstGeom>
+          <a:solidFill>
+            <a:schemeClr val="accent1"/>
+          </a:solidFill>
+          <a:ln>
+            <a:noFill/>
+          </a:ln>
+        </p:spPr>
+        <p:style>
+          <a:lnRef idx="2">
+            <a:schemeClr val="accent1">
+              <a:shade val="50000"/>
+            </a:schemeClr>
+          </a:lnRef>
+          <a:fillRef idx="1">
+            <a:schemeClr val="accent1"/>
+          </a:fillRef>
+          <a:effectRef idx="0">
+            <a:schemeClr val="accent1"/>
+          </a:effectRef>
+          <a:fontRef idx="minor">
+            <a:schemeClr val="lt1"/>
+          </a:fontRef>
+        </p:style>
+      </p:sp>
+      <p:sp>
+        <p:nvSpPr>
+          <p:cNvPr id="2" name="Title 1"/>
           <p:cNvSpPr>
             <a:spLocks noGrp="1"/>
           </p:cNvSpPr>
@@ -783,19 +4537,13 @@
               <a:rPr lang="nl-NL"/>
               <a:t>Klik om stijl te bewerken</a:t>
             </a:r>
-            <a:endParaRPr lang="en-BE"/>
-          </a:p>
-        </p:txBody>
-      </p:sp>
-      <p:sp>
-        <p:nvSpPr>
-          <p:cNvPr id="3" name="Tijdelijke aanduiding voor inhoud 2">
-            <a:extLst>
-              <a:ext uri="{FF2B5EF4-FFF2-40B4-BE49-F238E27FC236}">
-                <a16:creationId xmlns:a16="http://schemas.microsoft.com/office/drawing/2014/main" id="{EE67EADE-7DE4-0E8A-3F3B-2A063A3A5D65}"/>
-              </a:ext>
-            </a:extLst>
-          </p:cNvPr>
+            <a:endParaRPr lang="en-US" dirty="0"/>
+          </a:p>
+        </p:txBody>
+      </p:sp>
+      <p:sp>
+        <p:nvSpPr>
+          <p:cNvPr id="3" name="Content Placeholder 2"/>
           <p:cNvSpPr>
             <a:spLocks noGrp="1"/>
           </p:cNvSpPr>
@@ -841,19 +4589,13 @@
               <a:rPr lang="nl-NL"/>
               <a:t>Vijfde niveau</a:t>
             </a:r>
-            <a:endParaRPr lang="en-BE"/>
-          </a:p>
-        </p:txBody>
-      </p:sp>
-      <p:sp>
-        <p:nvSpPr>
-          <p:cNvPr id="4" name="Tijdelijke aanduiding voor datum 3">
-            <a:extLst>
-              <a:ext uri="{FF2B5EF4-FFF2-40B4-BE49-F238E27FC236}">
-                <a16:creationId xmlns:a16="http://schemas.microsoft.com/office/drawing/2014/main" id="{E32AD7A7-DE14-665C-B568-E447035AF1CC}"/>
-              </a:ext>
-            </a:extLst>
-          </p:cNvPr>
+            <a:endParaRPr lang="en-US" dirty="0"/>
+          </a:p>
+        </p:txBody>
+      </p:sp>
+      <p:sp>
+        <p:nvSpPr>
+          <p:cNvPr id="4" name="Date Placeholder 3"/>
           <p:cNvSpPr>
             <a:spLocks noGrp="1"/>
           </p:cNvSpPr>
@@ -868,7 +4610,7 @@
           <a:p>
             <a:fld id="{6D86DAEC-DC0F-4D08-909B-E4E2116F45D8}" type="datetimeFigureOut">
               <a:rPr lang="en-BE" smtClean="0"/>
-              <a:t>21/04/2023</a:t>
+              <a:t>04/21/2023</a:t>
             </a:fld>
             <a:endParaRPr lang="en-BE"/>
           </a:p>
@@ -876,13 +4618,7 @@
       </p:sp>
       <p:sp>
         <p:nvSpPr>
-          <p:cNvPr id="5" name="Tijdelijke aanduiding voor voettekst 4">
-            <a:extLst>
-              <a:ext uri="{FF2B5EF4-FFF2-40B4-BE49-F238E27FC236}">
-                <a16:creationId xmlns:a16="http://schemas.microsoft.com/office/drawing/2014/main" id="{AFE45E1A-EB3C-4C12-8A43-591FD7689379}"/>
-              </a:ext>
-            </a:extLst>
-          </p:cNvPr>
+          <p:cNvPr id="5" name="Footer Placeholder 4"/>
           <p:cNvSpPr>
             <a:spLocks noGrp="1"/>
           </p:cNvSpPr>
@@ -901,13 +4637,7 @@
       </p:sp>
       <p:sp>
         <p:nvSpPr>
-          <p:cNvPr id="6" name="Tijdelijke aanduiding voor dianummer 5">
-            <a:extLst>
-              <a:ext uri="{FF2B5EF4-FFF2-40B4-BE49-F238E27FC236}">
-                <a16:creationId xmlns:a16="http://schemas.microsoft.com/office/drawing/2014/main" id="{A95E7423-3011-0ED5-BE74-CC70697960A1}"/>
-              </a:ext>
-            </a:extLst>
-          </p:cNvPr>
+          <p:cNvPr id="6" name="Slide Number Placeholder 5"/>
           <p:cNvSpPr>
             <a:spLocks noGrp="1"/>
           </p:cNvSpPr>
@@ -931,7 +4661,7 @@
     </p:spTree>
     <p:extLst>
       <p:ext uri="{BB962C8B-B14F-4D97-AF65-F5344CB8AC3E}">
-        <p14:creationId xmlns:p14="http://schemas.microsoft.com/office/powerpoint/2010/main" val="1956697010"/>
+        <p14:creationId xmlns:p14="http://schemas.microsoft.com/office/powerpoint/2010/main" val="2862302096"/>
       </p:ext>
     </p:extLst>
   </p:cSld>
@@ -958,15 +4688,148 @@
           <a:chExt cx="0" cy="0"/>
         </a:xfrm>
       </p:grpSpPr>
-      <p:sp>
-        <p:nvSpPr>
-          <p:cNvPr id="2" name="Titel 1">
+      <p:pic>
+        <p:nvPicPr>
+          <p:cNvPr id="7" name="Picture 6" descr="HD-ShadowLong.png"/>
+          <p:cNvPicPr>
+            <a:picLocks noChangeAspect="1"/>
+          </p:cNvPicPr>
+          <p:nvPr/>
+        </p:nvPicPr>
+        <p:blipFill>
+          <a:blip r:embed="rId2">
             <a:extLst>
-              <a:ext uri="{FF2B5EF4-FFF2-40B4-BE49-F238E27FC236}">
-                <a16:creationId xmlns:a16="http://schemas.microsoft.com/office/drawing/2014/main" id="{0D2C2074-90ED-81DF-8F9E-AAB7EE79B72E}"/>
+              <a:ext uri="{28A0092B-C50C-407E-A947-70E740481C1C}">
+                <a14:useLocalDpi xmlns:a14="http://schemas.microsoft.com/office/drawing/2010/main" val="0"/>
               </a:ext>
             </a:extLst>
-          </p:cNvPr>
+          </a:blip>
+          <a:stretch>
+            <a:fillRect/>
+          </a:stretch>
+        </p:blipFill>
+        <p:spPr>
+          <a:xfrm>
+            <a:off x="-1" y="4086907"/>
+            <a:ext cx="10437812" cy="321164"/>
+          </a:xfrm>
+          <a:prstGeom prst="rect">
+            <a:avLst/>
+          </a:prstGeom>
+        </p:spPr>
+      </p:pic>
+      <p:pic>
+        <p:nvPicPr>
+          <p:cNvPr id="8" name="Picture 7" descr="HD-ShadowShort.png"/>
+          <p:cNvPicPr>
+            <a:picLocks noChangeAspect="1"/>
+          </p:cNvPicPr>
+          <p:nvPr/>
+        </p:nvPicPr>
+        <p:blipFill>
+          <a:blip r:embed="rId3">
+            <a:extLst>
+              <a:ext uri="{28A0092B-C50C-407E-A947-70E740481C1C}">
+                <a14:useLocalDpi xmlns:a14="http://schemas.microsoft.com/office/drawing/2010/main" val="0"/>
+              </a:ext>
+            </a:extLst>
+          </a:blip>
+          <a:stretch>
+            <a:fillRect/>
+          </a:stretch>
+        </p:blipFill>
+        <p:spPr>
+          <a:xfrm>
+            <a:off x="10585824" y="4087901"/>
+            <a:ext cx="1602997" cy="144270"/>
+          </a:xfrm>
+          <a:prstGeom prst="rect">
+            <a:avLst/>
+          </a:prstGeom>
+        </p:spPr>
+      </p:pic>
+      <p:sp>
+        <p:nvSpPr>
+          <p:cNvPr id="9" name="Rectangle 8"/>
+          <p:cNvSpPr/>
+          <p:nvPr/>
+        </p:nvSpPr>
+        <p:spPr bwMode="ltGray">
+          <a:xfrm>
+            <a:off x="-2" y="2726267"/>
+            <a:ext cx="10437812" cy="1368198"/>
+          </a:xfrm>
+          <a:prstGeom prst="rect">
+            <a:avLst/>
+          </a:prstGeom>
+          <a:solidFill>
+            <a:schemeClr val="bg1">
+              <a:lumMod val="85000"/>
+              <a:lumOff val="15000"/>
+            </a:schemeClr>
+          </a:solidFill>
+          <a:ln>
+            <a:noFill/>
+          </a:ln>
+        </p:spPr>
+        <p:style>
+          <a:lnRef idx="2">
+            <a:schemeClr val="accent1">
+              <a:shade val="50000"/>
+            </a:schemeClr>
+          </a:lnRef>
+          <a:fillRef idx="1">
+            <a:schemeClr val="accent1"/>
+          </a:fillRef>
+          <a:effectRef idx="0">
+            <a:schemeClr val="accent1"/>
+          </a:effectRef>
+          <a:fontRef idx="minor">
+            <a:schemeClr val="lt1"/>
+          </a:fontRef>
+        </p:style>
+      </p:sp>
+      <p:sp>
+        <p:nvSpPr>
+          <p:cNvPr id="10" name="Rectangle 9"/>
+          <p:cNvSpPr/>
+          <p:nvPr/>
+        </p:nvSpPr>
+        <p:spPr>
+          <a:xfrm>
+            <a:off x="10585825" y="2726267"/>
+            <a:ext cx="1602997" cy="1368198"/>
+          </a:xfrm>
+          <a:prstGeom prst="rect">
+            <a:avLst/>
+          </a:prstGeom>
+          <a:solidFill>
+            <a:schemeClr val="accent1"/>
+          </a:solidFill>
+          <a:ln>
+            <a:noFill/>
+          </a:ln>
+        </p:spPr>
+        <p:style>
+          <a:lnRef idx="2">
+            <a:schemeClr val="accent1">
+              <a:shade val="50000"/>
+            </a:schemeClr>
+          </a:lnRef>
+          <a:fillRef idx="1">
+            <a:schemeClr val="accent1"/>
+          </a:fillRef>
+          <a:effectRef idx="0">
+            <a:schemeClr val="accent1"/>
+          </a:effectRef>
+          <a:fontRef idx="minor">
+            <a:schemeClr val="lt1"/>
+          </a:fontRef>
+        </p:style>
+      </p:sp>
+      <p:sp>
+        <p:nvSpPr>
+          <p:cNvPr id="2" name="Title 1"/>
           <p:cNvSpPr>
             <a:spLocks noGrp="1"/>
           </p:cNvSpPr>
@@ -976,15 +4839,17 @@
         </p:nvSpPr>
         <p:spPr>
           <a:xfrm>
-            <a:off x="831850" y="1709738"/>
-            <a:ext cx="10515600" cy="2852737"/>
-          </a:xfrm>
-        </p:spPr>
-        <p:txBody>
-          <a:bodyPr anchor="b"/>
+            <a:off x="680322" y="2869895"/>
+            <a:ext cx="9613860" cy="1090788"/>
+          </a:xfrm>
+        </p:spPr>
+        <p:txBody>
+          <a:bodyPr anchor="ctr">
+            <a:normAutofit/>
+          </a:bodyPr>
           <a:lstStyle>
-            <a:lvl1pPr>
-              <a:defRPr sz="6000"/>
+            <a:lvl1pPr algn="r">
+              <a:defRPr sz="3600"/>
             </a:lvl1pPr>
           </a:lstStyle>
           <a:p>
@@ -992,19 +4857,13 @@
               <a:rPr lang="nl-NL"/>
               <a:t>Klik om stijl te bewerken</a:t>
             </a:r>
-            <a:endParaRPr lang="en-BE"/>
-          </a:p>
-        </p:txBody>
-      </p:sp>
-      <p:sp>
-        <p:nvSpPr>
-          <p:cNvPr id="3" name="Tijdelijke aanduiding voor tekst 2">
-            <a:extLst>
-              <a:ext uri="{FF2B5EF4-FFF2-40B4-BE49-F238E27FC236}">
-                <a16:creationId xmlns:a16="http://schemas.microsoft.com/office/drawing/2014/main" id="{EF6A908D-DA43-BD6C-36D9-003F50A8F71B}"/>
-              </a:ext>
-            </a:extLst>
-          </p:cNvPr>
+            <a:endParaRPr lang="en-US" dirty="0"/>
+          </a:p>
+        </p:txBody>
+      </p:sp>
+      <p:sp>
+        <p:nvSpPr>
+          <p:cNvPr id="3" name="Text Placeholder 2"/>
           <p:cNvSpPr>
             <a:spLocks noGrp="1"/>
           </p:cNvSpPr>
@@ -1014,16 +4873,18 @@
         </p:nvSpPr>
         <p:spPr>
           <a:xfrm>
-            <a:off x="831850" y="4589463"/>
-            <a:ext cx="10515600" cy="1500187"/>
-          </a:xfrm>
-        </p:spPr>
-        <p:txBody>
-          <a:bodyPr/>
+            <a:off x="680322" y="4232171"/>
+            <a:ext cx="9613860" cy="1704017"/>
+          </a:xfrm>
+        </p:spPr>
+        <p:txBody>
+          <a:bodyPr>
+            <a:normAutofit/>
+          </a:bodyPr>
           <a:lstStyle>
-            <a:lvl1pPr marL="0" indent="0">
-              <a:buNone/>
-              <a:defRPr sz="2400">
+            <a:lvl1pPr marL="0" indent="0" algn="r">
+              <a:buNone/>
+              <a:defRPr sz="2000">
                 <a:solidFill>
                   <a:schemeClr val="tx1">
                     <a:tint val="75000"/>
@@ -1123,13 +4984,7 @@
       </p:sp>
       <p:sp>
         <p:nvSpPr>
-          <p:cNvPr id="4" name="Tijdelijke aanduiding voor datum 3">
-            <a:extLst>
-              <a:ext uri="{FF2B5EF4-FFF2-40B4-BE49-F238E27FC236}">
-                <a16:creationId xmlns:a16="http://schemas.microsoft.com/office/drawing/2014/main" id="{4CEED1A0-E78F-62F4-1CAF-614271233F41}"/>
-              </a:ext>
-            </a:extLst>
-          </p:cNvPr>
+          <p:cNvPr id="4" name="Date Placeholder 3"/>
           <p:cNvSpPr>
             <a:spLocks noGrp="1"/>
           </p:cNvSpPr>
@@ -1144,7 +4999,7 @@
           <a:p>
             <a:fld id="{6D86DAEC-DC0F-4D08-909B-E4E2116F45D8}" type="datetimeFigureOut">
               <a:rPr lang="en-BE" smtClean="0"/>
-              <a:t>21/04/2023</a:t>
+              <a:t>04/21/2023</a:t>
             </a:fld>
             <a:endParaRPr lang="en-BE"/>
           </a:p>
@@ -1152,13 +5007,7 @@
       </p:sp>
       <p:sp>
         <p:nvSpPr>
-          <p:cNvPr id="5" name="Tijdelijke aanduiding voor voettekst 4">
-            <a:extLst>
-              <a:ext uri="{FF2B5EF4-FFF2-40B4-BE49-F238E27FC236}">
-                <a16:creationId xmlns:a16="http://schemas.microsoft.com/office/drawing/2014/main" id="{2011DAA4-7C05-CB6B-98E3-6BD57C22E747}"/>
-              </a:ext>
-            </a:extLst>
-          </p:cNvPr>
+          <p:cNvPr id="5" name="Footer Placeholder 4"/>
           <p:cNvSpPr>
             <a:spLocks noGrp="1"/>
           </p:cNvSpPr>
@@ -1177,13 +5026,7 @@
       </p:sp>
       <p:sp>
         <p:nvSpPr>
-          <p:cNvPr id="6" name="Tijdelijke aanduiding voor dianummer 5">
-            <a:extLst>
-              <a:ext uri="{FF2B5EF4-FFF2-40B4-BE49-F238E27FC236}">
-                <a16:creationId xmlns:a16="http://schemas.microsoft.com/office/drawing/2014/main" id="{B07425D1-A857-E389-0824-27E7826B46DA}"/>
-              </a:ext>
-            </a:extLst>
-          </p:cNvPr>
+          <p:cNvPr id="6" name="Slide Number Placeholder 5"/>
           <p:cNvSpPr>
             <a:spLocks noGrp="1"/>
           </p:cNvSpPr>
@@ -1191,7 +5034,12 @@
             <p:ph type="sldNum" sz="quarter" idx="12"/>
           </p:nvPr>
         </p:nvSpPr>
-        <p:spPr/>
+        <p:spPr>
+          <a:xfrm>
+            <a:off x="10729455" y="2869895"/>
+            <a:ext cx="1154151" cy="1090789"/>
+          </a:xfrm>
+        </p:spPr>
         <p:txBody>
           <a:bodyPr/>
           <a:lstStyle/>
@@ -1207,7 +5055,7 @@
     </p:spTree>
     <p:extLst>
       <p:ext uri="{BB962C8B-B14F-4D97-AF65-F5344CB8AC3E}">
-        <p14:creationId xmlns:p14="http://schemas.microsoft.com/office/powerpoint/2010/main" val="3082234501"/>
+        <p14:creationId xmlns:p14="http://schemas.microsoft.com/office/powerpoint/2010/main" val="3371753948"/>
       </p:ext>
     </p:extLst>
   </p:cSld>
@@ -1234,15 +5082,148 @@
           <a:chExt cx="0" cy="0"/>
         </a:xfrm>
       </p:grpSpPr>
-      <p:sp>
-        <p:nvSpPr>
-          <p:cNvPr id="2" name="Titel 1">
+      <p:pic>
+        <p:nvPicPr>
+          <p:cNvPr id="8" name="Picture 7" descr="HD-ShadowLong.png"/>
+          <p:cNvPicPr>
+            <a:picLocks noChangeAspect="1"/>
+          </p:cNvPicPr>
+          <p:nvPr/>
+        </p:nvPicPr>
+        <p:blipFill>
+          <a:blip r:embed="rId2">
             <a:extLst>
-              <a:ext uri="{FF2B5EF4-FFF2-40B4-BE49-F238E27FC236}">
-                <a16:creationId xmlns:a16="http://schemas.microsoft.com/office/drawing/2014/main" id="{572A3446-5AE7-33F6-7D9E-C97EE40DA506}"/>
+              <a:ext uri="{28A0092B-C50C-407E-A947-70E740481C1C}">
+                <a14:useLocalDpi xmlns:a14="http://schemas.microsoft.com/office/drawing/2010/main" val="0"/>
               </a:ext>
             </a:extLst>
-          </p:cNvPr>
+          </a:blip>
+          <a:stretch>
+            <a:fillRect/>
+          </a:stretch>
+        </p:blipFill>
+        <p:spPr>
+          <a:xfrm>
+            <a:off x="1" y="1970240"/>
+            <a:ext cx="10437812" cy="321164"/>
+          </a:xfrm>
+          <a:prstGeom prst="rect">
+            <a:avLst/>
+          </a:prstGeom>
+        </p:spPr>
+      </p:pic>
+      <p:pic>
+        <p:nvPicPr>
+          <p:cNvPr id="9" name="Picture 8" descr="HD-ShadowShort.png"/>
+          <p:cNvPicPr>
+            <a:picLocks noChangeAspect="1"/>
+          </p:cNvPicPr>
+          <p:nvPr/>
+        </p:nvPicPr>
+        <p:blipFill>
+          <a:blip r:embed="rId3">
+            <a:extLst>
+              <a:ext uri="{28A0092B-C50C-407E-A947-70E740481C1C}">
+                <a14:useLocalDpi xmlns:a14="http://schemas.microsoft.com/office/drawing/2010/main" val="0"/>
+              </a:ext>
+            </a:extLst>
+          </a:blip>
+          <a:stretch>
+            <a:fillRect/>
+          </a:stretch>
+        </p:blipFill>
+        <p:spPr>
+          <a:xfrm>
+            <a:off x="10585826" y="1971234"/>
+            <a:ext cx="1602997" cy="144270"/>
+          </a:xfrm>
+          <a:prstGeom prst="rect">
+            <a:avLst/>
+          </a:prstGeom>
+        </p:spPr>
+      </p:pic>
+      <p:sp>
+        <p:nvSpPr>
+          <p:cNvPr id="10" name="Rectangle 9"/>
+          <p:cNvSpPr/>
+          <p:nvPr/>
+        </p:nvSpPr>
+        <p:spPr bwMode="ltGray">
+          <a:xfrm>
+            <a:off x="0" y="609600"/>
+            <a:ext cx="10437812" cy="1368198"/>
+          </a:xfrm>
+          <a:prstGeom prst="rect">
+            <a:avLst/>
+          </a:prstGeom>
+          <a:solidFill>
+            <a:schemeClr val="bg1">
+              <a:lumMod val="85000"/>
+              <a:lumOff val="15000"/>
+            </a:schemeClr>
+          </a:solidFill>
+          <a:ln>
+            <a:noFill/>
+          </a:ln>
+        </p:spPr>
+        <p:style>
+          <a:lnRef idx="2">
+            <a:schemeClr val="accent1">
+              <a:shade val="50000"/>
+            </a:schemeClr>
+          </a:lnRef>
+          <a:fillRef idx="1">
+            <a:schemeClr val="accent1"/>
+          </a:fillRef>
+          <a:effectRef idx="0">
+            <a:schemeClr val="accent1"/>
+          </a:effectRef>
+          <a:fontRef idx="minor">
+            <a:schemeClr val="lt1"/>
+          </a:fontRef>
+        </p:style>
+      </p:sp>
+      <p:sp>
+        <p:nvSpPr>
+          <p:cNvPr id="11" name="Rectangle 10"/>
+          <p:cNvSpPr/>
+          <p:nvPr/>
+        </p:nvSpPr>
+        <p:spPr>
+          <a:xfrm>
+            <a:off x="10585827" y="609600"/>
+            <a:ext cx="1602997" cy="1368198"/>
+          </a:xfrm>
+          <a:prstGeom prst="rect">
+            <a:avLst/>
+          </a:prstGeom>
+          <a:solidFill>
+            <a:schemeClr val="accent1"/>
+          </a:solidFill>
+          <a:ln>
+            <a:noFill/>
+          </a:ln>
+        </p:spPr>
+        <p:style>
+          <a:lnRef idx="2">
+            <a:schemeClr val="accent1">
+              <a:shade val="50000"/>
+            </a:schemeClr>
+          </a:lnRef>
+          <a:fillRef idx="1">
+            <a:schemeClr val="accent1"/>
+          </a:fillRef>
+          <a:effectRef idx="0">
+            <a:schemeClr val="accent1"/>
+          </a:effectRef>
+          <a:fontRef idx="minor">
+            <a:schemeClr val="lt1"/>
+          </a:fontRef>
+        </p:style>
+      </p:sp>
+      <p:sp>
+        <p:nvSpPr>
+          <p:cNvPr id="2" name="Title 1"/>
           <p:cNvSpPr>
             <a:spLocks noGrp="1"/>
           </p:cNvSpPr>
@@ -1259,19 +5240,13 @@
               <a:rPr lang="nl-NL"/>
               <a:t>Klik om stijl te bewerken</a:t>
             </a:r>
-            <a:endParaRPr lang="en-BE"/>
-          </a:p>
-        </p:txBody>
-      </p:sp>
-      <p:sp>
-        <p:nvSpPr>
-          <p:cNvPr id="3" name="Tijdelijke aanduiding voor inhoud 2">
-            <a:extLst>
-              <a:ext uri="{FF2B5EF4-FFF2-40B4-BE49-F238E27FC236}">
-                <a16:creationId xmlns:a16="http://schemas.microsoft.com/office/drawing/2014/main" id="{D61A3D11-EC5D-5278-2DA7-EACF4572795C}"/>
-              </a:ext>
-            </a:extLst>
-          </p:cNvPr>
+            <a:endParaRPr lang="en-US" dirty="0"/>
+          </a:p>
+        </p:txBody>
+      </p:sp>
+      <p:sp>
+        <p:nvSpPr>
+          <p:cNvPr id="3" name="Content Placeholder 2"/>
           <p:cNvSpPr>
             <a:spLocks noGrp="1"/>
           </p:cNvSpPr>
@@ -1281,8 +5256,8 @@
         </p:nvSpPr>
         <p:spPr>
           <a:xfrm>
-            <a:off x="838200" y="1825625"/>
-            <a:ext cx="5181600" cy="4351338"/>
+            <a:off x="680320" y="2336873"/>
+            <a:ext cx="4698358" cy="3599316"/>
           </a:xfrm>
         </p:spPr>
         <p:txBody>
@@ -1322,19 +5297,13 @@
               <a:rPr lang="nl-NL"/>
               <a:t>Vijfde niveau</a:t>
             </a:r>
-            <a:endParaRPr lang="en-BE"/>
-          </a:p>
-        </p:txBody>
-      </p:sp>
-      <p:sp>
-        <p:nvSpPr>
-          <p:cNvPr id="4" name="Tijdelijke aanduiding voor inhoud 3">
-            <a:extLst>
-              <a:ext uri="{FF2B5EF4-FFF2-40B4-BE49-F238E27FC236}">
-                <a16:creationId xmlns:a16="http://schemas.microsoft.com/office/drawing/2014/main" id="{E89C9ED4-22D3-2693-FED9-687B7F452D56}"/>
-              </a:ext>
-            </a:extLst>
-          </p:cNvPr>
+            <a:endParaRPr lang="en-US" dirty="0"/>
+          </a:p>
+        </p:txBody>
+      </p:sp>
+      <p:sp>
+        <p:nvSpPr>
+          <p:cNvPr id="4" name="Content Placeholder 3"/>
           <p:cNvSpPr>
             <a:spLocks noGrp="1"/>
           </p:cNvSpPr>
@@ -1344,8 +5313,8 @@
         </p:nvSpPr>
         <p:spPr>
           <a:xfrm>
-            <a:off x="6172200" y="1825625"/>
-            <a:ext cx="5181600" cy="4351338"/>
+            <a:off x="5594123" y="2336873"/>
+            <a:ext cx="4700058" cy="3599316"/>
           </a:xfrm>
         </p:spPr>
         <p:txBody>
@@ -1385,19 +5354,13 @@
               <a:rPr lang="nl-NL"/>
               <a:t>Vijfde niveau</a:t>
             </a:r>
-            <a:endParaRPr lang="en-BE"/>
-          </a:p>
-        </p:txBody>
-      </p:sp>
-      <p:sp>
-        <p:nvSpPr>
-          <p:cNvPr id="5" name="Tijdelijke aanduiding voor datum 4">
-            <a:extLst>
-              <a:ext uri="{FF2B5EF4-FFF2-40B4-BE49-F238E27FC236}">
-                <a16:creationId xmlns:a16="http://schemas.microsoft.com/office/drawing/2014/main" id="{804C826F-DDA0-C7B3-67EF-DE9595E1B0F6}"/>
-              </a:ext>
-            </a:extLst>
-          </p:cNvPr>
+            <a:endParaRPr lang="en-US" dirty="0"/>
+          </a:p>
+        </p:txBody>
+      </p:sp>
+      <p:sp>
+        <p:nvSpPr>
+          <p:cNvPr id="5" name="Date Placeholder 4"/>
           <p:cNvSpPr>
             <a:spLocks noGrp="1"/>
           </p:cNvSpPr>
@@ -1412,7 +5375,7 @@
           <a:p>
             <a:fld id="{6D86DAEC-DC0F-4D08-909B-E4E2116F45D8}" type="datetimeFigureOut">
               <a:rPr lang="en-BE" smtClean="0"/>
-              <a:t>21/04/2023</a:t>
+              <a:t>04/21/2023</a:t>
             </a:fld>
             <a:endParaRPr lang="en-BE"/>
           </a:p>
@@ -1420,13 +5383,7 @@
       </p:sp>
       <p:sp>
         <p:nvSpPr>
-          <p:cNvPr id="6" name="Tijdelijke aanduiding voor voettekst 5">
-            <a:extLst>
-              <a:ext uri="{FF2B5EF4-FFF2-40B4-BE49-F238E27FC236}">
-                <a16:creationId xmlns:a16="http://schemas.microsoft.com/office/drawing/2014/main" id="{98C0FB2A-5B1A-DAA6-2628-FBC8E18D2582}"/>
-              </a:ext>
-            </a:extLst>
-          </p:cNvPr>
+          <p:cNvPr id="6" name="Footer Placeholder 5"/>
           <p:cNvSpPr>
             <a:spLocks noGrp="1"/>
           </p:cNvSpPr>
@@ -1445,13 +5402,7 @@
       </p:sp>
       <p:sp>
         <p:nvSpPr>
-          <p:cNvPr id="7" name="Tijdelijke aanduiding voor dianummer 6">
-            <a:extLst>
-              <a:ext uri="{FF2B5EF4-FFF2-40B4-BE49-F238E27FC236}">
-                <a16:creationId xmlns:a16="http://schemas.microsoft.com/office/drawing/2014/main" id="{507F51AB-DB4D-4FD7-8981-76D3C4C321FD}"/>
-              </a:ext>
-            </a:extLst>
-          </p:cNvPr>
+          <p:cNvPr id="7" name="Slide Number Placeholder 6"/>
           <p:cNvSpPr>
             <a:spLocks noGrp="1"/>
           </p:cNvSpPr>
@@ -1475,7 +5426,7 @@
     </p:spTree>
     <p:extLst>
       <p:ext uri="{BB962C8B-B14F-4D97-AF65-F5344CB8AC3E}">
-        <p14:creationId xmlns:p14="http://schemas.microsoft.com/office/powerpoint/2010/main" val="3589344216"/>
+        <p14:creationId xmlns:p14="http://schemas.microsoft.com/office/powerpoint/2010/main" val="3377992555"/>
       </p:ext>
     </p:extLst>
   </p:cSld>
@@ -1502,15 +5453,148 @@
           <a:chExt cx="0" cy="0"/>
         </a:xfrm>
       </p:grpSpPr>
-      <p:sp>
-        <p:nvSpPr>
-          <p:cNvPr id="2" name="Titel 1">
+      <p:pic>
+        <p:nvPicPr>
+          <p:cNvPr id="10" name="Picture 9" descr="HD-ShadowLong.png"/>
+          <p:cNvPicPr>
+            <a:picLocks noChangeAspect="1"/>
+          </p:cNvPicPr>
+          <p:nvPr/>
+        </p:nvPicPr>
+        <p:blipFill>
+          <a:blip r:embed="rId2">
             <a:extLst>
-              <a:ext uri="{FF2B5EF4-FFF2-40B4-BE49-F238E27FC236}">
-                <a16:creationId xmlns:a16="http://schemas.microsoft.com/office/drawing/2014/main" id="{A402B952-5612-A49A-B832-D81F376CBA0A}"/>
+              <a:ext uri="{28A0092B-C50C-407E-A947-70E740481C1C}">
+                <a14:useLocalDpi xmlns:a14="http://schemas.microsoft.com/office/drawing/2010/main" val="0"/>
               </a:ext>
             </a:extLst>
-          </p:cNvPr>
+          </a:blip>
+          <a:stretch>
+            <a:fillRect/>
+          </a:stretch>
+        </p:blipFill>
+        <p:spPr>
+          <a:xfrm>
+            <a:off x="1" y="1970240"/>
+            <a:ext cx="10437812" cy="321164"/>
+          </a:xfrm>
+          <a:prstGeom prst="rect">
+            <a:avLst/>
+          </a:prstGeom>
+        </p:spPr>
+      </p:pic>
+      <p:pic>
+        <p:nvPicPr>
+          <p:cNvPr id="11" name="Picture 10" descr="HD-ShadowShort.png"/>
+          <p:cNvPicPr>
+            <a:picLocks noChangeAspect="1"/>
+          </p:cNvPicPr>
+          <p:nvPr/>
+        </p:nvPicPr>
+        <p:blipFill>
+          <a:blip r:embed="rId3">
+            <a:extLst>
+              <a:ext uri="{28A0092B-C50C-407E-A947-70E740481C1C}">
+                <a14:useLocalDpi xmlns:a14="http://schemas.microsoft.com/office/drawing/2010/main" val="0"/>
+              </a:ext>
+            </a:extLst>
+          </a:blip>
+          <a:stretch>
+            <a:fillRect/>
+          </a:stretch>
+        </p:blipFill>
+        <p:spPr>
+          <a:xfrm>
+            <a:off x="10585826" y="1971234"/>
+            <a:ext cx="1602997" cy="144270"/>
+          </a:xfrm>
+          <a:prstGeom prst="rect">
+            <a:avLst/>
+          </a:prstGeom>
+        </p:spPr>
+      </p:pic>
+      <p:sp>
+        <p:nvSpPr>
+          <p:cNvPr id="12" name="Rectangle 11"/>
+          <p:cNvSpPr/>
+          <p:nvPr/>
+        </p:nvSpPr>
+        <p:spPr bwMode="ltGray">
+          <a:xfrm>
+            <a:off x="0" y="609600"/>
+            <a:ext cx="10437812" cy="1368198"/>
+          </a:xfrm>
+          <a:prstGeom prst="rect">
+            <a:avLst/>
+          </a:prstGeom>
+          <a:solidFill>
+            <a:schemeClr val="bg1">
+              <a:lumMod val="85000"/>
+              <a:lumOff val="15000"/>
+            </a:schemeClr>
+          </a:solidFill>
+          <a:ln>
+            <a:noFill/>
+          </a:ln>
+        </p:spPr>
+        <p:style>
+          <a:lnRef idx="2">
+            <a:schemeClr val="accent1">
+              <a:shade val="50000"/>
+            </a:schemeClr>
+          </a:lnRef>
+          <a:fillRef idx="1">
+            <a:schemeClr val="accent1"/>
+          </a:fillRef>
+          <a:effectRef idx="0">
+            <a:schemeClr val="accent1"/>
+          </a:effectRef>
+          <a:fontRef idx="minor">
+            <a:schemeClr val="lt1"/>
+          </a:fontRef>
+        </p:style>
+      </p:sp>
+      <p:sp>
+        <p:nvSpPr>
+          <p:cNvPr id="13" name="Rectangle 12"/>
+          <p:cNvSpPr/>
+          <p:nvPr/>
+        </p:nvSpPr>
+        <p:spPr>
+          <a:xfrm>
+            <a:off x="10585827" y="609600"/>
+            <a:ext cx="1602997" cy="1368198"/>
+          </a:xfrm>
+          <a:prstGeom prst="rect">
+            <a:avLst/>
+          </a:prstGeom>
+          <a:solidFill>
+            <a:schemeClr val="accent1"/>
+          </a:solidFill>
+          <a:ln>
+            <a:noFill/>
+          </a:ln>
+        </p:spPr>
+        <p:style>
+          <a:lnRef idx="2">
+            <a:schemeClr val="accent1">
+              <a:shade val="50000"/>
+            </a:schemeClr>
+          </a:lnRef>
+          <a:fillRef idx="1">
+            <a:schemeClr val="accent1"/>
+          </a:fillRef>
+          <a:effectRef idx="0">
+            <a:schemeClr val="accent1"/>
+          </a:effectRef>
+          <a:fontRef idx="minor">
+            <a:schemeClr val="lt1"/>
+          </a:fontRef>
+        </p:style>
+      </p:sp>
+      <p:sp>
+        <p:nvSpPr>
+          <p:cNvPr id="2" name="Title 1"/>
           <p:cNvSpPr>
             <a:spLocks noGrp="1"/>
           </p:cNvSpPr>
@@ -1520,8 +5604,8 @@
         </p:nvSpPr>
         <p:spPr>
           <a:xfrm>
-            <a:off x="839788" y="365125"/>
-            <a:ext cx="10515600" cy="1325563"/>
+            <a:off x="680319" y="753229"/>
+            <a:ext cx="9613863" cy="1080937"/>
           </a:xfrm>
         </p:spPr>
         <p:txBody>
@@ -1532,19 +5616,13 @@
               <a:rPr lang="nl-NL"/>
               <a:t>Klik om stijl te bewerken</a:t>
             </a:r>
-            <a:endParaRPr lang="en-BE"/>
-          </a:p>
-        </p:txBody>
-      </p:sp>
-      <p:sp>
-        <p:nvSpPr>
-          <p:cNvPr id="3" name="Tijdelijke aanduiding voor tekst 2">
-            <a:extLst>
-              <a:ext uri="{FF2B5EF4-FFF2-40B4-BE49-F238E27FC236}">
-                <a16:creationId xmlns:a16="http://schemas.microsoft.com/office/drawing/2014/main" id="{91000B92-0878-2C24-CEA1-DE6D18CEE846}"/>
-              </a:ext>
-            </a:extLst>
-          </p:cNvPr>
+            <a:endParaRPr lang="en-US" dirty="0"/>
+          </a:p>
+        </p:txBody>
+      </p:sp>
+      <p:sp>
+        <p:nvSpPr>
+          <p:cNvPr id="3" name="Text Placeholder 2"/>
           <p:cNvSpPr>
             <a:spLocks noGrp="1"/>
           </p:cNvSpPr>
@@ -1554,8 +5632,8 @@
         </p:nvSpPr>
         <p:spPr>
           <a:xfrm>
-            <a:off x="839788" y="1681163"/>
-            <a:ext cx="5157787" cy="823912"/>
+            <a:off x="906350" y="2336873"/>
+            <a:ext cx="4472327" cy="693135"/>
           </a:xfrm>
         </p:spPr>
         <p:txBody>
@@ -1609,13 +5687,7 @@
       </p:sp>
       <p:sp>
         <p:nvSpPr>
-          <p:cNvPr id="4" name="Tijdelijke aanduiding voor inhoud 3">
-            <a:extLst>
-              <a:ext uri="{FF2B5EF4-FFF2-40B4-BE49-F238E27FC236}">
-                <a16:creationId xmlns:a16="http://schemas.microsoft.com/office/drawing/2014/main" id="{D1DFEF04-19A3-74A4-EC92-9FF562E4BE87}"/>
-              </a:ext>
-            </a:extLst>
-          </p:cNvPr>
+          <p:cNvPr id="4" name="Content Placeholder 3"/>
           <p:cNvSpPr>
             <a:spLocks noGrp="1"/>
           </p:cNvSpPr>
@@ -1625,8 +5697,8 @@
         </p:nvSpPr>
         <p:spPr>
           <a:xfrm>
-            <a:off x="839788" y="2505075"/>
-            <a:ext cx="5157787" cy="3684588"/>
+            <a:off x="680322" y="3030008"/>
+            <a:ext cx="4698355" cy="2906179"/>
           </a:xfrm>
         </p:spPr>
         <p:txBody>
@@ -1666,19 +5738,13 @@
               <a:rPr lang="nl-NL"/>
               <a:t>Vijfde niveau</a:t>
             </a:r>
-            <a:endParaRPr lang="en-BE"/>
-          </a:p>
-        </p:txBody>
-      </p:sp>
-      <p:sp>
-        <p:nvSpPr>
-          <p:cNvPr id="5" name="Tijdelijke aanduiding voor tekst 4">
-            <a:extLst>
-              <a:ext uri="{FF2B5EF4-FFF2-40B4-BE49-F238E27FC236}">
-                <a16:creationId xmlns:a16="http://schemas.microsoft.com/office/drawing/2014/main" id="{AB682BEC-54E5-7741-E62C-32903B19525C}"/>
-              </a:ext>
-            </a:extLst>
-          </p:cNvPr>
+            <a:endParaRPr lang="en-US" dirty="0"/>
+          </a:p>
+        </p:txBody>
+      </p:sp>
+      <p:sp>
+        <p:nvSpPr>
+          <p:cNvPr id="5" name="Text Placeholder 4"/>
           <p:cNvSpPr>
             <a:spLocks noGrp="1"/>
           </p:cNvSpPr>
@@ -1688,8 +5754,8 @@
         </p:nvSpPr>
         <p:spPr>
           <a:xfrm>
-            <a:off x="6172200" y="1681163"/>
-            <a:ext cx="5183188" cy="823912"/>
+            <a:off x="5820154" y="2336873"/>
+            <a:ext cx="4474028" cy="692076"/>
           </a:xfrm>
         </p:spPr>
         <p:txBody>
@@ -1743,13 +5809,7 @@
       </p:sp>
       <p:sp>
         <p:nvSpPr>
-          <p:cNvPr id="6" name="Tijdelijke aanduiding voor inhoud 5">
-            <a:extLst>
-              <a:ext uri="{FF2B5EF4-FFF2-40B4-BE49-F238E27FC236}">
-                <a16:creationId xmlns:a16="http://schemas.microsoft.com/office/drawing/2014/main" id="{71B8233D-39B9-DE9E-47E8-BDA4BCA9C796}"/>
-              </a:ext>
-            </a:extLst>
-          </p:cNvPr>
+          <p:cNvPr id="6" name="Content Placeholder 5"/>
           <p:cNvSpPr>
             <a:spLocks noGrp="1"/>
           </p:cNvSpPr>
@@ -1759,8 +5819,8 @@
         </p:nvSpPr>
         <p:spPr>
           <a:xfrm>
-            <a:off x="6172200" y="2505075"/>
-            <a:ext cx="5183188" cy="3684588"/>
+            <a:off x="5594123" y="3030008"/>
+            <a:ext cx="4700059" cy="2906179"/>
           </a:xfrm>
         </p:spPr>
         <p:txBody>
@@ -1800,19 +5860,13 @@
               <a:rPr lang="nl-NL"/>
               <a:t>Vijfde niveau</a:t>
             </a:r>
-            <a:endParaRPr lang="en-BE"/>
-          </a:p>
-        </p:txBody>
-      </p:sp>
-      <p:sp>
-        <p:nvSpPr>
-          <p:cNvPr id="7" name="Tijdelijke aanduiding voor datum 6">
-            <a:extLst>
-              <a:ext uri="{FF2B5EF4-FFF2-40B4-BE49-F238E27FC236}">
-                <a16:creationId xmlns:a16="http://schemas.microsoft.com/office/drawing/2014/main" id="{055B662D-C8DB-ECA3-F1B0-5817D81EA3B8}"/>
-              </a:ext>
-            </a:extLst>
-          </p:cNvPr>
+            <a:endParaRPr lang="en-US" dirty="0"/>
+          </a:p>
+        </p:txBody>
+      </p:sp>
+      <p:sp>
+        <p:nvSpPr>
+          <p:cNvPr id="7" name="Date Placeholder 6"/>
           <p:cNvSpPr>
             <a:spLocks noGrp="1"/>
           </p:cNvSpPr>
@@ -1827,7 +5881,7 @@
           <a:p>
             <a:fld id="{6D86DAEC-DC0F-4D08-909B-E4E2116F45D8}" type="datetimeFigureOut">
               <a:rPr lang="en-BE" smtClean="0"/>
-              <a:t>21/04/2023</a:t>
+              <a:t>04/21/2023</a:t>
             </a:fld>
             <a:endParaRPr lang="en-BE"/>
           </a:p>
@@ -1835,13 +5889,7 @@
       </p:sp>
       <p:sp>
         <p:nvSpPr>
-          <p:cNvPr id="8" name="Tijdelijke aanduiding voor voettekst 7">
-            <a:extLst>
-              <a:ext uri="{FF2B5EF4-FFF2-40B4-BE49-F238E27FC236}">
-                <a16:creationId xmlns:a16="http://schemas.microsoft.com/office/drawing/2014/main" id="{5671E863-EFC8-F466-F192-153B6E2363C9}"/>
-              </a:ext>
-            </a:extLst>
-          </p:cNvPr>
+          <p:cNvPr id="8" name="Footer Placeholder 7"/>
           <p:cNvSpPr>
             <a:spLocks noGrp="1"/>
           </p:cNvSpPr>
@@ -1860,13 +5908,7 @@
       </p:sp>
       <p:sp>
         <p:nvSpPr>
-          <p:cNvPr id="9" name="Tijdelijke aanduiding voor dianummer 8">
-            <a:extLst>
-              <a:ext uri="{FF2B5EF4-FFF2-40B4-BE49-F238E27FC236}">
-                <a16:creationId xmlns:a16="http://schemas.microsoft.com/office/drawing/2014/main" id="{1B164803-28EF-B3AB-911A-77154DB33E32}"/>
-              </a:ext>
-            </a:extLst>
-          </p:cNvPr>
+          <p:cNvPr id="9" name="Slide Number Placeholder 8"/>
           <p:cNvSpPr>
             <a:spLocks noGrp="1"/>
           </p:cNvSpPr>
@@ -1890,7 +5932,7 @@
     </p:spTree>
     <p:extLst>
       <p:ext uri="{BB962C8B-B14F-4D97-AF65-F5344CB8AC3E}">
-        <p14:creationId xmlns:p14="http://schemas.microsoft.com/office/powerpoint/2010/main" val="734443924"/>
+        <p14:creationId xmlns:p14="http://schemas.microsoft.com/office/powerpoint/2010/main" val="2383839691"/>
       </p:ext>
     </p:extLst>
   </p:cSld>
@@ -1917,15 +5959,148 @@
           <a:chExt cx="0" cy="0"/>
         </a:xfrm>
       </p:grpSpPr>
-      <p:sp>
-        <p:nvSpPr>
-          <p:cNvPr id="2" name="Titel 1">
+      <p:pic>
+        <p:nvPicPr>
+          <p:cNvPr id="6" name="Picture 5" descr="HD-ShadowLong.png"/>
+          <p:cNvPicPr>
+            <a:picLocks noChangeAspect="1"/>
+          </p:cNvPicPr>
+          <p:nvPr/>
+        </p:nvPicPr>
+        <p:blipFill>
+          <a:blip r:embed="rId2">
             <a:extLst>
-              <a:ext uri="{FF2B5EF4-FFF2-40B4-BE49-F238E27FC236}">
-                <a16:creationId xmlns:a16="http://schemas.microsoft.com/office/drawing/2014/main" id="{39BEC78C-4A2F-96B8-029B-2502859B2F88}"/>
+              <a:ext uri="{28A0092B-C50C-407E-A947-70E740481C1C}">
+                <a14:useLocalDpi xmlns:a14="http://schemas.microsoft.com/office/drawing/2010/main" val="0"/>
               </a:ext>
             </a:extLst>
-          </p:cNvPr>
+          </a:blip>
+          <a:stretch>
+            <a:fillRect/>
+          </a:stretch>
+        </p:blipFill>
+        <p:spPr>
+          <a:xfrm>
+            <a:off x="1" y="1970240"/>
+            <a:ext cx="10437812" cy="321164"/>
+          </a:xfrm>
+          <a:prstGeom prst="rect">
+            <a:avLst/>
+          </a:prstGeom>
+        </p:spPr>
+      </p:pic>
+      <p:pic>
+        <p:nvPicPr>
+          <p:cNvPr id="7" name="Picture 6" descr="HD-ShadowShort.png"/>
+          <p:cNvPicPr>
+            <a:picLocks noChangeAspect="1"/>
+          </p:cNvPicPr>
+          <p:nvPr/>
+        </p:nvPicPr>
+        <p:blipFill>
+          <a:blip r:embed="rId3">
+            <a:extLst>
+              <a:ext uri="{28A0092B-C50C-407E-A947-70E740481C1C}">
+                <a14:useLocalDpi xmlns:a14="http://schemas.microsoft.com/office/drawing/2010/main" val="0"/>
+              </a:ext>
+            </a:extLst>
+          </a:blip>
+          <a:stretch>
+            <a:fillRect/>
+          </a:stretch>
+        </p:blipFill>
+        <p:spPr>
+          <a:xfrm>
+            <a:off x="10585826" y="1971234"/>
+            <a:ext cx="1602997" cy="144270"/>
+          </a:xfrm>
+          <a:prstGeom prst="rect">
+            <a:avLst/>
+          </a:prstGeom>
+        </p:spPr>
+      </p:pic>
+      <p:sp>
+        <p:nvSpPr>
+          <p:cNvPr id="8" name="Rectangle 7"/>
+          <p:cNvSpPr/>
+          <p:nvPr/>
+        </p:nvSpPr>
+        <p:spPr bwMode="ltGray">
+          <a:xfrm>
+            <a:off x="0" y="609600"/>
+            <a:ext cx="10437812" cy="1368198"/>
+          </a:xfrm>
+          <a:prstGeom prst="rect">
+            <a:avLst/>
+          </a:prstGeom>
+          <a:solidFill>
+            <a:schemeClr val="bg1">
+              <a:lumMod val="85000"/>
+              <a:lumOff val="15000"/>
+            </a:schemeClr>
+          </a:solidFill>
+          <a:ln>
+            <a:noFill/>
+          </a:ln>
+        </p:spPr>
+        <p:style>
+          <a:lnRef idx="2">
+            <a:schemeClr val="accent1">
+              <a:shade val="50000"/>
+            </a:schemeClr>
+          </a:lnRef>
+          <a:fillRef idx="1">
+            <a:schemeClr val="accent1"/>
+          </a:fillRef>
+          <a:effectRef idx="0">
+            <a:schemeClr val="accent1"/>
+          </a:effectRef>
+          <a:fontRef idx="minor">
+            <a:schemeClr val="lt1"/>
+          </a:fontRef>
+        </p:style>
+      </p:sp>
+      <p:sp>
+        <p:nvSpPr>
+          <p:cNvPr id="9" name="Rectangle 8"/>
+          <p:cNvSpPr/>
+          <p:nvPr/>
+        </p:nvSpPr>
+        <p:spPr>
+          <a:xfrm>
+            <a:off x="10585827" y="609600"/>
+            <a:ext cx="1602997" cy="1368198"/>
+          </a:xfrm>
+          <a:prstGeom prst="rect">
+            <a:avLst/>
+          </a:prstGeom>
+          <a:solidFill>
+            <a:schemeClr val="accent1"/>
+          </a:solidFill>
+          <a:ln>
+            <a:noFill/>
+          </a:ln>
+        </p:spPr>
+        <p:style>
+          <a:lnRef idx="2">
+            <a:schemeClr val="accent1">
+              <a:shade val="50000"/>
+            </a:schemeClr>
+          </a:lnRef>
+          <a:fillRef idx="1">
+            <a:schemeClr val="accent1"/>
+          </a:fillRef>
+          <a:effectRef idx="0">
+            <a:schemeClr val="accent1"/>
+          </a:effectRef>
+          <a:fontRef idx="minor">
+            <a:schemeClr val="lt1"/>
+          </a:fontRef>
+        </p:style>
+      </p:sp>
+      <p:sp>
+        <p:nvSpPr>
+          <p:cNvPr id="2" name="Title 1"/>
           <p:cNvSpPr>
             <a:spLocks noGrp="1"/>
           </p:cNvSpPr>
@@ -1942,19 +6117,13 @@
               <a:rPr lang="nl-NL"/>
               <a:t>Klik om stijl te bewerken</a:t>
             </a:r>
-            <a:endParaRPr lang="en-BE"/>
-          </a:p>
-        </p:txBody>
-      </p:sp>
-      <p:sp>
-        <p:nvSpPr>
-          <p:cNvPr id="3" name="Tijdelijke aanduiding voor datum 2">
-            <a:extLst>
-              <a:ext uri="{FF2B5EF4-FFF2-40B4-BE49-F238E27FC236}">
-                <a16:creationId xmlns:a16="http://schemas.microsoft.com/office/drawing/2014/main" id="{EA774B1B-F1E3-5461-8F20-9BCBC87CA6DD}"/>
-              </a:ext>
-            </a:extLst>
-          </p:cNvPr>
+            <a:endParaRPr lang="en-US" dirty="0"/>
+          </a:p>
+        </p:txBody>
+      </p:sp>
+      <p:sp>
+        <p:nvSpPr>
+          <p:cNvPr id="3" name="Date Placeholder 2"/>
           <p:cNvSpPr>
             <a:spLocks noGrp="1"/>
           </p:cNvSpPr>
@@ -1969,7 +6138,7 @@
           <a:p>
             <a:fld id="{6D86DAEC-DC0F-4D08-909B-E4E2116F45D8}" type="datetimeFigureOut">
               <a:rPr lang="en-BE" smtClean="0"/>
-              <a:t>21/04/2023</a:t>
+              <a:t>04/21/2023</a:t>
             </a:fld>
             <a:endParaRPr lang="en-BE"/>
           </a:p>
@@ -1977,13 +6146,7 @@
       </p:sp>
       <p:sp>
         <p:nvSpPr>
-          <p:cNvPr id="4" name="Tijdelijke aanduiding voor voettekst 3">
-            <a:extLst>
-              <a:ext uri="{FF2B5EF4-FFF2-40B4-BE49-F238E27FC236}">
-                <a16:creationId xmlns:a16="http://schemas.microsoft.com/office/drawing/2014/main" id="{606DA4E8-9C53-0F08-B08C-C0BCBC8E6ED3}"/>
-              </a:ext>
-            </a:extLst>
-          </p:cNvPr>
+          <p:cNvPr id="4" name="Footer Placeholder 3"/>
           <p:cNvSpPr>
             <a:spLocks noGrp="1"/>
           </p:cNvSpPr>
@@ -2002,13 +6165,7 @@
       </p:sp>
       <p:sp>
         <p:nvSpPr>
-          <p:cNvPr id="5" name="Tijdelijke aanduiding voor dianummer 4">
-            <a:extLst>
-              <a:ext uri="{FF2B5EF4-FFF2-40B4-BE49-F238E27FC236}">
-                <a16:creationId xmlns:a16="http://schemas.microsoft.com/office/drawing/2014/main" id="{9333DE88-DF69-52B9-ED78-3BC4A21D5467}"/>
-              </a:ext>
-            </a:extLst>
-          </p:cNvPr>
+          <p:cNvPr id="5" name="Slide Number Placeholder 4"/>
           <p:cNvSpPr>
             <a:spLocks noGrp="1"/>
           </p:cNvSpPr>
@@ -2032,7 +6189,7 @@
     </p:spTree>
     <p:extLst>
       <p:ext uri="{BB962C8B-B14F-4D97-AF65-F5344CB8AC3E}">
-        <p14:creationId xmlns:p14="http://schemas.microsoft.com/office/powerpoint/2010/main" val="2352162565"/>
+        <p14:creationId xmlns:p14="http://schemas.microsoft.com/office/powerpoint/2010/main" val="769844007"/>
       </p:ext>
     </p:extLst>
   </p:cSld>
@@ -2059,15 +6216,77 @@
           <a:chExt cx="0" cy="0"/>
         </a:xfrm>
       </p:grpSpPr>
-      <p:sp>
-        <p:nvSpPr>
-          <p:cNvPr id="2" name="Tijdelijke aanduiding voor datum 1">
+      <p:pic>
+        <p:nvPicPr>
+          <p:cNvPr id="5" name="Picture 4" descr="HD-ShadowShort.png"/>
+          <p:cNvPicPr>
+            <a:picLocks noChangeAspect="1"/>
+          </p:cNvPicPr>
+          <p:nvPr/>
+        </p:nvPicPr>
+        <p:blipFill>
+          <a:blip r:embed="rId2">
             <a:extLst>
-              <a:ext uri="{FF2B5EF4-FFF2-40B4-BE49-F238E27FC236}">
-                <a16:creationId xmlns:a16="http://schemas.microsoft.com/office/drawing/2014/main" id="{CC1A1400-B2C4-A552-B17B-44757E326882}"/>
+              <a:ext uri="{28A0092B-C50C-407E-A947-70E740481C1C}">
+                <a14:useLocalDpi xmlns:a14="http://schemas.microsoft.com/office/drawing/2010/main" val="0"/>
               </a:ext>
             </a:extLst>
-          </p:cNvPr>
+          </a:blip>
+          <a:stretch>
+            <a:fillRect/>
+          </a:stretch>
+        </p:blipFill>
+        <p:spPr>
+          <a:xfrm>
+            <a:off x="10585826" y="1971234"/>
+            <a:ext cx="1602997" cy="144270"/>
+          </a:xfrm>
+          <a:prstGeom prst="rect">
+            <a:avLst/>
+          </a:prstGeom>
+        </p:spPr>
+      </p:pic>
+      <p:sp>
+        <p:nvSpPr>
+          <p:cNvPr id="6" name="Rectangle 5"/>
+          <p:cNvSpPr/>
+          <p:nvPr/>
+        </p:nvSpPr>
+        <p:spPr>
+          <a:xfrm>
+            <a:off x="10585827" y="609600"/>
+            <a:ext cx="1602997" cy="1368198"/>
+          </a:xfrm>
+          <a:prstGeom prst="rect">
+            <a:avLst/>
+          </a:prstGeom>
+          <a:solidFill>
+            <a:schemeClr val="accent1"/>
+          </a:solidFill>
+          <a:ln>
+            <a:noFill/>
+          </a:ln>
+        </p:spPr>
+        <p:style>
+          <a:lnRef idx="2">
+            <a:schemeClr val="accent1">
+              <a:shade val="50000"/>
+            </a:schemeClr>
+          </a:lnRef>
+          <a:fillRef idx="1">
+            <a:schemeClr val="accent1"/>
+          </a:fillRef>
+          <a:effectRef idx="0">
+            <a:schemeClr val="accent1"/>
+          </a:effectRef>
+          <a:fontRef idx="minor">
+            <a:schemeClr val="lt1"/>
+          </a:fontRef>
+        </p:style>
+      </p:sp>
+      <p:sp>
+        <p:nvSpPr>
+          <p:cNvPr id="2" name="Date Placeholder 1"/>
           <p:cNvSpPr>
             <a:spLocks noGrp="1"/>
           </p:cNvSpPr>
@@ -2082,7 +6301,7 @@
           <a:p>
             <a:fld id="{6D86DAEC-DC0F-4D08-909B-E4E2116F45D8}" type="datetimeFigureOut">
               <a:rPr lang="en-BE" smtClean="0"/>
-              <a:t>21/04/2023</a:t>
+              <a:t>04/21/2023</a:t>
             </a:fld>
             <a:endParaRPr lang="en-BE"/>
           </a:p>
@@ -2090,13 +6309,7 @@
       </p:sp>
       <p:sp>
         <p:nvSpPr>
-          <p:cNvPr id="3" name="Tijdelijke aanduiding voor voettekst 2">
-            <a:extLst>
-              <a:ext uri="{FF2B5EF4-FFF2-40B4-BE49-F238E27FC236}">
-                <a16:creationId xmlns:a16="http://schemas.microsoft.com/office/drawing/2014/main" id="{11A98DD3-23F1-35DE-702F-CF305108A01F}"/>
-              </a:ext>
-            </a:extLst>
-          </p:cNvPr>
+          <p:cNvPr id="3" name="Footer Placeholder 2"/>
           <p:cNvSpPr>
             <a:spLocks noGrp="1"/>
           </p:cNvSpPr>
@@ -2115,13 +6328,7 @@
       </p:sp>
       <p:sp>
         <p:nvSpPr>
-          <p:cNvPr id="4" name="Tijdelijke aanduiding voor dianummer 3">
-            <a:extLst>
-              <a:ext uri="{FF2B5EF4-FFF2-40B4-BE49-F238E27FC236}">
-                <a16:creationId xmlns:a16="http://schemas.microsoft.com/office/drawing/2014/main" id="{037CF185-5E63-DBA3-73D2-64DB638E2BAD}"/>
-              </a:ext>
-            </a:extLst>
-          </p:cNvPr>
+          <p:cNvPr id="4" name="Slide Number Placeholder 3"/>
           <p:cNvSpPr>
             <a:spLocks noGrp="1"/>
           </p:cNvSpPr>
@@ -2145,7 +6352,7 @@
     </p:spTree>
     <p:extLst>
       <p:ext uri="{BB962C8B-B14F-4D97-AF65-F5344CB8AC3E}">
-        <p14:creationId xmlns:p14="http://schemas.microsoft.com/office/powerpoint/2010/main" val="3886753292"/>
+        <p14:creationId xmlns:p14="http://schemas.microsoft.com/office/powerpoint/2010/main" val="295074527"/>
       </p:ext>
     </p:extLst>
   </p:cSld>
@@ -2172,15 +6379,148 @@
           <a:chExt cx="0" cy="0"/>
         </a:xfrm>
       </p:grpSpPr>
-      <p:sp>
-        <p:nvSpPr>
-          <p:cNvPr id="2" name="Titel 1">
+      <p:pic>
+        <p:nvPicPr>
+          <p:cNvPr id="8" name="Picture 7" descr="HD-ShadowLong.png"/>
+          <p:cNvPicPr>
+            <a:picLocks noChangeAspect="1"/>
+          </p:cNvPicPr>
+          <p:nvPr/>
+        </p:nvPicPr>
+        <p:blipFill>
+          <a:blip r:embed="rId2">
             <a:extLst>
-              <a:ext uri="{FF2B5EF4-FFF2-40B4-BE49-F238E27FC236}">
-                <a16:creationId xmlns:a16="http://schemas.microsoft.com/office/drawing/2014/main" id="{02A0FFDB-7860-BA13-6F52-510BBE1CB889}"/>
+              <a:ext uri="{28A0092B-C50C-407E-A947-70E740481C1C}">
+                <a14:useLocalDpi xmlns:a14="http://schemas.microsoft.com/office/drawing/2010/main" val="0"/>
               </a:ext>
             </a:extLst>
-          </p:cNvPr>
+          </a:blip>
+          <a:stretch>
+            <a:fillRect/>
+          </a:stretch>
+        </p:blipFill>
+        <p:spPr>
+          <a:xfrm>
+            <a:off x="1" y="1970240"/>
+            <a:ext cx="10437812" cy="321164"/>
+          </a:xfrm>
+          <a:prstGeom prst="rect">
+            <a:avLst/>
+          </a:prstGeom>
+        </p:spPr>
+      </p:pic>
+      <p:pic>
+        <p:nvPicPr>
+          <p:cNvPr id="9" name="Picture 8" descr="HD-ShadowShort.png"/>
+          <p:cNvPicPr>
+            <a:picLocks noChangeAspect="1"/>
+          </p:cNvPicPr>
+          <p:nvPr/>
+        </p:nvPicPr>
+        <p:blipFill>
+          <a:blip r:embed="rId3">
+            <a:extLst>
+              <a:ext uri="{28A0092B-C50C-407E-A947-70E740481C1C}">
+                <a14:useLocalDpi xmlns:a14="http://schemas.microsoft.com/office/drawing/2010/main" val="0"/>
+              </a:ext>
+            </a:extLst>
+          </a:blip>
+          <a:stretch>
+            <a:fillRect/>
+          </a:stretch>
+        </p:blipFill>
+        <p:spPr>
+          <a:xfrm>
+            <a:off x="10585826" y="1971234"/>
+            <a:ext cx="1602997" cy="144270"/>
+          </a:xfrm>
+          <a:prstGeom prst="rect">
+            <a:avLst/>
+          </a:prstGeom>
+        </p:spPr>
+      </p:pic>
+      <p:sp>
+        <p:nvSpPr>
+          <p:cNvPr id="10" name="Rectangle 9"/>
+          <p:cNvSpPr/>
+          <p:nvPr/>
+        </p:nvSpPr>
+        <p:spPr bwMode="ltGray">
+          <a:xfrm>
+            <a:off x="0" y="609600"/>
+            <a:ext cx="10437812" cy="1368198"/>
+          </a:xfrm>
+          <a:prstGeom prst="rect">
+            <a:avLst/>
+          </a:prstGeom>
+          <a:solidFill>
+            <a:schemeClr val="bg1">
+              <a:lumMod val="85000"/>
+              <a:lumOff val="15000"/>
+            </a:schemeClr>
+          </a:solidFill>
+          <a:ln>
+            <a:noFill/>
+          </a:ln>
+        </p:spPr>
+        <p:style>
+          <a:lnRef idx="2">
+            <a:schemeClr val="accent1">
+              <a:shade val="50000"/>
+            </a:schemeClr>
+          </a:lnRef>
+          <a:fillRef idx="1">
+            <a:schemeClr val="accent1"/>
+          </a:fillRef>
+          <a:effectRef idx="0">
+            <a:schemeClr val="accent1"/>
+          </a:effectRef>
+          <a:fontRef idx="minor">
+            <a:schemeClr val="lt1"/>
+          </a:fontRef>
+        </p:style>
+      </p:sp>
+      <p:sp>
+        <p:nvSpPr>
+          <p:cNvPr id="11" name="Rectangle 10"/>
+          <p:cNvSpPr/>
+          <p:nvPr/>
+        </p:nvSpPr>
+        <p:spPr>
+          <a:xfrm>
+            <a:off x="10585827" y="609600"/>
+            <a:ext cx="1602997" cy="1368198"/>
+          </a:xfrm>
+          <a:prstGeom prst="rect">
+            <a:avLst/>
+          </a:prstGeom>
+          <a:solidFill>
+            <a:schemeClr val="accent1"/>
+          </a:solidFill>
+          <a:ln>
+            <a:noFill/>
+          </a:ln>
+        </p:spPr>
+        <p:style>
+          <a:lnRef idx="2">
+            <a:schemeClr val="accent1">
+              <a:shade val="50000"/>
+            </a:schemeClr>
+          </a:lnRef>
+          <a:fillRef idx="1">
+            <a:schemeClr val="accent1"/>
+          </a:fillRef>
+          <a:effectRef idx="0">
+            <a:schemeClr val="accent1"/>
+          </a:effectRef>
+          <a:fontRef idx="minor">
+            <a:schemeClr val="lt1"/>
+          </a:fontRef>
+        </p:style>
+      </p:sp>
+      <p:sp>
+        <p:nvSpPr>
+          <p:cNvPr id="2" name="Title 1"/>
           <p:cNvSpPr>
             <a:spLocks noGrp="1"/>
           </p:cNvSpPr>
@@ -2190,15 +6530,17 @@
         </p:nvSpPr>
         <p:spPr>
           <a:xfrm>
-            <a:off x="839788" y="457200"/>
-            <a:ext cx="3932237" cy="1600200"/>
-          </a:xfrm>
-        </p:spPr>
-        <p:txBody>
-          <a:bodyPr anchor="b"/>
+            <a:off x="680321" y="753227"/>
+            <a:ext cx="9613859" cy="1080940"/>
+          </a:xfrm>
+        </p:spPr>
+        <p:txBody>
+          <a:bodyPr anchor="ctr">
+            <a:normAutofit/>
+          </a:bodyPr>
           <a:lstStyle>
             <a:lvl1pPr>
-              <a:defRPr sz="3200"/>
+              <a:defRPr sz="3600"/>
             </a:lvl1pPr>
           </a:lstStyle>
           <a:p>
@@ -2206,19 +6548,13 @@
               <a:rPr lang="nl-NL"/>
               <a:t>Klik om stijl te bewerken</a:t>
             </a:r>
-            <a:endParaRPr lang="en-BE"/>
-          </a:p>
-        </p:txBody>
-      </p:sp>
-      <p:sp>
-        <p:nvSpPr>
-          <p:cNvPr id="3" name="Tijdelijke aanduiding voor inhoud 2">
-            <a:extLst>
-              <a:ext uri="{FF2B5EF4-FFF2-40B4-BE49-F238E27FC236}">
-                <a16:creationId xmlns:a16="http://schemas.microsoft.com/office/drawing/2014/main" id="{F50C929F-9F68-D43F-0137-E8E4B21CF697}"/>
-              </a:ext>
-            </a:extLst>
-          </p:cNvPr>
+            <a:endParaRPr lang="en-US" dirty="0"/>
+          </a:p>
+        </p:txBody>
+      </p:sp>
+      <p:sp>
+        <p:nvSpPr>
+          <p:cNvPr id="3" name="Content Placeholder 2"/>
           <p:cNvSpPr>
             <a:spLocks noGrp="1"/>
           </p:cNvSpPr>
@@ -2228,41 +6564,13 @@
         </p:nvSpPr>
         <p:spPr>
           <a:xfrm>
-            <a:off x="5183188" y="987425"/>
-            <a:ext cx="6172200" cy="4873625"/>
+            <a:off x="4685846" y="2336873"/>
+            <a:ext cx="5608336" cy="3599313"/>
           </a:xfrm>
         </p:spPr>
         <p:txBody>
           <a:bodyPr/>
-          <a:lstStyle>
-            <a:lvl1pPr>
-              <a:defRPr sz="3200"/>
-            </a:lvl1pPr>
-            <a:lvl2pPr>
-              <a:defRPr sz="2800"/>
-            </a:lvl2pPr>
-            <a:lvl3pPr>
-              <a:defRPr sz="2400"/>
-            </a:lvl3pPr>
-            <a:lvl4pPr>
-              <a:defRPr sz="2000"/>
-            </a:lvl4pPr>
-            <a:lvl5pPr>
-              <a:defRPr sz="2000"/>
-            </a:lvl5pPr>
-            <a:lvl6pPr>
-              <a:defRPr sz="2000"/>
-            </a:lvl6pPr>
-            <a:lvl7pPr>
-              <a:defRPr sz="2000"/>
-            </a:lvl7pPr>
-            <a:lvl8pPr>
-              <a:defRPr sz="2000"/>
-            </a:lvl8pPr>
-            <a:lvl9pPr>
-              <a:defRPr sz="2000"/>
-            </a:lvl9pPr>
-          </a:lstStyle>
+          <a:lstStyle/>
           <a:p>
             <a:pPr lvl="0"/>
             <a:r>
@@ -2297,19 +6605,13 @@
               <a:rPr lang="nl-NL"/>
               <a:t>Vijfde niveau</a:t>
             </a:r>
-            <a:endParaRPr lang="en-BE"/>
-          </a:p>
-        </p:txBody>
-      </p:sp>
-      <p:sp>
-        <p:nvSpPr>
-          <p:cNvPr id="4" name="Tijdelijke aanduiding voor tekst 3">
-            <a:extLst>
-              <a:ext uri="{FF2B5EF4-FFF2-40B4-BE49-F238E27FC236}">
-                <a16:creationId xmlns:a16="http://schemas.microsoft.com/office/drawing/2014/main" id="{357BBB15-E307-B923-4B0D-A2F86A66666C}"/>
-              </a:ext>
-            </a:extLst>
-          </p:cNvPr>
+            <a:endParaRPr lang="en-US" dirty="0"/>
+          </a:p>
+        </p:txBody>
+      </p:sp>
+      <p:sp>
+        <p:nvSpPr>
+          <p:cNvPr id="4" name="Text Placeholder 3"/>
           <p:cNvSpPr>
             <a:spLocks noGrp="1"/>
           </p:cNvSpPr>
@@ -2319,12 +6621,12 @@
         </p:nvSpPr>
         <p:spPr>
           <a:xfrm>
-            <a:off x="839788" y="2057400"/>
-            <a:ext cx="3932237" cy="3811588"/>
-          </a:xfrm>
-        </p:spPr>
-        <p:txBody>
-          <a:bodyPr/>
+            <a:off x="680322" y="2336872"/>
+            <a:ext cx="3790078" cy="3599317"/>
+          </a:xfrm>
+        </p:spPr>
+        <p:txBody>
+          <a:bodyPr anchor="ctr"/>
           <a:lstStyle>
             <a:lvl1pPr marL="0" indent="0">
               <a:buNone/>
@@ -2374,13 +6676,7 @@
       </p:sp>
       <p:sp>
         <p:nvSpPr>
-          <p:cNvPr id="5" name="Tijdelijke aanduiding voor datum 4">
-            <a:extLst>
-              <a:ext uri="{FF2B5EF4-FFF2-40B4-BE49-F238E27FC236}">
-                <a16:creationId xmlns:a16="http://schemas.microsoft.com/office/drawing/2014/main" id="{E23336DD-3978-D2F2-9BBF-B8896462F8E0}"/>
-              </a:ext>
-            </a:extLst>
-          </p:cNvPr>
+          <p:cNvPr id="5" name="Date Placeholder 4"/>
           <p:cNvSpPr>
             <a:spLocks noGrp="1"/>
           </p:cNvSpPr>
@@ -2395,7 +6691,7 @@
           <a:p>
             <a:fld id="{6D86DAEC-DC0F-4D08-909B-E4E2116F45D8}" type="datetimeFigureOut">
               <a:rPr lang="en-BE" smtClean="0"/>
-              <a:t>21/04/2023</a:t>
+              <a:t>04/21/2023</a:t>
             </a:fld>
             <a:endParaRPr lang="en-BE"/>
           </a:p>
@@ -2403,13 +6699,7 @@
       </p:sp>
       <p:sp>
         <p:nvSpPr>
-          <p:cNvPr id="6" name="Tijdelijke aanduiding voor voettekst 5">
-            <a:extLst>
-              <a:ext uri="{FF2B5EF4-FFF2-40B4-BE49-F238E27FC236}">
-                <a16:creationId xmlns:a16="http://schemas.microsoft.com/office/drawing/2014/main" id="{4F36E8BF-635E-3F36-0D91-1B33E23E4AB9}"/>
-              </a:ext>
-            </a:extLst>
-          </p:cNvPr>
+          <p:cNvPr id="6" name="Footer Placeholder 5"/>
           <p:cNvSpPr>
             <a:spLocks noGrp="1"/>
           </p:cNvSpPr>
@@ -2428,13 +6718,7 @@
       </p:sp>
       <p:sp>
         <p:nvSpPr>
-          <p:cNvPr id="7" name="Tijdelijke aanduiding voor dianummer 6">
-            <a:extLst>
-              <a:ext uri="{FF2B5EF4-FFF2-40B4-BE49-F238E27FC236}">
-                <a16:creationId xmlns:a16="http://schemas.microsoft.com/office/drawing/2014/main" id="{0575E08B-9214-2517-B721-36B3EACE5893}"/>
-              </a:ext>
-            </a:extLst>
-          </p:cNvPr>
+          <p:cNvPr id="7" name="Slide Number Placeholder 6"/>
           <p:cNvSpPr>
             <a:spLocks noGrp="1"/>
           </p:cNvSpPr>
@@ -2458,7 +6742,7 @@
     </p:spTree>
     <p:extLst>
       <p:ext uri="{BB962C8B-B14F-4D97-AF65-F5344CB8AC3E}">
-        <p14:creationId xmlns:p14="http://schemas.microsoft.com/office/powerpoint/2010/main" val="2665800959"/>
+        <p14:creationId xmlns:p14="http://schemas.microsoft.com/office/powerpoint/2010/main" val="3523131489"/>
       </p:ext>
     </p:extLst>
   </p:cSld>
@@ -2485,15 +6769,148 @@
           <a:chExt cx="0" cy="0"/>
         </a:xfrm>
       </p:grpSpPr>
-      <p:sp>
-        <p:nvSpPr>
-          <p:cNvPr id="2" name="Titel 1">
+      <p:pic>
+        <p:nvPicPr>
+          <p:cNvPr id="8" name="Picture 7" descr="HD-ShadowLong.png"/>
+          <p:cNvPicPr>
+            <a:picLocks noChangeAspect="1"/>
+          </p:cNvPicPr>
+          <p:nvPr/>
+        </p:nvPicPr>
+        <p:blipFill>
+          <a:blip r:embed="rId2">
             <a:extLst>
-              <a:ext uri="{FF2B5EF4-FFF2-40B4-BE49-F238E27FC236}">
-                <a16:creationId xmlns:a16="http://schemas.microsoft.com/office/drawing/2014/main" id="{5D1B3440-E12D-EC2B-9487-E324181AE728}"/>
+              <a:ext uri="{28A0092B-C50C-407E-A947-70E740481C1C}">
+                <a14:useLocalDpi xmlns:a14="http://schemas.microsoft.com/office/drawing/2010/main" val="0"/>
               </a:ext>
             </a:extLst>
-          </p:cNvPr>
+          </a:blip>
+          <a:stretch>
+            <a:fillRect/>
+          </a:stretch>
+        </p:blipFill>
+        <p:spPr>
+          <a:xfrm>
+            <a:off x="1" y="1970240"/>
+            <a:ext cx="10437812" cy="321164"/>
+          </a:xfrm>
+          <a:prstGeom prst="rect">
+            <a:avLst/>
+          </a:prstGeom>
+        </p:spPr>
+      </p:pic>
+      <p:pic>
+        <p:nvPicPr>
+          <p:cNvPr id="9" name="Picture 8" descr="HD-ShadowShort.png"/>
+          <p:cNvPicPr>
+            <a:picLocks noChangeAspect="1"/>
+          </p:cNvPicPr>
+          <p:nvPr/>
+        </p:nvPicPr>
+        <p:blipFill>
+          <a:blip r:embed="rId3">
+            <a:extLst>
+              <a:ext uri="{28A0092B-C50C-407E-A947-70E740481C1C}">
+                <a14:useLocalDpi xmlns:a14="http://schemas.microsoft.com/office/drawing/2010/main" val="0"/>
+              </a:ext>
+            </a:extLst>
+          </a:blip>
+          <a:stretch>
+            <a:fillRect/>
+          </a:stretch>
+        </p:blipFill>
+        <p:spPr>
+          <a:xfrm>
+            <a:off x="10585826" y="1971234"/>
+            <a:ext cx="1602997" cy="144270"/>
+          </a:xfrm>
+          <a:prstGeom prst="rect">
+            <a:avLst/>
+          </a:prstGeom>
+        </p:spPr>
+      </p:pic>
+      <p:sp>
+        <p:nvSpPr>
+          <p:cNvPr id="10" name="Rectangle 9"/>
+          <p:cNvSpPr/>
+          <p:nvPr/>
+        </p:nvSpPr>
+        <p:spPr bwMode="ltGray">
+          <a:xfrm>
+            <a:off x="0" y="609600"/>
+            <a:ext cx="10437812" cy="1368198"/>
+          </a:xfrm>
+          <a:prstGeom prst="rect">
+            <a:avLst/>
+          </a:prstGeom>
+          <a:solidFill>
+            <a:schemeClr val="bg1">
+              <a:lumMod val="85000"/>
+              <a:lumOff val="15000"/>
+            </a:schemeClr>
+          </a:solidFill>
+          <a:ln>
+            <a:noFill/>
+          </a:ln>
+        </p:spPr>
+        <p:style>
+          <a:lnRef idx="2">
+            <a:schemeClr val="accent1">
+              <a:shade val="50000"/>
+            </a:schemeClr>
+          </a:lnRef>
+          <a:fillRef idx="1">
+            <a:schemeClr val="accent1"/>
+          </a:fillRef>
+          <a:effectRef idx="0">
+            <a:schemeClr val="accent1"/>
+          </a:effectRef>
+          <a:fontRef idx="minor">
+            <a:schemeClr val="lt1"/>
+          </a:fontRef>
+        </p:style>
+      </p:sp>
+      <p:sp>
+        <p:nvSpPr>
+          <p:cNvPr id="11" name="Rectangle 10"/>
+          <p:cNvSpPr/>
+          <p:nvPr/>
+        </p:nvSpPr>
+        <p:spPr>
+          <a:xfrm>
+            <a:off x="10585827" y="609600"/>
+            <a:ext cx="1602997" cy="1368198"/>
+          </a:xfrm>
+          <a:prstGeom prst="rect">
+            <a:avLst/>
+          </a:prstGeom>
+          <a:solidFill>
+            <a:schemeClr val="accent1"/>
+          </a:solidFill>
+          <a:ln>
+            <a:noFill/>
+          </a:ln>
+        </p:spPr>
+        <p:style>
+          <a:lnRef idx="2">
+            <a:schemeClr val="accent1">
+              <a:shade val="50000"/>
+            </a:schemeClr>
+          </a:lnRef>
+          <a:fillRef idx="1">
+            <a:schemeClr val="accent1"/>
+          </a:fillRef>
+          <a:effectRef idx="0">
+            <a:schemeClr val="accent1"/>
+          </a:effectRef>
+          <a:fontRef idx="minor">
+            <a:schemeClr val="lt1"/>
+          </a:fontRef>
+        </p:style>
+      </p:sp>
+      <p:sp>
+        <p:nvSpPr>
+          <p:cNvPr id="2" name="Title 1"/>
           <p:cNvSpPr>
             <a:spLocks noGrp="1"/>
           </p:cNvSpPr>
@@ -2503,15 +6920,17 @@
         </p:nvSpPr>
         <p:spPr>
           <a:xfrm>
-            <a:off x="839788" y="457200"/>
-            <a:ext cx="3932237" cy="1600200"/>
-          </a:xfrm>
-        </p:spPr>
-        <p:txBody>
-          <a:bodyPr anchor="b"/>
+            <a:off x="680323" y="753228"/>
+            <a:ext cx="9613857" cy="1080938"/>
+          </a:xfrm>
+        </p:spPr>
+        <p:txBody>
+          <a:bodyPr anchor="ctr">
+            <a:normAutofit/>
+          </a:bodyPr>
           <a:lstStyle>
             <a:lvl1pPr>
-              <a:defRPr sz="3200"/>
+              <a:defRPr sz="3600"/>
             </a:lvl1pPr>
           </a:lstStyle>
           <a:p>
@@ -2519,21 +6938,15 @@
               <a:rPr lang="nl-NL"/>
               <a:t>Klik om stijl te bewerken</a:t>
             </a:r>
-            <a:endParaRPr lang="en-BE"/>
-          </a:p>
-        </p:txBody>
-      </p:sp>
-      <p:sp>
-        <p:nvSpPr>
-          <p:cNvPr id="3" name="Tijdelijke aanduiding voor afbeelding 2">
-            <a:extLst>
-              <a:ext uri="{FF2B5EF4-FFF2-40B4-BE49-F238E27FC236}">
-                <a16:creationId xmlns:a16="http://schemas.microsoft.com/office/drawing/2014/main" id="{7BE7B2AA-48DB-2F54-3E2D-A6B26FA100FA}"/>
-              </a:ext>
-            </a:extLst>
-          </p:cNvPr>
-          <p:cNvSpPr>
-            <a:spLocks noGrp="1"/>
+            <a:endParaRPr lang="en-US" dirty="0"/>
+          </a:p>
+        </p:txBody>
+      </p:sp>
+      <p:sp>
+        <p:nvSpPr>
+          <p:cNvPr id="3" name="Picture Placeholder 2"/>
+          <p:cNvSpPr>
+            <a:spLocks noGrp="1" noChangeAspect="1"/>
           </p:cNvSpPr>
           <p:nvPr>
             <p:ph type="pic" idx="1"/>
@@ -2541,12 +6954,23 @@
         </p:nvSpPr>
         <p:spPr>
           <a:xfrm>
-            <a:off x="5183188" y="987425"/>
-            <a:ext cx="6172200" cy="4873625"/>
-          </a:xfrm>
-        </p:spPr>
-        <p:txBody>
-          <a:bodyPr/>
+            <a:off x="4868333" y="2336874"/>
+            <a:ext cx="5425849" cy="3599312"/>
+          </a:xfrm>
+          <a:noFill/>
+          <a:ln>
+            <a:noFill/>
+          </a:ln>
+          <a:effectLst>
+            <a:outerShdw blurRad="76200" dist="63500" dir="5040000" algn="tl" rotWithShape="0">
+              <a:srgbClr val="000000">
+                <a:alpha val="41000"/>
+              </a:srgbClr>
+            </a:outerShdw>
+          </a:effectLst>
+        </p:spPr>
+        <p:txBody>
+          <a:bodyPr anchor="t"/>
           <a:lstStyle>
             <a:lvl1pPr marL="0" indent="0">
               <a:buNone/>
@@ -2586,19 +7010,17 @@
             </a:lvl9pPr>
           </a:lstStyle>
           <a:p>
-            <a:endParaRPr lang="en-BE"/>
-          </a:p>
-        </p:txBody>
-      </p:sp>
-      <p:sp>
-        <p:nvSpPr>
-          <p:cNvPr id="4" name="Tijdelijke aanduiding voor tekst 3">
-            <a:extLst>
-              <a:ext uri="{FF2B5EF4-FFF2-40B4-BE49-F238E27FC236}">
-                <a16:creationId xmlns:a16="http://schemas.microsoft.com/office/drawing/2014/main" id="{02747512-48AD-F4A4-2400-55E4FA1C6BAA}"/>
-              </a:ext>
-            </a:extLst>
-          </p:cNvPr>
+            <a:r>
+              <a:rPr lang="nl-NL"/>
+              <a:t>Klik op het pictogram als u een afbeelding wilt toevoegen</a:t>
+            </a:r>
+            <a:endParaRPr lang="en-US" dirty="0"/>
+          </a:p>
+        </p:txBody>
+      </p:sp>
+      <p:sp>
+        <p:nvSpPr>
+          <p:cNvPr id="4" name="Text Placeholder 3"/>
           <p:cNvSpPr>
             <a:spLocks noGrp="1"/>
           </p:cNvSpPr>
@@ -2608,12 +7030,12 @@
         </p:nvSpPr>
         <p:spPr>
           <a:xfrm>
-            <a:off x="839788" y="2057400"/>
-            <a:ext cx="3932237" cy="3811588"/>
-          </a:xfrm>
-        </p:spPr>
-        <p:txBody>
-          <a:bodyPr/>
+            <a:off x="680323" y="2336873"/>
+            <a:ext cx="3876256" cy="3599315"/>
+          </a:xfrm>
+        </p:spPr>
+        <p:txBody>
+          <a:bodyPr anchor="ctr"/>
           <a:lstStyle>
             <a:lvl1pPr marL="0" indent="0">
               <a:buNone/>
@@ -2663,13 +7085,7 @@
       </p:sp>
       <p:sp>
         <p:nvSpPr>
-          <p:cNvPr id="5" name="Tijdelijke aanduiding voor datum 4">
-            <a:extLst>
-              <a:ext uri="{FF2B5EF4-FFF2-40B4-BE49-F238E27FC236}">
-                <a16:creationId xmlns:a16="http://schemas.microsoft.com/office/drawing/2014/main" id="{A79E1D18-41AA-18BC-B487-D62CBA2E8C15}"/>
-              </a:ext>
-            </a:extLst>
-          </p:cNvPr>
+          <p:cNvPr id="5" name="Date Placeholder 4"/>
           <p:cNvSpPr>
             <a:spLocks noGrp="1"/>
           </p:cNvSpPr>
@@ -2684,7 +7100,7 @@
           <a:p>
             <a:fld id="{6D86DAEC-DC0F-4D08-909B-E4E2116F45D8}" type="datetimeFigureOut">
               <a:rPr lang="en-BE" smtClean="0"/>
-              <a:t>21/04/2023</a:t>
+              <a:t>04/21/2023</a:t>
             </a:fld>
             <a:endParaRPr lang="en-BE"/>
           </a:p>
@@ -2692,13 +7108,7 @@
       </p:sp>
       <p:sp>
         <p:nvSpPr>
-          <p:cNvPr id="6" name="Tijdelijke aanduiding voor voettekst 5">
-            <a:extLst>
-              <a:ext uri="{FF2B5EF4-FFF2-40B4-BE49-F238E27FC236}">
-                <a16:creationId xmlns:a16="http://schemas.microsoft.com/office/drawing/2014/main" id="{AB445656-5C1E-F042-28B8-A771A018CA40}"/>
-              </a:ext>
-            </a:extLst>
-          </p:cNvPr>
+          <p:cNvPr id="6" name="Footer Placeholder 5"/>
           <p:cNvSpPr>
             <a:spLocks noGrp="1"/>
           </p:cNvSpPr>
@@ -2717,13 +7127,7 @@
       </p:sp>
       <p:sp>
         <p:nvSpPr>
-          <p:cNvPr id="7" name="Tijdelijke aanduiding voor dianummer 6">
-            <a:extLst>
-              <a:ext uri="{FF2B5EF4-FFF2-40B4-BE49-F238E27FC236}">
-                <a16:creationId xmlns:a16="http://schemas.microsoft.com/office/drawing/2014/main" id="{33CBB9A2-8064-7214-0AB5-5C4101A659B1}"/>
-              </a:ext>
-            </a:extLst>
-          </p:cNvPr>
+          <p:cNvPr id="7" name="Slide Number Placeholder 6"/>
           <p:cNvSpPr>
             <a:spLocks noGrp="1"/>
           </p:cNvSpPr>
@@ -2747,7 +7151,7 @@
     </p:spTree>
     <p:extLst>
       <p:ext uri="{BB962C8B-B14F-4D97-AF65-F5344CB8AC3E}">
-        <p14:creationId xmlns:p14="http://schemas.microsoft.com/office/powerpoint/2010/main" val="3266559048"/>
+        <p14:creationId xmlns:p14="http://schemas.microsoft.com/office/powerpoint/2010/main" val="2112534792"/>
       </p:ext>
     </p:extLst>
   </p:cSld>
@@ -2761,7 +7165,7 @@
 <p:sldMaster xmlns:a="http://schemas.openxmlformats.org/drawingml/2006/main" xmlns:r="http://schemas.openxmlformats.org/officeDocument/2006/relationships" xmlns:p="http://schemas.openxmlformats.org/presentationml/2006/main">
   <p:cSld>
     <p:bg>
-      <p:bgRef idx="1001">
+      <p:bgRef idx="1002">
         <a:schemeClr val="bg1"/>
       </p:bgRef>
     </p:bg>
@@ -2779,15 +7183,40 @@
           <a:chExt cx="0" cy="0"/>
         </a:xfrm>
       </p:grpSpPr>
-      <p:sp>
-        <p:nvSpPr>
-          <p:cNvPr id="2" name="Tijdelijke aanduiding voor titel 1">
+      <p:pic>
+        <p:nvPicPr>
+          <p:cNvPr id="7" name="Picture 6" descr="hashOverlay-FullResolve.png"/>
+          <p:cNvPicPr>
+            <a:picLocks noChangeAspect="1"/>
+          </p:cNvPicPr>
+          <p:nvPr/>
+        </p:nvPicPr>
+        <p:blipFill>
+          <a:blip r:embed="rId19">
+            <a:alphaModFix amt="10000"/>
             <a:extLst>
-              <a:ext uri="{FF2B5EF4-FFF2-40B4-BE49-F238E27FC236}">
-                <a16:creationId xmlns:a16="http://schemas.microsoft.com/office/drawing/2014/main" id="{7A370009-9C00-458B-4099-21031DE834EC}"/>
+              <a:ext uri="{28A0092B-C50C-407E-A947-70E740481C1C}">
+                <a14:useLocalDpi xmlns:a14="http://schemas.microsoft.com/office/drawing/2010/main" val="0"/>
               </a:ext>
             </a:extLst>
-          </p:cNvPr>
+          </a:blip>
+          <a:stretch>
+            <a:fillRect/>
+          </a:stretch>
+        </p:blipFill>
+        <p:spPr>
+          <a:xfrm>
+            <a:off x="0" y="0"/>
+            <a:ext cx="12192000" cy="6858000"/>
+          </a:xfrm>
+          <a:prstGeom prst="rect">
+            <a:avLst/>
+          </a:prstGeom>
+        </p:spPr>
+      </p:pic>
+      <p:sp>
+        <p:nvSpPr>
+          <p:cNvPr id="2" name="Title Placeholder 1"/>
           <p:cNvSpPr>
             <a:spLocks noGrp="1"/>
           </p:cNvSpPr>
@@ -2797,8 +7226,8 @@
         </p:nvSpPr>
         <p:spPr>
           <a:xfrm>
-            <a:off x="838200" y="365125"/>
-            <a:ext cx="10515600" cy="1325563"/>
+            <a:off x="680321" y="753228"/>
+            <a:ext cx="9613861" cy="1080938"/>
           </a:xfrm>
           <a:prstGeom prst="rect">
             <a:avLst/>
@@ -2814,19 +7243,13 @@
               <a:rPr lang="nl-NL"/>
               <a:t>Klik om stijl te bewerken</a:t>
             </a:r>
-            <a:endParaRPr lang="en-BE"/>
-          </a:p>
-        </p:txBody>
-      </p:sp>
-      <p:sp>
-        <p:nvSpPr>
-          <p:cNvPr id="3" name="Tijdelijke aanduiding voor tekst 2">
-            <a:extLst>
-              <a:ext uri="{FF2B5EF4-FFF2-40B4-BE49-F238E27FC236}">
-                <a16:creationId xmlns:a16="http://schemas.microsoft.com/office/drawing/2014/main" id="{B2B35438-2257-6480-54BD-DF7C2F7EE8E1}"/>
-              </a:ext>
-            </a:extLst>
-          </p:cNvPr>
+            <a:endParaRPr lang="en-US" dirty="0"/>
+          </a:p>
+        </p:txBody>
+      </p:sp>
+      <p:sp>
+        <p:nvSpPr>
+          <p:cNvPr id="3" name="Text Placeholder 2"/>
           <p:cNvSpPr>
             <a:spLocks noGrp="1"/>
           </p:cNvSpPr>
@@ -2836,8 +7259,8 @@
         </p:nvSpPr>
         <p:spPr>
           <a:xfrm>
-            <a:off x="838200" y="1825625"/>
-            <a:ext cx="10515600" cy="4351338"/>
+            <a:off x="680321" y="2336873"/>
+            <a:ext cx="9613861" cy="3599316"/>
           </a:xfrm>
           <a:prstGeom prst="rect">
             <a:avLst/>
@@ -2882,19 +7305,13 @@
               <a:rPr lang="nl-NL"/>
               <a:t>Vijfde niveau</a:t>
             </a:r>
-            <a:endParaRPr lang="en-BE"/>
-          </a:p>
-        </p:txBody>
-      </p:sp>
-      <p:sp>
-        <p:nvSpPr>
-          <p:cNvPr id="4" name="Tijdelijke aanduiding voor datum 3">
-            <a:extLst>
-              <a:ext uri="{FF2B5EF4-FFF2-40B4-BE49-F238E27FC236}">
-                <a16:creationId xmlns:a16="http://schemas.microsoft.com/office/drawing/2014/main" id="{97311D89-02D9-D66F-196B-FD5B5C99C48F}"/>
-              </a:ext>
-            </a:extLst>
-          </p:cNvPr>
+            <a:endParaRPr lang="en-US" dirty="0"/>
+          </a:p>
+        </p:txBody>
+      </p:sp>
+      <p:sp>
+        <p:nvSpPr>
+          <p:cNvPr id="4" name="Date Placeholder 3"/>
           <p:cNvSpPr>
             <a:spLocks noGrp="1"/>
           </p:cNvSpPr>
@@ -2904,7 +7321,7 @@
         </p:nvSpPr>
         <p:spPr>
           <a:xfrm>
-            <a:off x="838200" y="6356350"/>
+            <a:off x="7550981" y="5936187"/>
             <a:ext cx="2743200" cy="365125"/>
           </a:xfrm>
           <a:prstGeom prst="rect">
@@ -2914,8 +7331,8 @@
         <p:txBody>
           <a:bodyPr vert="horz" lIns="91440" tIns="45720" rIns="91440" bIns="45720" rtlCol="0" anchor="ctr"/>
           <a:lstStyle>
-            <a:lvl1pPr algn="l">
-              <a:defRPr sz="1200">
+            <a:lvl1pPr algn="r">
+              <a:defRPr sz="1050">
                 <a:solidFill>
                   <a:schemeClr val="tx1">
                     <a:tint val="75000"/>
@@ -2927,7 +7344,7 @@
           <a:p>
             <a:fld id="{6D86DAEC-DC0F-4D08-909B-E4E2116F45D8}" type="datetimeFigureOut">
               <a:rPr lang="en-BE" smtClean="0"/>
-              <a:t>21/04/2023</a:t>
+              <a:t>04/21/2023</a:t>
             </a:fld>
             <a:endParaRPr lang="en-BE"/>
           </a:p>
@@ -2935,13 +7352,7 @@
       </p:sp>
       <p:sp>
         <p:nvSpPr>
-          <p:cNvPr id="5" name="Tijdelijke aanduiding voor voettekst 4">
-            <a:extLst>
-              <a:ext uri="{FF2B5EF4-FFF2-40B4-BE49-F238E27FC236}">
-                <a16:creationId xmlns:a16="http://schemas.microsoft.com/office/drawing/2014/main" id="{A8B21359-F4DA-FAB8-7F19-40740F2E0505}"/>
-              </a:ext>
-            </a:extLst>
-          </p:cNvPr>
+          <p:cNvPr id="5" name="Footer Placeholder 4"/>
           <p:cNvSpPr>
             <a:spLocks noGrp="1"/>
           </p:cNvSpPr>
@@ -2951,8 +7362,8 @@
         </p:nvSpPr>
         <p:spPr>
           <a:xfrm>
-            <a:off x="4038600" y="6356350"/>
-            <a:ext cx="4114800" cy="365125"/>
+            <a:off x="680321" y="5936188"/>
+            <a:ext cx="6870660" cy="365125"/>
           </a:xfrm>
           <a:prstGeom prst="rect">
             <a:avLst/>
@@ -2961,8 +7372,8 @@
         <p:txBody>
           <a:bodyPr vert="horz" lIns="91440" tIns="45720" rIns="91440" bIns="45720" rtlCol="0" anchor="ctr"/>
           <a:lstStyle>
-            <a:lvl1pPr algn="ctr">
-              <a:defRPr sz="1200">
+            <a:lvl1pPr algn="l">
+              <a:defRPr sz="1050">
                 <a:solidFill>
                   <a:schemeClr val="tx1">
                     <a:tint val="75000"/>
@@ -2978,13 +7389,7 @@
       </p:sp>
       <p:sp>
         <p:nvSpPr>
-          <p:cNvPr id="6" name="Tijdelijke aanduiding voor dianummer 5">
-            <a:extLst>
-              <a:ext uri="{FF2B5EF4-FFF2-40B4-BE49-F238E27FC236}">
-                <a16:creationId xmlns:a16="http://schemas.microsoft.com/office/drawing/2014/main" id="{AA3CF507-A87B-3A9D-D1F5-B93BED465B04}"/>
-              </a:ext>
-            </a:extLst>
-          </p:cNvPr>
+          <p:cNvPr id="6" name="Slide Number Placeholder 5"/>
           <p:cNvSpPr>
             <a:spLocks noGrp="1"/>
           </p:cNvSpPr>
@@ -2994,8 +7399,8 @@
         </p:nvSpPr>
         <p:spPr>
           <a:xfrm>
-            <a:off x="8610600" y="6356350"/>
-            <a:ext cx="2743200" cy="365125"/>
+            <a:off x="10729455" y="753227"/>
+            <a:ext cx="1154151" cy="1090789"/>
           </a:xfrm>
           <a:prstGeom prst="rect">
             <a:avLst/>
@@ -3004,8 +7409,8 @@
         <p:txBody>
           <a:bodyPr vert="horz" lIns="91440" tIns="45720" rIns="91440" bIns="45720" rtlCol="0" anchor="ctr"/>
           <a:lstStyle>
-            <a:lvl1pPr algn="r">
-              <a:defRPr sz="1200">
+            <a:lvl1pPr algn="l">
+              <a:defRPr sz="3600">
                 <a:solidFill>
                   <a:schemeClr val="tx1">
                     <a:tint val="75000"/>
@@ -3026,23 +7431,29 @@
     </p:spTree>
     <p:extLst>
       <p:ext uri="{BB962C8B-B14F-4D97-AF65-F5344CB8AC3E}">
-        <p14:creationId xmlns:p14="http://schemas.microsoft.com/office/powerpoint/2010/main" val="944397130"/>
+        <p14:creationId xmlns:p14="http://schemas.microsoft.com/office/powerpoint/2010/main" val="4270603775"/>
       </p:ext>
     </p:extLst>
   </p:cSld>
-  <p:clrMap bg1="lt1" tx1="dk1" bg2="lt2" tx2="dk2" accent1="accent1" accent2="accent2" accent3="accent3" accent4="accent4" accent5="accent5" accent6="accent6" hlink="hlink" folHlink="folHlink"/>
+  <p:clrMap bg1="dk1" tx1="lt1" bg2="dk2" tx2="lt2" accent1="accent1" accent2="accent2" accent3="accent3" accent4="accent4" accent5="accent5" accent6="accent6" hlink="hlink" folHlink="folHlink"/>
   <p:sldLayoutIdLst>
-    <p:sldLayoutId id="2147483649" r:id="rId1"/>
-    <p:sldLayoutId id="2147483650" r:id="rId2"/>
-    <p:sldLayoutId id="2147483651" r:id="rId3"/>
-    <p:sldLayoutId id="2147483652" r:id="rId4"/>
-    <p:sldLayoutId id="2147483653" r:id="rId5"/>
-    <p:sldLayoutId id="2147483654" r:id="rId6"/>
-    <p:sldLayoutId id="2147483655" r:id="rId7"/>
-    <p:sldLayoutId id="2147483656" r:id="rId8"/>
-    <p:sldLayoutId id="2147483657" r:id="rId9"/>
-    <p:sldLayoutId id="2147483658" r:id="rId10"/>
-    <p:sldLayoutId id="2147483659" r:id="rId11"/>
+    <p:sldLayoutId id="2147483679" r:id="rId1"/>
+    <p:sldLayoutId id="2147483680" r:id="rId2"/>
+    <p:sldLayoutId id="2147483681" r:id="rId3"/>
+    <p:sldLayoutId id="2147483682" r:id="rId4"/>
+    <p:sldLayoutId id="2147483683" r:id="rId5"/>
+    <p:sldLayoutId id="2147483684" r:id="rId6"/>
+    <p:sldLayoutId id="2147483685" r:id="rId7"/>
+    <p:sldLayoutId id="2147483686" r:id="rId8"/>
+    <p:sldLayoutId id="2147483687" r:id="rId9"/>
+    <p:sldLayoutId id="2147483688" r:id="rId10"/>
+    <p:sldLayoutId id="2147483689" r:id="rId11"/>
+    <p:sldLayoutId id="2147483690" r:id="rId12"/>
+    <p:sldLayoutId id="2147483691" r:id="rId13"/>
+    <p:sldLayoutId id="2147483692" r:id="rId14"/>
+    <p:sldLayoutId id="2147483693" r:id="rId15"/>
+    <p:sldLayoutId id="2147483694" r:id="rId16"/>
+    <p:sldLayoutId id="2147483695" r:id="rId17"/>
   </p:sldLayoutIdLst>
   <p:txStyles>
     <p:titleStyle>
@@ -3054,7 +7465,7 @@
           <a:spcPct val="0"/>
         </a:spcBef>
         <a:buNone/>
-        <a:defRPr sz="4400" kern="1200">
+        <a:defRPr sz="3600" kern="1200">
           <a:solidFill>
             <a:schemeClr val="tx1"/>
           </a:solidFill>
@@ -3074,7 +7485,7 @@
         </a:spcBef>
         <a:buFont typeface="Arial" panose="020B0604020202020204" pitchFamily="34" charset="0"/>
         <a:buChar char="•"/>
-        <a:defRPr sz="2800" kern="1200">
+        <a:defRPr sz="2400" kern="1200">
           <a:solidFill>
             <a:schemeClr val="tx1"/>
           </a:solidFill>
@@ -3092,7 +7503,7 @@
         </a:spcBef>
         <a:buFont typeface="Arial" panose="020B0604020202020204" pitchFamily="34" charset="0"/>
         <a:buChar char="•"/>
-        <a:defRPr sz="2400" kern="1200">
+        <a:defRPr sz="2000" kern="1200">
           <a:solidFill>
             <a:schemeClr val="tx1"/>
           </a:solidFill>
@@ -3110,7 +7521,7 @@
         </a:spcBef>
         <a:buFont typeface="Arial" panose="020B0604020202020204" pitchFamily="34" charset="0"/>
         <a:buChar char="•"/>
-        <a:defRPr sz="2000" kern="1200">
+        <a:defRPr sz="1800" kern="1200">
           <a:solidFill>
             <a:schemeClr val="tx1"/>
           </a:solidFill>
@@ -3128,7 +7539,7 @@
         </a:spcBef>
         <a:buFont typeface="Arial" panose="020B0604020202020204" pitchFamily="34" charset="0"/>
         <a:buChar char="•"/>
-        <a:defRPr sz="1800" kern="1200">
+        <a:defRPr sz="1600" kern="1200">
           <a:solidFill>
             <a:schemeClr val="tx1"/>
           </a:solidFill>
@@ -3146,7 +7557,7 @@
         </a:spcBef>
         <a:buFont typeface="Arial" panose="020B0604020202020204" pitchFamily="34" charset="0"/>
         <a:buChar char="•"/>
-        <a:defRPr sz="1800" kern="1200">
+        <a:defRPr sz="1600" kern="1200">
           <a:solidFill>
             <a:schemeClr val="tx1"/>
           </a:solidFill>
@@ -3164,7 +7575,7 @@
         </a:spcBef>
         <a:buFont typeface="Arial" panose="020B0604020202020204" pitchFamily="34" charset="0"/>
         <a:buChar char="•"/>
-        <a:defRPr sz="1800" kern="1200">
+        <a:defRPr sz="1400" kern="1200">
           <a:solidFill>
             <a:schemeClr val="tx1"/>
           </a:solidFill>
@@ -3182,7 +7593,7 @@
         </a:spcBef>
         <a:buFont typeface="Arial" panose="020B0604020202020204" pitchFamily="34" charset="0"/>
         <a:buChar char="•"/>
-        <a:defRPr sz="1800" kern="1200">
+        <a:defRPr sz="1400" kern="1200">
           <a:solidFill>
             <a:schemeClr val="tx1"/>
           </a:solidFill>
@@ -3200,7 +7611,7 @@
         </a:spcBef>
         <a:buFont typeface="Arial" panose="020B0604020202020204" pitchFamily="34" charset="0"/>
         <a:buChar char="•"/>
-        <a:defRPr sz="1800" kern="1200">
+        <a:defRPr sz="1400" kern="1200">
           <a:solidFill>
             <a:schemeClr val="tx1"/>
           </a:solidFill>
@@ -3218,7 +7629,7 @@
         </a:spcBef>
         <a:buFont typeface="Arial" panose="020B0604020202020204" pitchFamily="34" charset="0"/>
         <a:buChar char="•"/>
-        <a:defRPr sz="1800" kern="1200">
+        <a:defRPr sz="1400" kern="1200">
           <a:solidFill>
             <a:schemeClr val="tx1"/>
           </a:solidFill>
@@ -3230,7 +7641,7 @@
     </p:bodyStyle>
     <p:otherStyle>
       <a:defPPr>
-        <a:defRPr lang="en-BE"/>
+        <a:defRPr lang="en-US"/>
       </a:defPPr>
       <a:lvl1pPr marL="0" algn="l" defTabSz="914400" rtl="0" eaLnBrk="1" latinLnBrk="0" hangingPunct="1">
         <a:defRPr sz="1800" kern="1200">
@@ -3349,7 +7760,7 @@
           <p:cNvPr id="2" name="Titel 1">
             <a:extLst>
               <a:ext uri="{FF2B5EF4-FFF2-40B4-BE49-F238E27FC236}">
-                <a16:creationId xmlns:a16="http://schemas.microsoft.com/office/drawing/2014/main" id="{66C17E99-872F-7152-7C66-C167695BFF9C}"/>
+                <a16:creationId xmlns:a16="http://schemas.microsoft.com/office/drawing/2014/main" id="{353CFB7C-E555-070F-F5C5-FCF9708B6809}"/>
               </a:ext>
             </a:extLst>
           </p:cNvPr>
@@ -3357,24 +7768,49 @@
             <a:spLocks noGrp="1"/>
           </p:cNvSpPr>
           <p:nvPr>
-            <p:ph type="title"/>
-          </p:nvPr>
-        </p:nvSpPr>
-        <p:spPr/>
+            <p:ph type="ctrTitle"/>
+          </p:nvPr>
+        </p:nvSpPr>
+        <p:spPr>
+          <a:xfrm>
+            <a:off x="8737600" y="2733709"/>
+            <a:ext cx="3369806" cy="1373070"/>
+          </a:xfrm>
+        </p:spPr>
         <p:txBody>
           <a:bodyPr/>
           <a:lstStyle/>
           <a:p>
-            <a:endParaRPr lang="en-BE"/>
-          </a:p>
-        </p:txBody>
-      </p:sp>
-      <p:sp>
-        <p:nvSpPr>
-          <p:cNvPr id="3" name="Tijdelijke aanduiding voor inhoud 2">
+            <a:r>
+              <a:rPr lang="en-US" dirty="0">
+                <a:latin typeface="+mn-lt"/>
+              </a:rPr>
+              <a:t> </a:t>
+            </a:r>
+            <a:r>
+              <a:rPr lang="nl-NL" dirty="0">
+                <a:latin typeface="+mn-lt"/>
+              </a:rPr>
+              <a:t>Groep</a:t>
+            </a:r>
+            <a:r>
+              <a:rPr lang="en-US" dirty="0">
+                <a:latin typeface="+mn-lt"/>
+              </a:rPr>
+              <a:t> 21</a:t>
+            </a:r>
+            <a:endParaRPr lang="nl-NL" dirty="0">
+              <a:latin typeface="+mn-lt"/>
+            </a:endParaRPr>
+          </a:p>
+        </p:txBody>
+      </p:sp>
+      <p:sp>
+        <p:nvSpPr>
+          <p:cNvPr id="3" name="Ondertitel 2">
             <a:extLst>
               <a:ext uri="{FF2B5EF4-FFF2-40B4-BE49-F238E27FC236}">
-                <a16:creationId xmlns:a16="http://schemas.microsoft.com/office/drawing/2014/main" id="{167ACA37-C771-F90A-80C9-24DA8004080A}"/>
+                <a16:creationId xmlns:a16="http://schemas.microsoft.com/office/drawing/2014/main" id="{B98D4291-4CC4-3205-121C-72F915CEABDB}"/>
               </a:ext>
             </a:extLst>
           </p:cNvPr>
@@ -3382,22 +7818,211 @@
             <a:spLocks noGrp="1"/>
           </p:cNvSpPr>
           <p:nvPr>
-            <p:ph idx="1"/>
-          </p:nvPr>
-        </p:nvSpPr>
-        <p:spPr/>
+            <p:ph type="subTitle" idx="1"/>
+          </p:nvPr>
+        </p:nvSpPr>
+        <p:spPr>
+          <a:xfrm>
+            <a:off x="330200" y="4490920"/>
+            <a:ext cx="7943850" cy="1117687"/>
+          </a:xfrm>
+        </p:spPr>
         <p:txBody>
           <a:bodyPr/>
           <a:lstStyle/>
           <a:p>
-            <a:endParaRPr lang="en-BE"/>
+            <a:r>
+              <a:rPr lang="nl-NL" dirty="0"/>
+              <a:t>Een groep project tussen studenten van de University </a:t>
+            </a:r>
+            <a:r>
+              <a:rPr lang="nl-NL" dirty="0" err="1"/>
+              <a:t>and</a:t>
+            </a:r>
+            <a:r>
+              <a:rPr lang="nl-NL" dirty="0"/>
+              <a:t> Colleges Leuven-Limburg en de Hanze Hogeschool Groningen</a:t>
+            </a:r>
+          </a:p>
+        </p:txBody>
+      </p:sp>
+      <p:sp>
+        <p:nvSpPr>
+          <p:cNvPr id="4" name="Tekstvak 3">
+            <a:extLst>
+              <a:ext uri="{FF2B5EF4-FFF2-40B4-BE49-F238E27FC236}">
+                <a16:creationId xmlns:a16="http://schemas.microsoft.com/office/drawing/2014/main" id="{CA2BD9BC-DA50-6412-DC37-B6EE49C41583}"/>
+              </a:ext>
+            </a:extLst>
+          </p:cNvPr>
+          <p:cNvSpPr txBox="1"/>
+          <p:nvPr/>
+        </p:nvSpPr>
+        <p:spPr>
+          <a:xfrm>
+            <a:off x="1631950" y="3183449"/>
+            <a:ext cx="7594600" cy="923330"/>
+          </a:xfrm>
+          <a:prstGeom prst="rect">
+            <a:avLst/>
+          </a:prstGeom>
+          <a:noFill/>
+        </p:spPr>
+        <p:txBody>
+          <a:bodyPr wrap="square" rtlCol="0">
+            <a:spAutoFit/>
+          </a:bodyPr>
+          <a:lstStyle/>
+          <a:p>
+            <a:r>
+              <a:rPr lang="en-US" sz="5400" dirty="0"/>
+              <a:t>IT-Industry Discovery</a:t>
+            </a:r>
+            <a:endParaRPr lang="nl-NL" sz="5400" dirty="0"/>
+          </a:p>
+        </p:txBody>
+      </p:sp>
+      <p:sp>
+        <p:nvSpPr>
+          <p:cNvPr id="5" name="Tekstvak 4">
+            <a:extLst>
+              <a:ext uri="{FF2B5EF4-FFF2-40B4-BE49-F238E27FC236}">
+                <a16:creationId xmlns:a16="http://schemas.microsoft.com/office/drawing/2014/main" id="{E1FFF543-A84C-6658-E626-55EAF9CA417B}"/>
+              </a:ext>
+            </a:extLst>
+          </p:cNvPr>
+          <p:cNvSpPr txBox="1"/>
+          <p:nvPr/>
+        </p:nvSpPr>
+        <p:spPr>
+          <a:xfrm>
+            <a:off x="9014847" y="4490920"/>
+            <a:ext cx="1771650" cy="1600438"/>
+          </a:xfrm>
+          <a:prstGeom prst="rect">
+            <a:avLst/>
+          </a:prstGeom>
+          <a:noFill/>
+        </p:spPr>
+        <p:txBody>
+          <a:bodyPr wrap="square" rtlCol="0">
+            <a:spAutoFit/>
+          </a:bodyPr>
+          <a:lstStyle/>
+          <a:p>
+            <a:r>
+              <a:rPr lang="en-US" sz="1400" dirty="0"/>
+              <a:t>Ben Blondeel</a:t>
+            </a:r>
+          </a:p>
+          <a:p>
+            <a:r>
+              <a:rPr lang="en-US" sz="1400" dirty="0"/>
+              <a:t>Joeri De Belder</a:t>
+            </a:r>
+          </a:p>
+          <a:p>
+            <a:r>
+              <a:rPr lang="en-US" sz="1400" dirty="0"/>
+              <a:t>Robby Gr</a:t>
+            </a:r>
+            <a:r>
+              <a:rPr lang="nl-NL" sz="1400" dirty="0"/>
+              <a:t>â</a:t>
+            </a:r>
+            <a:r>
+              <a:rPr lang="en-US" sz="1400" dirty="0" err="1"/>
+              <a:t>ces</a:t>
+            </a:r>
+            <a:endParaRPr lang="en-US" sz="1400" dirty="0"/>
+          </a:p>
+          <a:p>
+            <a:r>
+              <a:rPr lang="en-US" sz="1400" dirty="0"/>
+              <a:t>Volkert Brusche</a:t>
+            </a:r>
+          </a:p>
+          <a:p>
+            <a:r>
+              <a:rPr lang="en-US" sz="1400" dirty="0"/>
+              <a:t>Lowie Vandezande</a:t>
+            </a:r>
+          </a:p>
+          <a:p>
+            <a:r>
+              <a:rPr lang="en-US" sz="1400" dirty="0"/>
+              <a:t>Jef Vandezande</a:t>
+            </a:r>
+          </a:p>
+          <a:p>
+            <a:r>
+              <a:rPr lang="en-US" sz="1400" dirty="0"/>
+              <a:t>Arman Macuncu</a:t>
+            </a:r>
+          </a:p>
+        </p:txBody>
+      </p:sp>
+      <p:sp>
+        <p:nvSpPr>
+          <p:cNvPr id="6" name="Tekstvak 5">
+            <a:extLst>
+              <a:ext uri="{FF2B5EF4-FFF2-40B4-BE49-F238E27FC236}">
+                <a16:creationId xmlns:a16="http://schemas.microsoft.com/office/drawing/2014/main" id="{91146220-2080-1F79-3DA7-97EF38F260ED}"/>
+              </a:ext>
+            </a:extLst>
+          </p:cNvPr>
+          <p:cNvSpPr txBox="1"/>
+          <p:nvPr/>
+        </p:nvSpPr>
+        <p:spPr>
+          <a:xfrm>
+            <a:off x="10560050" y="4490920"/>
+            <a:ext cx="1631950" cy="738664"/>
+          </a:xfrm>
+          <a:prstGeom prst="rect">
+            <a:avLst/>
+          </a:prstGeom>
+          <a:noFill/>
+        </p:spPr>
+        <p:txBody>
+          <a:bodyPr wrap="square" rtlCol="0">
+            <a:spAutoFit/>
+          </a:bodyPr>
+          <a:lstStyle/>
+          <a:p>
+            <a:r>
+              <a:rPr lang="en-US" sz="1400" dirty="0" err="1"/>
+              <a:t>Bastiaan</a:t>
+            </a:r>
+            <a:r>
+              <a:rPr lang="en-US" sz="1400" dirty="0"/>
+              <a:t> </a:t>
+            </a:r>
+            <a:r>
+              <a:rPr lang="en-US" sz="1400" dirty="0" err="1"/>
+              <a:t>Aardema</a:t>
+            </a:r>
+            <a:endParaRPr lang="en-US" sz="1400" dirty="0"/>
+          </a:p>
+          <a:p>
+            <a:r>
+              <a:rPr lang="en-US" sz="1400" dirty="0" err="1"/>
+              <a:t>Gis</a:t>
+            </a:r>
+            <a:endParaRPr lang="en-US" sz="1400" dirty="0"/>
+          </a:p>
+          <a:p>
+            <a:r>
+              <a:rPr lang="en-US" sz="1400" dirty="0"/>
+              <a:t>Abe</a:t>
+            </a:r>
           </a:p>
         </p:txBody>
       </p:sp>
     </p:spTree>
     <p:extLst>
       <p:ext uri="{BB962C8B-B14F-4D97-AF65-F5344CB8AC3E}">
-        <p14:creationId xmlns:p14="http://schemas.microsoft.com/office/powerpoint/2010/main" val="1148983207"/>
+        <p14:creationId xmlns:p14="http://schemas.microsoft.com/office/powerpoint/2010/main" val="3758931478"/>
       </p:ext>
     </p:extLst>
   </p:cSld>
@@ -3429,7 +8054,7 @@
           <p:cNvPr id="2" name="Titel 1">
             <a:extLst>
               <a:ext uri="{FF2B5EF4-FFF2-40B4-BE49-F238E27FC236}">
-                <a16:creationId xmlns:a16="http://schemas.microsoft.com/office/drawing/2014/main" id="{85CAFD18-0F82-DB71-AF3C-BD0901ABFC1D}"/>
+                <a16:creationId xmlns:a16="http://schemas.microsoft.com/office/drawing/2014/main" id="{476E2254-877F-9072-4F51-7C4E571C32B9}"/>
               </a:ext>
             </a:extLst>
           </p:cNvPr>
@@ -3445,12 +8070,11 @@
           <a:bodyPr/>
           <a:lstStyle/>
           <a:p>
-            <a:pPr algn="ctr"/>
-            <a:r>
-              <a:rPr lang="nl-BE" dirty="0"/>
+            <a:r>
+              <a:rPr lang="en-US" dirty="0" err="1"/>
               <a:t>Inhoud</a:t>
             </a:r>
-            <a:endParaRPr lang="en-BE" dirty="0"/>
+            <a:endParaRPr lang="nl-NL" dirty="0"/>
           </a:p>
         </p:txBody>
       </p:sp>
@@ -3459,7 +8083,7 @@
           <p:cNvPr id="3" name="Tijdelijke aanduiding voor inhoud 2">
             <a:extLst>
               <a:ext uri="{FF2B5EF4-FFF2-40B4-BE49-F238E27FC236}">
-                <a16:creationId xmlns:a16="http://schemas.microsoft.com/office/drawing/2014/main" id="{75B432C8-760C-13E6-3C8E-86B878BCDC94}"/>
+                <a16:creationId xmlns:a16="http://schemas.microsoft.com/office/drawing/2014/main" id="{CE67500E-D462-A7BD-BBF1-491AA54EE6FB}"/>
               </a:ext>
             </a:extLst>
           </p:cNvPr>
@@ -3476,74 +8100,118 @@
           <a:lstStyle/>
           <a:p>
             <a:r>
-              <a:rPr lang="nl-NL" sz="2000" dirty="0">
-                <a:latin typeface="Calibri" panose="020F0502020204030204" pitchFamily="34" charset="0"/>
-                <a:cs typeface="Times New Roman" panose="02020603050405020304" pitchFamily="18" charset="0"/>
-              </a:rPr>
-              <a:t>Welke bedrijven hebben wij bezocht?</a:t>
-            </a:r>
-          </a:p>
-          <a:p>
-            <a:r>
-              <a:rPr lang="nl-NL" sz="2000" dirty="0">
-                <a:latin typeface="Calibri" panose="020F0502020204030204" pitchFamily="34" charset="0"/>
-                <a:cs typeface="Times New Roman" panose="02020603050405020304" pitchFamily="18" charset="0"/>
-              </a:rPr>
-              <a:t>Welke IT professionals hebben wij geïnterviewd?</a:t>
-            </a:r>
-            <a:endParaRPr lang="en-BE" sz="2000" dirty="0">
-              <a:latin typeface="Calibri" panose="020F0502020204030204" pitchFamily="34" charset="0"/>
-              <a:cs typeface="Times New Roman" panose="02020603050405020304" pitchFamily="18" charset="0"/>
-            </a:endParaRPr>
-          </a:p>
-          <a:p>
-            <a:r>
-              <a:rPr lang="nl-NL" sz="2000" dirty="0">
-                <a:latin typeface="Calibri" panose="020F0502020204030204" pitchFamily="34" charset="0"/>
-                <a:cs typeface="Times New Roman" panose="02020603050405020304" pitchFamily="18" charset="0"/>
-              </a:rPr>
-              <a:t>Welke stagiairs hebben wij geïnterviewd?</a:t>
-            </a:r>
-            <a:endParaRPr lang="en-BE" sz="2000" dirty="0">
-              <a:latin typeface="Calibri" panose="020F0502020204030204" pitchFamily="34" charset="0"/>
-              <a:cs typeface="Times New Roman" panose="02020603050405020304" pitchFamily="18" charset="0"/>
-            </a:endParaRPr>
-          </a:p>
-          <a:p>
-            <a:r>
-              <a:rPr lang="nl-NL" sz="2000" dirty="0">
-                <a:latin typeface="Calibri" panose="020F0502020204030204" pitchFamily="34" charset="0"/>
-                <a:cs typeface="Times New Roman" panose="02020603050405020304" pitchFamily="18" charset="0"/>
-              </a:rPr>
-              <a:t>Hoe ging deze samenwerking?</a:t>
-            </a:r>
-            <a:endParaRPr lang="en-BE" sz="2000" dirty="0">
-              <a:latin typeface="Calibri" panose="020F0502020204030204" pitchFamily="34" charset="0"/>
-              <a:cs typeface="Times New Roman" panose="02020603050405020304" pitchFamily="18" charset="0"/>
-            </a:endParaRPr>
-          </a:p>
-          <a:p>
-            <a:r>
-              <a:rPr lang="nl-NL" sz="2000" dirty="0">
-                <a:latin typeface="Calibri" panose="020F0502020204030204" pitchFamily="34" charset="0"/>
-                <a:cs typeface="Times New Roman" panose="02020603050405020304" pitchFamily="18" charset="0"/>
-              </a:rPr>
-              <a:t>Welke dingen hebben wij geleerd uit deze samenwerking?</a:t>
-            </a:r>
-            <a:endParaRPr lang="en-BE" sz="2000" dirty="0">
-              <a:latin typeface="Calibri" panose="020F0502020204030204" pitchFamily="34" charset="0"/>
-              <a:cs typeface="Times New Roman" panose="02020603050405020304" pitchFamily="18" charset="0"/>
-            </a:endParaRPr>
-          </a:p>
-          <a:p>
-            <a:endParaRPr lang="en-BE" dirty="0"/>
-          </a:p>
-        </p:txBody>
-      </p:sp>
+              <a:rPr lang="nl-NL" dirty="0"/>
+              <a:t>Welke vragen zijn er beantwoord? (Gezamenlijk)</a:t>
+            </a:r>
+          </a:p>
+          <a:p>
+            <a:r>
+              <a:rPr lang="nl-NL" dirty="0"/>
+              <a:t>Welke bedrijven zijn er bezocht? (UCLL)</a:t>
+            </a:r>
+          </a:p>
+          <a:p>
+            <a:r>
+              <a:rPr lang="nl-NL" dirty="0"/>
+              <a:t>Welke IT professionals zijn er geïnterviewd? (UCLL)</a:t>
+            </a:r>
+          </a:p>
+          <a:p>
+            <a:r>
+              <a:rPr lang="nl-NL" dirty="0"/>
+              <a:t>Welke stagiairs zijn er geïnterviewd? (Hanze)</a:t>
+            </a:r>
+          </a:p>
+          <a:p>
+            <a:r>
+              <a:rPr lang="nl-NL" dirty="0"/>
+              <a:t>Hoe ging de samenwerking? (Gezamenlijk)</a:t>
+            </a:r>
+          </a:p>
+          <a:p>
+            <a:r>
+              <a:rPr lang="nl-NL" dirty="0"/>
+              <a:t>Wat hebben we hieruit geleerd? (Gezamenlijk)</a:t>
+            </a:r>
+          </a:p>
+        </p:txBody>
+      </p:sp>
+      <p:pic>
+        <p:nvPicPr>
+          <p:cNvPr id="5" name="Afbeelding 4">
+            <a:extLst>
+              <a:ext uri="{FF2B5EF4-FFF2-40B4-BE49-F238E27FC236}">
+                <a16:creationId xmlns:a16="http://schemas.microsoft.com/office/drawing/2014/main" id="{D679C25B-930D-F7B3-EE16-CF9492A36DFA}"/>
+              </a:ext>
+            </a:extLst>
+          </p:cNvPr>
+          <p:cNvPicPr>
+            <a:picLocks noChangeAspect="1"/>
+          </p:cNvPicPr>
+          <p:nvPr/>
+        </p:nvPicPr>
+        <p:blipFill>
+          <a:blip r:embed="rId2">
+            <a:extLst>
+              <a:ext uri="{28A0092B-C50C-407E-A947-70E740481C1C}">
+                <a14:useLocalDpi xmlns:a14="http://schemas.microsoft.com/office/drawing/2010/main" val="0"/>
+              </a:ext>
+            </a:extLst>
+          </a:blip>
+          <a:stretch>
+            <a:fillRect/>
+          </a:stretch>
+        </p:blipFill>
+        <p:spPr>
+          <a:xfrm>
+            <a:off x="10692659" y="647700"/>
+            <a:ext cx="767366" cy="767366"/>
+          </a:xfrm>
+          <a:prstGeom prst="rect">
+            <a:avLst/>
+          </a:prstGeom>
+        </p:spPr>
+      </p:pic>
+      <p:pic>
+        <p:nvPicPr>
+          <p:cNvPr id="7" name="Afbeelding 6" descr="Afbeelding met logo&#10;&#10;Automatisch gegenereerde beschrijving">
+            <a:extLst>
+              <a:ext uri="{FF2B5EF4-FFF2-40B4-BE49-F238E27FC236}">
+                <a16:creationId xmlns:a16="http://schemas.microsoft.com/office/drawing/2014/main" id="{3C68DF2B-C4CB-D711-9C60-C7516409E679}"/>
+              </a:ext>
+            </a:extLst>
+          </p:cNvPr>
+          <p:cNvPicPr>
+            <a:picLocks noChangeAspect="1"/>
+          </p:cNvPicPr>
+          <p:nvPr/>
+        </p:nvPicPr>
+        <p:blipFill>
+          <a:blip r:embed="rId3">
+            <a:extLst>
+              <a:ext uri="{28A0092B-C50C-407E-A947-70E740481C1C}">
+                <a14:useLocalDpi xmlns:a14="http://schemas.microsoft.com/office/drawing/2010/main" val="0"/>
+              </a:ext>
+            </a:extLst>
+          </a:blip>
+          <a:stretch>
+            <a:fillRect/>
+          </a:stretch>
+        </p:blipFill>
+        <p:spPr>
+          <a:xfrm>
+            <a:off x="11313975" y="1164753"/>
+            <a:ext cx="767366" cy="767366"/>
+          </a:xfrm>
+          <a:prstGeom prst="rect">
+            <a:avLst/>
+          </a:prstGeom>
+        </p:spPr>
+      </p:pic>
     </p:spTree>
     <p:extLst>
       <p:ext uri="{BB962C8B-B14F-4D97-AF65-F5344CB8AC3E}">
-        <p14:creationId xmlns:p14="http://schemas.microsoft.com/office/powerpoint/2010/main" val="2103495769"/>
+        <p14:creationId xmlns:p14="http://schemas.microsoft.com/office/powerpoint/2010/main" val="2045693012"/>
       </p:ext>
     </p:extLst>
   </p:cSld>
@@ -3575,7 +8243,7 @@
           <p:cNvPr id="2" name="Titel 1">
             <a:extLst>
               <a:ext uri="{FF2B5EF4-FFF2-40B4-BE49-F238E27FC236}">
-                <a16:creationId xmlns:a16="http://schemas.microsoft.com/office/drawing/2014/main" id="{FB1883E9-E6DB-0E57-C5E1-F0554FCE7A88}"/>
+                <a16:creationId xmlns:a16="http://schemas.microsoft.com/office/drawing/2014/main" id="{B004E360-C5E8-3CD3-20FA-B8379D8B36C6}"/>
               </a:ext>
             </a:extLst>
           </p:cNvPr>
@@ -3591,7 +8259,165 @@
           <a:bodyPr/>
           <a:lstStyle/>
           <a:p>
-            <a:endParaRPr lang="en-BE"/>
+            <a:r>
+              <a:rPr lang="nl-BE" dirty="0"/>
+              <a:t>Welke vragen zijn er beantwoord?</a:t>
+            </a:r>
+          </a:p>
+        </p:txBody>
+      </p:sp>
+      <p:sp>
+        <p:nvSpPr>
+          <p:cNvPr id="7" name="Tijdelijke aanduiding voor inhoud 6">
+            <a:extLst>
+              <a:ext uri="{FF2B5EF4-FFF2-40B4-BE49-F238E27FC236}">
+                <a16:creationId xmlns:a16="http://schemas.microsoft.com/office/drawing/2014/main" id="{8C3C26A3-6A3A-9EB3-D2D9-D6F8FDEE6447}"/>
+              </a:ext>
+            </a:extLst>
+          </p:cNvPr>
+          <p:cNvSpPr>
+            <a:spLocks noGrp="1"/>
+          </p:cNvSpPr>
+          <p:nvPr>
+            <p:ph idx="1"/>
+          </p:nvPr>
+        </p:nvSpPr>
+        <p:spPr/>
+        <p:txBody>
+          <a:bodyPr/>
+          <a:lstStyle/>
+          <a:p>
+            <a:endParaRPr lang="nl-BE" dirty="0"/>
+          </a:p>
+        </p:txBody>
+      </p:sp>
+      <p:pic>
+        <p:nvPicPr>
+          <p:cNvPr id="8" name="Afbeelding 7">
+            <a:extLst>
+              <a:ext uri="{FF2B5EF4-FFF2-40B4-BE49-F238E27FC236}">
+                <a16:creationId xmlns:a16="http://schemas.microsoft.com/office/drawing/2014/main" id="{BE68E19D-0D9E-3432-AD8B-89679F6086B6}"/>
+              </a:ext>
+            </a:extLst>
+          </p:cNvPr>
+          <p:cNvPicPr>
+            <a:picLocks noChangeAspect="1"/>
+          </p:cNvPicPr>
+          <p:nvPr/>
+        </p:nvPicPr>
+        <p:blipFill>
+          <a:blip r:embed="rId2">
+            <a:extLst>
+              <a:ext uri="{28A0092B-C50C-407E-A947-70E740481C1C}">
+                <a14:useLocalDpi xmlns:a14="http://schemas.microsoft.com/office/drawing/2010/main" val="0"/>
+              </a:ext>
+            </a:extLst>
+          </a:blip>
+          <a:stretch>
+            <a:fillRect/>
+          </a:stretch>
+        </p:blipFill>
+        <p:spPr>
+          <a:xfrm>
+            <a:off x="10692659" y="647700"/>
+            <a:ext cx="767366" cy="767366"/>
+          </a:xfrm>
+          <a:prstGeom prst="rect">
+            <a:avLst/>
+          </a:prstGeom>
+        </p:spPr>
+      </p:pic>
+      <p:pic>
+        <p:nvPicPr>
+          <p:cNvPr id="9" name="Afbeelding 8" descr="Afbeelding met logo&#10;&#10;Automatisch gegenereerde beschrijving">
+            <a:extLst>
+              <a:ext uri="{FF2B5EF4-FFF2-40B4-BE49-F238E27FC236}">
+                <a16:creationId xmlns:a16="http://schemas.microsoft.com/office/drawing/2014/main" id="{8F04DA2E-FD0E-F0BA-ADAB-DD2650E9A421}"/>
+              </a:ext>
+            </a:extLst>
+          </p:cNvPr>
+          <p:cNvPicPr>
+            <a:picLocks noChangeAspect="1"/>
+          </p:cNvPicPr>
+          <p:nvPr/>
+        </p:nvPicPr>
+        <p:blipFill>
+          <a:blip r:embed="rId3">
+            <a:extLst>
+              <a:ext uri="{28A0092B-C50C-407E-A947-70E740481C1C}">
+                <a14:useLocalDpi xmlns:a14="http://schemas.microsoft.com/office/drawing/2010/main" val="0"/>
+              </a:ext>
+            </a:extLst>
+          </a:blip>
+          <a:stretch>
+            <a:fillRect/>
+          </a:stretch>
+        </p:blipFill>
+        <p:spPr>
+          <a:xfrm>
+            <a:off x="11313975" y="1164753"/>
+            <a:ext cx="767366" cy="767366"/>
+          </a:xfrm>
+          <a:prstGeom prst="rect">
+            <a:avLst/>
+          </a:prstGeom>
+        </p:spPr>
+      </p:pic>
+    </p:spTree>
+    <p:extLst>
+      <p:ext uri="{BB962C8B-B14F-4D97-AF65-F5344CB8AC3E}">
+        <p14:creationId xmlns:p14="http://schemas.microsoft.com/office/powerpoint/2010/main" val="3519657389"/>
+      </p:ext>
+    </p:extLst>
+  </p:cSld>
+  <p:clrMapOvr>
+    <a:masterClrMapping/>
+  </p:clrMapOvr>
+</p:sld>
+</file>
+
+<file path=ppt/slides/slide4.xml><?xml version="1.0" encoding="utf-8"?>
+<p:sld xmlns:a="http://schemas.openxmlformats.org/drawingml/2006/main" xmlns:r="http://schemas.openxmlformats.org/officeDocument/2006/relationships" xmlns:p="http://schemas.openxmlformats.org/presentationml/2006/main">
+  <p:cSld>
+    <p:spTree>
+      <p:nvGrpSpPr>
+        <p:cNvPr id="1" name=""/>
+        <p:cNvGrpSpPr/>
+        <p:nvPr/>
+      </p:nvGrpSpPr>
+      <p:grpSpPr>
+        <a:xfrm>
+          <a:off x="0" y="0"/>
+          <a:ext cx="0" cy="0"/>
+          <a:chOff x="0" y="0"/>
+          <a:chExt cx="0" cy="0"/>
+        </a:xfrm>
+      </p:grpSpPr>
+      <p:sp>
+        <p:nvSpPr>
+          <p:cNvPr id="2" name="Titel 1">
+            <a:extLst>
+              <a:ext uri="{FF2B5EF4-FFF2-40B4-BE49-F238E27FC236}">
+                <a16:creationId xmlns:a16="http://schemas.microsoft.com/office/drawing/2014/main" id="{46F42CB0-C833-E1BC-8566-E40D7EF46B32}"/>
+              </a:ext>
+            </a:extLst>
+          </p:cNvPr>
+          <p:cNvSpPr>
+            <a:spLocks noGrp="1"/>
+          </p:cNvSpPr>
+          <p:nvPr>
+            <p:ph type="title"/>
+          </p:nvPr>
+        </p:nvSpPr>
+        <p:spPr/>
+        <p:txBody>
+          <a:bodyPr/>
+          <a:lstStyle/>
+          <a:p>
+            <a:r>
+              <a:rPr lang="nl-BE" dirty="0"/>
+              <a:t>Welke bedrijven zijn er bezocht?</a:t>
+            </a:r>
           </a:p>
         </p:txBody>
       </p:sp>
@@ -3600,7 +8426,7 @@
           <p:cNvPr id="3" name="Tijdelijke aanduiding voor inhoud 2">
             <a:extLst>
               <a:ext uri="{FF2B5EF4-FFF2-40B4-BE49-F238E27FC236}">
-                <a16:creationId xmlns:a16="http://schemas.microsoft.com/office/drawing/2014/main" id="{F2E14835-62CB-D79D-9F5A-2436EFB15B89}"/>
+                <a16:creationId xmlns:a16="http://schemas.microsoft.com/office/drawing/2014/main" id="{75A52E16-71B4-8853-BED6-A3CB0E8DC123}"/>
               </a:ext>
             </a:extLst>
           </p:cNvPr>
@@ -3616,14 +8442,598 @@
           <a:bodyPr/>
           <a:lstStyle/>
           <a:p>
-            <a:endParaRPr lang="en-BE"/>
-          </a:p>
-        </p:txBody>
-      </p:sp>
+            <a:endParaRPr lang="nl-BE"/>
+          </a:p>
+        </p:txBody>
+      </p:sp>
+      <p:pic>
+        <p:nvPicPr>
+          <p:cNvPr id="8" name="Afbeelding 7">
+            <a:extLst>
+              <a:ext uri="{FF2B5EF4-FFF2-40B4-BE49-F238E27FC236}">
+                <a16:creationId xmlns:a16="http://schemas.microsoft.com/office/drawing/2014/main" id="{CF27E335-8969-19E1-0C7F-C455A8DB70E9}"/>
+              </a:ext>
+            </a:extLst>
+          </p:cNvPr>
+          <p:cNvPicPr>
+            <a:picLocks noChangeAspect="1"/>
+          </p:cNvPicPr>
+          <p:nvPr/>
+        </p:nvPicPr>
+        <p:blipFill>
+          <a:blip r:embed="rId2">
+            <a:extLst>
+              <a:ext uri="{28A0092B-C50C-407E-A947-70E740481C1C}">
+                <a14:useLocalDpi xmlns:a14="http://schemas.microsoft.com/office/drawing/2010/main" val="0"/>
+              </a:ext>
+            </a:extLst>
+          </a:blip>
+          <a:stretch>
+            <a:fillRect/>
+          </a:stretch>
+        </p:blipFill>
+        <p:spPr>
+          <a:xfrm>
+            <a:off x="10756158" y="647699"/>
+            <a:ext cx="1302491" cy="1302491"/>
+          </a:xfrm>
+          <a:prstGeom prst="rect">
+            <a:avLst/>
+          </a:prstGeom>
+        </p:spPr>
+      </p:pic>
     </p:spTree>
     <p:extLst>
       <p:ext uri="{BB962C8B-B14F-4D97-AF65-F5344CB8AC3E}">
-        <p14:creationId xmlns:p14="http://schemas.microsoft.com/office/powerpoint/2010/main" val="1785330398"/>
+        <p14:creationId xmlns:p14="http://schemas.microsoft.com/office/powerpoint/2010/main" val="2879776329"/>
+      </p:ext>
+    </p:extLst>
+  </p:cSld>
+  <p:clrMapOvr>
+    <a:masterClrMapping/>
+  </p:clrMapOvr>
+</p:sld>
+</file>
+
+<file path=ppt/slides/slide5.xml><?xml version="1.0" encoding="utf-8"?>
+<p:sld xmlns:a="http://schemas.openxmlformats.org/drawingml/2006/main" xmlns:r="http://schemas.openxmlformats.org/officeDocument/2006/relationships" xmlns:p="http://schemas.openxmlformats.org/presentationml/2006/main">
+  <p:cSld>
+    <p:spTree>
+      <p:nvGrpSpPr>
+        <p:cNvPr id="1" name=""/>
+        <p:cNvGrpSpPr/>
+        <p:nvPr/>
+      </p:nvGrpSpPr>
+      <p:grpSpPr>
+        <a:xfrm>
+          <a:off x="0" y="0"/>
+          <a:ext cx="0" cy="0"/>
+          <a:chOff x="0" y="0"/>
+          <a:chExt cx="0" cy="0"/>
+        </a:xfrm>
+      </p:grpSpPr>
+      <p:sp>
+        <p:nvSpPr>
+          <p:cNvPr id="2" name="Titel 1">
+            <a:extLst>
+              <a:ext uri="{FF2B5EF4-FFF2-40B4-BE49-F238E27FC236}">
+                <a16:creationId xmlns:a16="http://schemas.microsoft.com/office/drawing/2014/main" id="{A774518F-88C2-82C7-82D7-DB47E00EF280}"/>
+              </a:ext>
+            </a:extLst>
+          </p:cNvPr>
+          <p:cNvSpPr>
+            <a:spLocks noGrp="1"/>
+          </p:cNvSpPr>
+          <p:nvPr>
+            <p:ph type="title"/>
+          </p:nvPr>
+        </p:nvSpPr>
+        <p:spPr/>
+        <p:txBody>
+          <a:bodyPr/>
+          <a:lstStyle/>
+          <a:p>
+            <a:r>
+              <a:rPr lang="nl-BE" dirty="0"/>
+              <a:t>Welke IT professionals zijn er geïnterviewd?</a:t>
+            </a:r>
+          </a:p>
+        </p:txBody>
+      </p:sp>
+      <p:sp>
+        <p:nvSpPr>
+          <p:cNvPr id="3" name="Tijdelijke aanduiding voor inhoud 2">
+            <a:extLst>
+              <a:ext uri="{FF2B5EF4-FFF2-40B4-BE49-F238E27FC236}">
+                <a16:creationId xmlns:a16="http://schemas.microsoft.com/office/drawing/2014/main" id="{AA3D968F-0259-4342-4910-B013BCD6D8D0}"/>
+              </a:ext>
+            </a:extLst>
+          </p:cNvPr>
+          <p:cNvSpPr>
+            <a:spLocks noGrp="1"/>
+          </p:cNvSpPr>
+          <p:nvPr>
+            <p:ph idx="1"/>
+          </p:nvPr>
+        </p:nvSpPr>
+        <p:spPr/>
+        <p:txBody>
+          <a:bodyPr/>
+          <a:lstStyle/>
+          <a:p>
+            <a:endParaRPr lang="nl-BE" dirty="0"/>
+          </a:p>
+        </p:txBody>
+      </p:sp>
+      <p:pic>
+        <p:nvPicPr>
+          <p:cNvPr id="5" name="Afbeelding 4">
+            <a:extLst>
+              <a:ext uri="{FF2B5EF4-FFF2-40B4-BE49-F238E27FC236}">
+                <a16:creationId xmlns:a16="http://schemas.microsoft.com/office/drawing/2014/main" id="{DF1AFEAB-7CF3-CABD-21B5-A8A3978B5C68}"/>
+              </a:ext>
+            </a:extLst>
+          </p:cNvPr>
+          <p:cNvPicPr>
+            <a:picLocks noChangeAspect="1"/>
+          </p:cNvPicPr>
+          <p:nvPr/>
+        </p:nvPicPr>
+        <p:blipFill>
+          <a:blip r:embed="rId2">
+            <a:extLst>
+              <a:ext uri="{28A0092B-C50C-407E-A947-70E740481C1C}">
+                <a14:useLocalDpi xmlns:a14="http://schemas.microsoft.com/office/drawing/2010/main" val="0"/>
+              </a:ext>
+            </a:extLst>
+          </a:blip>
+          <a:stretch>
+            <a:fillRect/>
+          </a:stretch>
+        </p:blipFill>
+        <p:spPr>
+          <a:xfrm>
+            <a:off x="10756158" y="647699"/>
+            <a:ext cx="1302491" cy="1302491"/>
+          </a:xfrm>
+          <a:prstGeom prst="rect">
+            <a:avLst/>
+          </a:prstGeom>
+        </p:spPr>
+      </p:pic>
+    </p:spTree>
+    <p:extLst>
+      <p:ext uri="{BB962C8B-B14F-4D97-AF65-F5344CB8AC3E}">
+        <p14:creationId xmlns:p14="http://schemas.microsoft.com/office/powerpoint/2010/main" val="2991862150"/>
+      </p:ext>
+    </p:extLst>
+  </p:cSld>
+  <p:clrMapOvr>
+    <a:masterClrMapping/>
+  </p:clrMapOvr>
+</p:sld>
+</file>
+
+<file path=ppt/slides/slide6.xml><?xml version="1.0" encoding="utf-8"?>
+<p:sld xmlns:a="http://schemas.openxmlformats.org/drawingml/2006/main" xmlns:r="http://schemas.openxmlformats.org/officeDocument/2006/relationships" xmlns:p="http://schemas.openxmlformats.org/presentationml/2006/main">
+  <p:cSld>
+    <p:spTree>
+      <p:nvGrpSpPr>
+        <p:cNvPr id="1" name=""/>
+        <p:cNvGrpSpPr/>
+        <p:nvPr/>
+      </p:nvGrpSpPr>
+      <p:grpSpPr>
+        <a:xfrm>
+          <a:off x="0" y="0"/>
+          <a:ext cx="0" cy="0"/>
+          <a:chOff x="0" y="0"/>
+          <a:chExt cx="0" cy="0"/>
+        </a:xfrm>
+      </p:grpSpPr>
+      <p:sp>
+        <p:nvSpPr>
+          <p:cNvPr id="2" name="Titel 1">
+            <a:extLst>
+              <a:ext uri="{FF2B5EF4-FFF2-40B4-BE49-F238E27FC236}">
+                <a16:creationId xmlns:a16="http://schemas.microsoft.com/office/drawing/2014/main" id="{C073E722-286F-D250-8754-7B5D6B7F5495}"/>
+              </a:ext>
+            </a:extLst>
+          </p:cNvPr>
+          <p:cNvSpPr>
+            <a:spLocks noGrp="1"/>
+          </p:cNvSpPr>
+          <p:nvPr>
+            <p:ph type="title"/>
+          </p:nvPr>
+        </p:nvSpPr>
+        <p:spPr/>
+        <p:txBody>
+          <a:bodyPr/>
+          <a:lstStyle/>
+          <a:p>
+            <a:r>
+              <a:rPr lang="nl-BE" dirty="0"/>
+              <a:t>Welke stagiairs zijn er geïnterviewd?</a:t>
+            </a:r>
+          </a:p>
+        </p:txBody>
+      </p:sp>
+      <p:sp>
+        <p:nvSpPr>
+          <p:cNvPr id="3" name="Tijdelijke aanduiding voor inhoud 2">
+            <a:extLst>
+              <a:ext uri="{FF2B5EF4-FFF2-40B4-BE49-F238E27FC236}">
+                <a16:creationId xmlns:a16="http://schemas.microsoft.com/office/drawing/2014/main" id="{BA1D95C0-0D56-306E-C62F-0768926C47A0}"/>
+              </a:ext>
+            </a:extLst>
+          </p:cNvPr>
+          <p:cNvSpPr>
+            <a:spLocks noGrp="1"/>
+          </p:cNvSpPr>
+          <p:nvPr>
+            <p:ph idx="1"/>
+          </p:nvPr>
+        </p:nvSpPr>
+        <p:spPr/>
+        <p:txBody>
+          <a:bodyPr/>
+          <a:lstStyle/>
+          <a:p>
+            <a:endParaRPr lang="nl-BE"/>
+          </a:p>
+        </p:txBody>
+      </p:sp>
+      <p:pic>
+        <p:nvPicPr>
+          <p:cNvPr id="4" name="Afbeelding 3" descr="Afbeelding met logo&#10;&#10;Automatisch gegenereerde beschrijving">
+            <a:extLst>
+              <a:ext uri="{FF2B5EF4-FFF2-40B4-BE49-F238E27FC236}">
+                <a16:creationId xmlns:a16="http://schemas.microsoft.com/office/drawing/2014/main" id="{EE9CEBF2-DC65-0D3D-812C-41FCB7BF6458}"/>
+              </a:ext>
+            </a:extLst>
+          </p:cNvPr>
+          <p:cNvPicPr>
+            <a:picLocks noChangeAspect="1"/>
+          </p:cNvPicPr>
+          <p:nvPr/>
+        </p:nvPicPr>
+        <p:blipFill>
+          <a:blip r:embed="rId2">
+            <a:extLst>
+              <a:ext uri="{28A0092B-C50C-407E-A947-70E740481C1C}">
+                <a14:useLocalDpi xmlns:a14="http://schemas.microsoft.com/office/drawing/2010/main" val="0"/>
+              </a:ext>
+            </a:extLst>
+          </a:blip>
+          <a:stretch>
+            <a:fillRect/>
+          </a:stretch>
+        </p:blipFill>
+        <p:spPr>
+          <a:xfrm>
+            <a:off x="10756900" y="658478"/>
+            <a:ext cx="1273641" cy="1273641"/>
+          </a:xfrm>
+          <a:prstGeom prst="rect">
+            <a:avLst/>
+          </a:prstGeom>
+        </p:spPr>
+      </p:pic>
+    </p:spTree>
+    <p:extLst>
+      <p:ext uri="{BB962C8B-B14F-4D97-AF65-F5344CB8AC3E}">
+        <p14:creationId xmlns:p14="http://schemas.microsoft.com/office/powerpoint/2010/main" val="3716983083"/>
+      </p:ext>
+    </p:extLst>
+  </p:cSld>
+  <p:clrMapOvr>
+    <a:masterClrMapping/>
+  </p:clrMapOvr>
+</p:sld>
+</file>
+
+<file path=ppt/slides/slide7.xml><?xml version="1.0" encoding="utf-8"?>
+<p:sld xmlns:a="http://schemas.openxmlformats.org/drawingml/2006/main" xmlns:r="http://schemas.openxmlformats.org/officeDocument/2006/relationships" xmlns:p="http://schemas.openxmlformats.org/presentationml/2006/main">
+  <p:cSld>
+    <p:spTree>
+      <p:nvGrpSpPr>
+        <p:cNvPr id="1" name=""/>
+        <p:cNvGrpSpPr/>
+        <p:nvPr/>
+      </p:nvGrpSpPr>
+      <p:grpSpPr>
+        <a:xfrm>
+          <a:off x="0" y="0"/>
+          <a:ext cx="0" cy="0"/>
+          <a:chOff x="0" y="0"/>
+          <a:chExt cx="0" cy="0"/>
+        </a:xfrm>
+      </p:grpSpPr>
+      <p:sp>
+        <p:nvSpPr>
+          <p:cNvPr id="2" name="Titel 1">
+            <a:extLst>
+              <a:ext uri="{FF2B5EF4-FFF2-40B4-BE49-F238E27FC236}">
+                <a16:creationId xmlns:a16="http://schemas.microsoft.com/office/drawing/2014/main" id="{9F819F10-CE54-2F93-5103-2BD019EE20B8}"/>
+              </a:ext>
+            </a:extLst>
+          </p:cNvPr>
+          <p:cNvSpPr>
+            <a:spLocks noGrp="1"/>
+          </p:cNvSpPr>
+          <p:nvPr>
+            <p:ph type="title"/>
+          </p:nvPr>
+        </p:nvSpPr>
+        <p:spPr/>
+        <p:txBody>
+          <a:bodyPr/>
+          <a:lstStyle/>
+          <a:p>
+            <a:r>
+              <a:rPr lang="nl-BE" dirty="0"/>
+              <a:t>Hoe ging de samenwerking?</a:t>
+            </a:r>
+          </a:p>
+        </p:txBody>
+      </p:sp>
+      <p:sp>
+        <p:nvSpPr>
+          <p:cNvPr id="3" name="Tijdelijke aanduiding voor inhoud 2">
+            <a:extLst>
+              <a:ext uri="{FF2B5EF4-FFF2-40B4-BE49-F238E27FC236}">
+                <a16:creationId xmlns:a16="http://schemas.microsoft.com/office/drawing/2014/main" id="{1E04FB97-E56C-EEA4-99EF-2CE6252939AA}"/>
+              </a:ext>
+            </a:extLst>
+          </p:cNvPr>
+          <p:cNvSpPr>
+            <a:spLocks noGrp="1"/>
+          </p:cNvSpPr>
+          <p:nvPr>
+            <p:ph idx="1"/>
+          </p:nvPr>
+        </p:nvSpPr>
+        <p:spPr/>
+        <p:txBody>
+          <a:bodyPr/>
+          <a:lstStyle/>
+          <a:p>
+            <a:endParaRPr lang="nl-BE"/>
+          </a:p>
+        </p:txBody>
+      </p:sp>
+      <p:pic>
+        <p:nvPicPr>
+          <p:cNvPr id="4" name="Afbeelding 3">
+            <a:extLst>
+              <a:ext uri="{FF2B5EF4-FFF2-40B4-BE49-F238E27FC236}">
+                <a16:creationId xmlns:a16="http://schemas.microsoft.com/office/drawing/2014/main" id="{317EEC19-1293-11C8-46A8-6670C9F3B49B}"/>
+              </a:ext>
+            </a:extLst>
+          </p:cNvPr>
+          <p:cNvPicPr>
+            <a:picLocks noChangeAspect="1"/>
+          </p:cNvPicPr>
+          <p:nvPr/>
+        </p:nvPicPr>
+        <p:blipFill>
+          <a:blip r:embed="rId2">
+            <a:extLst>
+              <a:ext uri="{28A0092B-C50C-407E-A947-70E740481C1C}">
+                <a14:useLocalDpi xmlns:a14="http://schemas.microsoft.com/office/drawing/2010/main" val="0"/>
+              </a:ext>
+            </a:extLst>
+          </a:blip>
+          <a:stretch>
+            <a:fillRect/>
+          </a:stretch>
+        </p:blipFill>
+        <p:spPr>
+          <a:xfrm>
+            <a:off x="10692659" y="647700"/>
+            <a:ext cx="767366" cy="767366"/>
+          </a:xfrm>
+          <a:prstGeom prst="rect">
+            <a:avLst/>
+          </a:prstGeom>
+        </p:spPr>
+      </p:pic>
+      <p:pic>
+        <p:nvPicPr>
+          <p:cNvPr id="5" name="Afbeelding 4" descr="Afbeelding met logo&#10;&#10;Automatisch gegenereerde beschrijving">
+            <a:extLst>
+              <a:ext uri="{FF2B5EF4-FFF2-40B4-BE49-F238E27FC236}">
+                <a16:creationId xmlns:a16="http://schemas.microsoft.com/office/drawing/2014/main" id="{3B1AEB7B-7F8A-E960-12CE-D8FCEC9A6602}"/>
+              </a:ext>
+            </a:extLst>
+          </p:cNvPr>
+          <p:cNvPicPr>
+            <a:picLocks noChangeAspect="1"/>
+          </p:cNvPicPr>
+          <p:nvPr/>
+        </p:nvPicPr>
+        <p:blipFill>
+          <a:blip r:embed="rId3">
+            <a:extLst>
+              <a:ext uri="{28A0092B-C50C-407E-A947-70E740481C1C}">
+                <a14:useLocalDpi xmlns:a14="http://schemas.microsoft.com/office/drawing/2010/main" val="0"/>
+              </a:ext>
+            </a:extLst>
+          </a:blip>
+          <a:stretch>
+            <a:fillRect/>
+          </a:stretch>
+        </p:blipFill>
+        <p:spPr>
+          <a:xfrm>
+            <a:off x="11313975" y="1164753"/>
+            <a:ext cx="767366" cy="767366"/>
+          </a:xfrm>
+          <a:prstGeom prst="rect">
+            <a:avLst/>
+          </a:prstGeom>
+        </p:spPr>
+      </p:pic>
+    </p:spTree>
+    <p:extLst>
+      <p:ext uri="{BB962C8B-B14F-4D97-AF65-F5344CB8AC3E}">
+        <p14:creationId xmlns:p14="http://schemas.microsoft.com/office/powerpoint/2010/main" val="472712422"/>
+      </p:ext>
+    </p:extLst>
+  </p:cSld>
+  <p:clrMapOvr>
+    <a:masterClrMapping/>
+  </p:clrMapOvr>
+</p:sld>
+</file>
+
+<file path=ppt/slides/slide8.xml><?xml version="1.0" encoding="utf-8"?>
+<p:sld xmlns:a="http://schemas.openxmlformats.org/drawingml/2006/main" xmlns:r="http://schemas.openxmlformats.org/officeDocument/2006/relationships" xmlns:p="http://schemas.openxmlformats.org/presentationml/2006/main">
+  <p:cSld>
+    <p:spTree>
+      <p:nvGrpSpPr>
+        <p:cNvPr id="1" name=""/>
+        <p:cNvGrpSpPr/>
+        <p:nvPr/>
+      </p:nvGrpSpPr>
+      <p:grpSpPr>
+        <a:xfrm>
+          <a:off x="0" y="0"/>
+          <a:ext cx="0" cy="0"/>
+          <a:chOff x="0" y="0"/>
+          <a:chExt cx="0" cy="0"/>
+        </a:xfrm>
+      </p:grpSpPr>
+      <p:sp>
+        <p:nvSpPr>
+          <p:cNvPr id="2" name="Titel 1">
+            <a:extLst>
+              <a:ext uri="{FF2B5EF4-FFF2-40B4-BE49-F238E27FC236}">
+                <a16:creationId xmlns:a16="http://schemas.microsoft.com/office/drawing/2014/main" id="{F23BFE1B-CD15-1A06-C293-D4AD27488A90}"/>
+              </a:ext>
+            </a:extLst>
+          </p:cNvPr>
+          <p:cNvSpPr>
+            <a:spLocks noGrp="1"/>
+          </p:cNvSpPr>
+          <p:nvPr>
+            <p:ph type="title"/>
+          </p:nvPr>
+        </p:nvSpPr>
+        <p:spPr/>
+        <p:txBody>
+          <a:bodyPr/>
+          <a:lstStyle/>
+          <a:p>
+            <a:r>
+              <a:rPr lang="nl-BE" dirty="0"/>
+              <a:t>Wat hebben we hieruit geleerd?</a:t>
+            </a:r>
+          </a:p>
+        </p:txBody>
+      </p:sp>
+      <p:sp>
+        <p:nvSpPr>
+          <p:cNvPr id="3" name="Tijdelijke aanduiding voor inhoud 2">
+            <a:extLst>
+              <a:ext uri="{FF2B5EF4-FFF2-40B4-BE49-F238E27FC236}">
+                <a16:creationId xmlns:a16="http://schemas.microsoft.com/office/drawing/2014/main" id="{885A81DF-9FE1-C717-6741-89510B170942}"/>
+              </a:ext>
+            </a:extLst>
+          </p:cNvPr>
+          <p:cNvSpPr>
+            <a:spLocks noGrp="1"/>
+          </p:cNvSpPr>
+          <p:nvPr>
+            <p:ph idx="1"/>
+          </p:nvPr>
+        </p:nvSpPr>
+        <p:spPr/>
+        <p:txBody>
+          <a:bodyPr/>
+          <a:lstStyle/>
+          <a:p>
+            <a:endParaRPr lang="nl-BE" dirty="0"/>
+          </a:p>
+        </p:txBody>
+      </p:sp>
+      <p:pic>
+        <p:nvPicPr>
+          <p:cNvPr id="4" name="Afbeelding 3">
+            <a:extLst>
+              <a:ext uri="{FF2B5EF4-FFF2-40B4-BE49-F238E27FC236}">
+                <a16:creationId xmlns:a16="http://schemas.microsoft.com/office/drawing/2014/main" id="{61A3DFAD-0E77-D59F-A9C3-8F83B820BF32}"/>
+              </a:ext>
+            </a:extLst>
+          </p:cNvPr>
+          <p:cNvPicPr>
+            <a:picLocks noChangeAspect="1"/>
+          </p:cNvPicPr>
+          <p:nvPr/>
+        </p:nvPicPr>
+        <p:blipFill>
+          <a:blip r:embed="rId2">
+            <a:extLst>
+              <a:ext uri="{28A0092B-C50C-407E-A947-70E740481C1C}">
+                <a14:useLocalDpi xmlns:a14="http://schemas.microsoft.com/office/drawing/2010/main" val="0"/>
+              </a:ext>
+            </a:extLst>
+          </a:blip>
+          <a:stretch>
+            <a:fillRect/>
+          </a:stretch>
+        </p:blipFill>
+        <p:spPr>
+          <a:xfrm>
+            <a:off x="10692659" y="647700"/>
+            <a:ext cx="767366" cy="767366"/>
+          </a:xfrm>
+          <a:prstGeom prst="rect">
+            <a:avLst/>
+          </a:prstGeom>
+        </p:spPr>
+      </p:pic>
+      <p:pic>
+        <p:nvPicPr>
+          <p:cNvPr id="5" name="Afbeelding 4" descr="Afbeelding met logo&#10;&#10;Automatisch gegenereerde beschrijving">
+            <a:extLst>
+              <a:ext uri="{FF2B5EF4-FFF2-40B4-BE49-F238E27FC236}">
+                <a16:creationId xmlns:a16="http://schemas.microsoft.com/office/drawing/2014/main" id="{713A76C7-04F6-4901-7C61-52C2F151F0BC}"/>
+              </a:ext>
+            </a:extLst>
+          </p:cNvPr>
+          <p:cNvPicPr>
+            <a:picLocks noChangeAspect="1"/>
+          </p:cNvPicPr>
+          <p:nvPr/>
+        </p:nvPicPr>
+        <p:blipFill>
+          <a:blip r:embed="rId3">
+            <a:extLst>
+              <a:ext uri="{28A0092B-C50C-407E-A947-70E740481C1C}">
+                <a14:useLocalDpi xmlns:a14="http://schemas.microsoft.com/office/drawing/2010/main" val="0"/>
+              </a:ext>
+            </a:extLst>
+          </a:blip>
+          <a:stretch>
+            <a:fillRect/>
+          </a:stretch>
+        </p:blipFill>
+        <p:spPr>
+          <a:xfrm>
+            <a:off x="11313975" y="1164753"/>
+            <a:ext cx="767366" cy="767366"/>
+          </a:xfrm>
+          <a:prstGeom prst="rect">
+            <a:avLst/>
+          </a:prstGeom>
+        </p:spPr>
+      </p:pic>
+    </p:spTree>
+    <p:extLst>
+      <p:ext uri="{BB962C8B-B14F-4D97-AF65-F5344CB8AC3E}">
+        <p14:creationId xmlns:p14="http://schemas.microsoft.com/office/powerpoint/2010/main" val="3462231248"/>
       </p:ext>
     </p:extLst>
   </p:cSld>
@@ -3634,54 +9044,54 @@
 </file>
 
 <file path=ppt/theme/theme1.xml><?xml version="1.0" encoding="utf-8"?>
-<a:theme xmlns:a="http://schemas.openxmlformats.org/drawingml/2006/main" name="Kantoorthema">
+<a:theme xmlns:a="http://schemas.openxmlformats.org/drawingml/2006/main" name="Berlijn">
   <a:themeElements>
-    <a:clrScheme name="Office">
+    <a:clrScheme name="Aangepast 1">
       <a:dk1>
-        <a:sysClr val="windowText" lastClr="000000"/>
+        <a:srgbClr val="000000"/>
       </a:dk1>
       <a:lt1>
         <a:sysClr val="window" lastClr="FFFFFF"/>
       </a:lt1>
       <a:dk2>
-        <a:srgbClr val="44546A"/>
+        <a:srgbClr val="5E5E5E"/>
       </a:dk2>
       <a:lt2>
-        <a:srgbClr val="E7E6E6"/>
+        <a:srgbClr val="DDDDDD"/>
       </a:lt2>
       <a:accent1>
-        <a:srgbClr val="4472C4"/>
+        <a:srgbClr val="153B3F"/>
       </a:accent1>
       <a:accent2>
-        <a:srgbClr val="ED7D31"/>
+        <a:srgbClr val="A6B727"/>
       </a:accent2>
       <a:accent3>
-        <a:srgbClr val="A5A5A5"/>
+        <a:srgbClr val="F69200"/>
       </a:accent3>
       <a:accent4>
-        <a:srgbClr val="FFC000"/>
+        <a:srgbClr val="838383"/>
       </a:accent4>
       <a:accent5>
-        <a:srgbClr val="5B9BD5"/>
+        <a:srgbClr val="FEC306"/>
       </a:accent5>
       <a:accent6>
-        <a:srgbClr val="70AD47"/>
+        <a:srgbClr val="DF5327"/>
       </a:accent6>
       <a:hlink>
-        <a:srgbClr val="0563C1"/>
+        <a:srgbClr val="F59E00"/>
       </a:hlink>
       <a:folHlink>
-        <a:srgbClr val="954F72"/>
+        <a:srgbClr val="B2B2B2"/>
       </a:folHlink>
     </a:clrScheme>
-    <a:fontScheme name="Office">
+    <a:fontScheme name="Berlijn">
       <a:majorFont>
-        <a:latin typeface="Calibri Light" panose="020F0302020204030204"/>
+        <a:latin typeface="Trebuchet MS" panose="020B0603020202020204"/>
         <a:ea typeface=""/>
         <a:cs typeface=""/>
-        <a:font script="Jpan" typeface="游ゴシック Light"/>
+        <a:font script="Jpan" typeface="ＭＳ Ｐゴシック"/>
         <a:font script="Hang" typeface="맑은 고딕"/>
-        <a:font script="Hans" typeface="等线 Light"/>
+        <a:font script="Hans" typeface="宋体"/>
         <a:font script="Hant" typeface="新細明體"/>
         <a:font script="Arab" typeface="Times New Roman"/>
         <a:font script="Hebr" typeface="Times New Roman"/>
@@ -3709,31 +9119,14 @@
         <a:font script="Viet" typeface="Times New Roman"/>
         <a:font script="Uigh" typeface="Microsoft Uighur"/>
         <a:font script="Geor" typeface="Sylfaen"/>
-        <a:font script="Armn" typeface="Arial"/>
-        <a:font script="Bugi" typeface="Leelawadee UI"/>
-        <a:font script="Bopo" typeface="Microsoft JhengHei"/>
-        <a:font script="Java" typeface="Javanese Text"/>
-        <a:font script="Lisu" typeface="Segoe UI"/>
-        <a:font script="Mymr" typeface="Myanmar Text"/>
-        <a:font script="Nkoo" typeface="Ebrima"/>
-        <a:font script="Olck" typeface="Nirmala UI"/>
-        <a:font script="Osma" typeface="Ebrima"/>
-        <a:font script="Phag" typeface="Phagspa"/>
-        <a:font script="Syrn" typeface="Estrangelo Edessa"/>
-        <a:font script="Syrj" typeface="Estrangelo Edessa"/>
-        <a:font script="Syre" typeface="Estrangelo Edessa"/>
-        <a:font script="Sora" typeface="Nirmala UI"/>
-        <a:font script="Tale" typeface="Microsoft Tai Le"/>
-        <a:font script="Talu" typeface="Microsoft New Tai Lue"/>
-        <a:font script="Tfng" typeface="Ebrima"/>
       </a:majorFont>
       <a:minorFont>
-        <a:latin typeface="Calibri" panose="020F0502020204030204"/>
+        <a:latin typeface="Trebuchet MS" panose="020B0603020202020204"/>
         <a:ea typeface=""/>
         <a:cs typeface=""/>
-        <a:font script="Jpan" typeface="游ゴシック"/>
+        <a:font script="Jpan" typeface="ＭＳ Ｐゴシック"/>
         <a:font script="Hang" typeface="맑은 고딕"/>
-        <a:font script="Hans" typeface="等线"/>
+        <a:font script="Hans" typeface="宋体"/>
         <a:font script="Hant" typeface="新細明體"/>
         <a:font script="Arab" typeface="Arial"/>
         <a:font script="Hebr" typeface="Arial"/>
@@ -3761,26 +9154,9 @@
         <a:font script="Viet" typeface="Arial"/>
         <a:font script="Uigh" typeface="Microsoft Uighur"/>
         <a:font script="Geor" typeface="Sylfaen"/>
-        <a:font script="Armn" typeface="Arial"/>
-        <a:font script="Bugi" typeface="Leelawadee UI"/>
-        <a:font script="Bopo" typeface="Microsoft JhengHei"/>
-        <a:font script="Java" typeface="Javanese Text"/>
-        <a:font script="Lisu" typeface="Segoe UI"/>
-        <a:font script="Mymr" typeface="Myanmar Text"/>
-        <a:font script="Nkoo" typeface="Ebrima"/>
-        <a:font script="Olck" typeface="Nirmala UI"/>
-        <a:font script="Osma" typeface="Ebrima"/>
-        <a:font script="Phag" typeface="Phagspa"/>
-        <a:font script="Syrn" typeface="Estrangelo Edessa"/>
-        <a:font script="Syrj" typeface="Estrangelo Edessa"/>
-        <a:font script="Syre" typeface="Estrangelo Edessa"/>
-        <a:font script="Sora" typeface="Nirmala UI"/>
-        <a:font script="Tale" typeface="Microsoft Tai Le"/>
-        <a:font script="Talu" typeface="Microsoft New Tai Lue"/>
-        <a:font script="Tfng" typeface="Ebrima"/>
       </a:minorFont>
     </a:fontScheme>
-    <a:fmtScheme name="Office">
+    <a:fmtScheme name="Berlijn">
       <a:fillStyleLst>
         <a:solidFill>
           <a:schemeClr val="phClr"/>
@@ -3789,23 +9165,16 @@
           <a:gsLst>
             <a:gs pos="0">
               <a:schemeClr val="phClr">
+                <a:tint val="60000"/>
+                <a:satMod val="100000"/>
                 <a:lumMod val="110000"/>
-                <a:satMod val="105000"/>
-                <a:tint val="67000"/>
-              </a:schemeClr>
-            </a:gs>
-            <a:gs pos="50000">
-              <a:schemeClr val="phClr">
-                <a:lumMod val="105000"/>
-                <a:satMod val="103000"/>
-                <a:tint val="73000"/>
               </a:schemeClr>
             </a:gs>
             <a:gs pos="100000">
               <a:schemeClr val="phClr">
-                <a:lumMod val="105000"/>
-                <a:satMod val="109000"/>
-                <a:tint val="81000"/>
+                <a:tint val="70000"/>
+                <a:satMod val="100000"/>
+                <a:lumMod val="100000"/>
               </a:schemeClr>
             </a:gs>
           </a:gsLst>
@@ -3815,23 +9184,23 @@
           <a:gsLst>
             <a:gs pos="0">
               <a:schemeClr val="phClr">
+                <a:tint val="94000"/>
                 <a:satMod val="103000"/>
                 <a:lumMod val="102000"/>
-                <a:tint val="94000"/>
               </a:schemeClr>
             </a:gs>
             <a:gs pos="50000">
               <a:schemeClr val="phClr">
+                <a:shade val="100000"/>
                 <a:satMod val="110000"/>
                 <a:lumMod val="100000"/>
-                <a:shade val="100000"/>
               </a:schemeClr>
             </a:gs>
             <a:gs pos="100000">
               <a:schemeClr val="phClr">
+                <a:shade val="78000"/>
+                <a:satMod val="120000"/>
                 <a:lumMod val="99000"/>
-                <a:satMod val="120000"/>
-                <a:shade val="78000"/>
               </a:schemeClr>
             </a:gs>
           </a:gsLst>
@@ -3839,26 +9208,23 @@
         </a:gradFill>
       </a:fillStyleLst>
       <a:lnStyleLst>
-        <a:ln w="6350" cap="flat" cmpd="sng" algn="ctr">
+        <a:ln w="9525" cap="flat" cmpd="sng" algn="ctr">
           <a:solidFill>
             <a:schemeClr val="phClr"/>
           </a:solidFill>
           <a:prstDash val="solid"/>
-          <a:miter lim="800000"/>
         </a:ln>
         <a:ln w="12700" cap="flat" cmpd="sng" algn="ctr">
           <a:solidFill>
             <a:schemeClr val="phClr"/>
           </a:solidFill>
           <a:prstDash val="solid"/>
-          <a:miter lim="800000"/>
         </a:ln>
         <a:ln w="19050" cap="flat" cmpd="sng" algn="ctr">
           <a:solidFill>
             <a:schemeClr val="phClr"/>
           </a:solidFill>
           <a:prstDash val="solid"/>
-          <a:miter lim="800000"/>
         </a:ln>
       </a:lnStyleLst>
       <a:effectStyleLst>
@@ -3892,28 +9258,31 @@
           <a:gsLst>
             <a:gs pos="0">
               <a:schemeClr val="phClr">
-                <a:tint val="93000"/>
-                <a:satMod val="150000"/>
-                <a:shade val="98000"/>
-                <a:lumMod val="102000"/>
+                <a:tint val="96000"/>
+                <a:shade val="100000"/>
+                <a:hueMod val="92000"/>
+                <a:satMod val="200000"/>
+                <a:lumMod val="128000"/>
               </a:schemeClr>
             </a:gs>
             <a:gs pos="50000">
               <a:schemeClr val="phClr">
-                <a:tint val="98000"/>
-                <a:satMod val="130000"/>
-                <a:shade val="90000"/>
-                <a:lumMod val="103000"/>
+                <a:shade val="100000"/>
+                <a:hueMod val="100000"/>
+                <a:satMod val="110000"/>
+                <a:lumMod val="130000"/>
               </a:schemeClr>
             </a:gs>
             <a:gs pos="100000">
               <a:schemeClr val="phClr">
-                <a:shade val="63000"/>
+                <a:shade val="78000"/>
+                <a:hueMod val="118000"/>
                 <a:satMod val="120000"/>
+                <a:lumMod val="69000"/>
               </a:schemeClr>
             </a:gs>
           </a:gsLst>
-          <a:lin ang="5400000" scaled="0"/>
+          <a:lin ang="2520000" scaled="0"/>
         </a:gradFill>
       </a:bgFillStyleLst>
     </a:fmtScheme>
@@ -3922,7 +9291,7 @@
   <a:extraClrSchemeLst/>
   <a:extLst>
     <a:ext uri="{05A4C25C-085E-4340-85A3-A5531E510DB2}">
-      <thm15:themeFamily xmlns:thm15="http://schemas.microsoft.com/office/thememl/2012/main" name="Office Theme" id="{62F939B6-93AF-4DB8-9C6B-D6C7DFDC589F}" vid="{4A3C46E8-61CC-4603-A589-7422A47A8E4A}"/>
+      <thm15:themeFamily xmlns:thm15="http://schemas.microsoft.com/office/thememl/2012/main" name="Berlin" id="{7B5DBA9E-B069-418E-9360-A61BDD0615A4}" vid="{C7DC10E3-4FF5-456B-A359-A0F378C1E5FB}"/>
     </a:ext>
   </a:extLst>
 </a:theme>

--- a/Groep-21_Presentatie.pptx
+++ b/Groep-21_Presentatie.pptx
@@ -13,6 +13,7 @@
     <p:sldId id="261" r:id="rId7"/>
     <p:sldId id="262" r:id="rId8"/>
     <p:sldId id="263" r:id="rId9"/>
+    <p:sldId id="264" r:id="rId10"/>
   </p:sldIdLst>
   <p:sldSz cx="12192000" cy="6858000"/>
   <p:notesSz cx="6858000" cy="9144000"/>
@@ -8442,7 +8443,64 @@
           <a:bodyPr/>
           <a:lstStyle/>
           <a:p>
-            <a:endParaRPr lang="nl-BE"/>
+            <a:r>
+              <a:rPr lang="nl-BE" dirty="0"/>
+              <a:t>ICTS KU Leuven</a:t>
+            </a:r>
+          </a:p>
+          <a:p>
+            <a:r>
+              <a:rPr lang="nl-BE" dirty="0" err="1"/>
+              <a:t>Easi</a:t>
+            </a:r>
+            <a:endParaRPr lang="nl-BE" dirty="0"/>
+          </a:p>
+          <a:p>
+            <a:r>
+              <a:rPr lang="nl-BE" dirty="0" err="1"/>
+              <a:t>Ausy</a:t>
+            </a:r>
+            <a:r>
+              <a:rPr lang="nl-BE" dirty="0"/>
+              <a:t> Belgium</a:t>
+            </a:r>
+          </a:p>
+          <a:p>
+            <a:r>
+              <a:rPr lang="nl-BE" dirty="0" err="1"/>
+              <a:t>Inetum</a:t>
+            </a:r>
+            <a:r>
+              <a:rPr lang="nl-BE" dirty="0"/>
+              <a:t>-Realdolmen</a:t>
+            </a:r>
+          </a:p>
+          <a:p>
+            <a:r>
+              <a:rPr lang="nl-BE" dirty="0"/>
+              <a:t>Tom </a:t>
+            </a:r>
+            <a:r>
+              <a:rPr lang="nl-BE" dirty="0" err="1"/>
+              <a:t>Tom</a:t>
+            </a:r>
+            <a:r>
+              <a:rPr lang="nl-BE" dirty="0"/>
+              <a:t> NV Belgium</a:t>
+            </a:r>
+          </a:p>
+          <a:p>
+            <a:r>
+              <a:rPr lang="nl-BE" dirty="0"/>
+              <a:t>Vlaamse Overheid (Dep. Financiën | Afd. BOBFO)</a:t>
+            </a:r>
+          </a:p>
+          <a:p>
+            <a:r>
+              <a:rPr lang="nl-BE" dirty="0" err="1"/>
+              <a:t>Unlocked</a:t>
+            </a:r>
+            <a:endParaRPr lang="nl-BE" dirty="0"/>
           </a:p>
         </p:txBody>
       </p:sp>
@@ -9034,6 +9092,106 @@
     <p:extLst>
       <p:ext uri="{BB962C8B-B14F-4D97-AF65-F5344CB8AC3E}">
         <p14:creationId xmlns:p14="http://schemas.microsoft.com/office/powerpoint/2010/main" val="3462231248"/>
+      </p:ext>
+    </p:extLst>
+  </p:cSld>
+  <p:clrMapOvr>
+    <a:masterClrMapping/>
+  </p:clrMapOvr>
+</p:sld>
+</file>
+
+<file path=ppt/slides/slide9.xml><?xml version="1.0" encoding="utf-8"?>
+<p:sld xmlns:a="http://schemas.openxmlformats.org/drawingml/2006/main" xmlns:r="http://schemas.openxmlformats.org/officeDocument/2006/relationships" xmlns:p="http://schemas.openxmlformats.org/presentationml/2006/main">
+  <p:cSld>
+    <p:spTree>
+      <p:nvGrpSpPr>
+        <p:cNvPr id="1" name=""/>
+        <p:cNvGrpSpPr/>
+        <p:nvPr/>
+      </p:nvGrpSpPr>
+      <p:grpSpPr>
+        <a:xfrm>
+          <a:off x="0" y="0"/>
+          <a:ext cx="0" cy="0"/>
+          <a:chOff x="0" y="0"/>
+          <a:chExt cx="0" cy="0"/>
+        </a:xfrm>
+      </p:grpSpPr>
+      <p:sp>
+        <p:nvSpPr>
+          <p:cNvPr id="2" name="Titel 1">
+            <a:extLst>
+              <a:ext uri="{FF2B5EF4-FFF2-40B4-BE49-F238E27FC236}">
+                <a16:creationId xmlns:a16="http://schemas.microsoft.com/office/drawing/2014/main" id="{FCCD4F07-5794-C3AD-0643-349A210C9BDF}"/>
+              </a:ext>
+            </a:extLst>
+          </p:cNvPr>
+          <p:cNvSpPr>
+            <a:spLocks noGrp="1"/>
+          </p:cNvSpPr>
+          <p:nvPr>
+            <p:ph type="ctrTitle"/>
+          </p:nvPr>
+        </p:nvSpPr>
+        <p:spPr>
+          <a:xfrm>
+            <a:off x="4762500" y="2647949"/>
+            <a:ext cx="2487156" cy="1039729"/>
+          </a:xfrm>
+        </p:spPr>
+        <p:txBody>
+          <a:bodyPr/>
+          <a:lstStyle/>
+          <a:p>
+            <a:r>
+              <a:rPr lang="nl-BE" sz="6600" dirty="0"/>
+              <a:t>EINDE</a:t>
+            </a:r>
+          </a:p>
+        </p:txBody>
+      </p:sp>
+      <p:sp>
+        <p:nvSpPr>
+          <p:cNvPr id="3" name="Ondertitel 2">
+            <a:extLst>
+              <a:ext uri="{FF2B5EF4-FFF2-40B4-BE49-F238E27FC236}">
+                <a16:creationId xmlns:a16="http://schemas.microsoft.com/office/drawing/2014/main" id="{A9420442-BFC4-97A9-5D77-67EDB3D86D71}"/>
+              </a:ext>
+            </a:extLst>
+          </p:cNvPr>
+          <p:cNvSpPr>
+            <a:spLocks noGrp="1"/>
+          </p:cNvSpPr>
+          <p:nvPr>
+            <p:ph type="subTitle" idx="1"/>
+          </p:nvPr>
+        </p:nvSpPr>
+        <p:spPr>
+          <a:xfrm>
+            <a:off x="4328547" y="3735471"/>
+            <a:ext cx="3534906" cy="381161"/>
+          </a:xfrm>
+        </p:spPr>
+        <p:txBody>
+          <a:bodyPr/>
+          <a:lstStyle/>
+          <a:p>
+            <a:r>
+              <a:rPr lang="nl-BE" dirty="0" err="1"/>
+              <a:t>Dankuwel</a:t>
+            </a:r>
+            <a:r>
+              <a:rPr lang="nl-BE" dirty="0"/>
+              <a:t> voor het luisteren</a:t>
+            </a:r>
+          </a:p>
+        </p:txBody>
+      </p:sp>
+    </p:spTree>
+    <p:extLst>
+      <p:ext uri="{BB962C8B-B14F-4D97-AF65-F5344CB8AC3E}">
+        <p14:creationId xmlns:p14="http://schemas.microsoft.com/office/powerpoint/2010/main" val="1245348075"/>
       </p:ext>
     </p:extLst>
   </p:cSld>

--- a/Groep-21_Presentatie.pptx
+++ b/Groep-21_Presentatie.pptx
@@ -7824,8 +7824,8 @@
         </p:nvSpPr>
         <p:spPr>
           <a:xfrm>
-            <a:off x="330200" y="4490920"/>
-            <a:ext cx="7943850" cy="1117687"/>
+            <a:off x="1803400" y="4503620"/>
+            <a:ext cx="9829800" cy="1117687"/>
           </a:xfrm>
         </p:spPr>
         <p:txBody>
@@ -7880,143 +7880,6 @@
               <a:t>IT-Industry Discovery</a:t>
             </a:r>
             <a:endParaRPr lang="nl-NL" sz="5400" dirty="0"/>
-          </a:p>
-        </p:txBody>
-      </p:sp>
-      <p:sp>
-        <p:nvSpPr>
-          <p:cNvPr id="5" name="Tekstvak 4">
-            <a:extLst>
-              <a:ext uri="{FF2B5EF4-FFF2-40B4-BE49-F238E27FC236}">
-                <a16:creationId xmlns:a16="http://schemas.microsoft.com/office/drawing/2014/main" id="{E1FFF543-A84C-6658-E626-55EAF9CA417B}"/>
-              </a:ext>
-            </a:extLst>
-          </p:cNvPr>
-          <p:cNvSpPr txBox="1"/>
-          <p:nvPr/>
-        </p:nvSpPr>
-        <p:spPr>
-          <a:xfrm>
-            <a:off x="9014847" y="4490920"/>
-            <a:ext cx="1771650" cy="1600438"/>
-          </a:xfrm>
-          <a:prstGeom prst="rect">
-            <a:avLst/>
-          </a:prstGeom>
-          <a:noFill/>
-        </p:spPr>
-        <p:txBody>
-          <a:bodyPr wrap="square" rtlCol="0">
-            <a:spAutoFit/>
-          </a:bodyPr>
-          <a:lstStyle/>
-          <a:p>
-            <a:r>
-              <a:rPr lang="en-US" sz="1400" dirty="0"/>
-              <a:t>Ben Blondeel</a:t>
-            </a:r>
-          </a:p>
-          <a:p>
-            <a:r>
-              <a:rPr lang="en-US" sz="1400" dirty="0"/>
-              <a:t>Joeri De Belder</a:t>
-            </a:r>
-          </a:p>
-          <a:p>
-            <a:r>
-              <a:rPr lang="en-US" sz="1400" dirty="0"/>
-              <a:t>Robby Gr</a:t>
-            </a:r>
-            <a:r>
-              <a:rPr lang="nl-NL" sz="1400" dirty="0"/>
-              <a:t>â</a:t>
-            </a:r>
-            <a:r>
-              <a:rPr lang="en-US" sz="1400" dirty="0" err="1"/>
-              <a:t>ces</a:t>
-            </a:r>
-            <a:endParaRPr lang="en-US" sz="1400" dirty="0"/>
-          </a:p>
-          <a:p>
-            <a:r>
-              <a:rPr lang="en-US" sz="1400" dirty="0"/>
-              <a:t>Volkert Brusche</a:t>
-            </a:r>
-          </a:p>
-          <a:p>
-            <a:r>
-              <a:rPr lang="en-US" sz="1400" dirty="0"/>
-              <a:t>Lowie Vandezande</a:t>
-            </a:r>
-          </a:p>
-          <a:p>
-            <a:r>
-              <a:rPr lang="en-US" sz="1400" dirty="0"/>
-              <a:t>Jef Vandezande</a:t>
-            </a:r>
-          </a:p>
-          <a:p>
-            <a:r>
-              <a:rPr lang="en-US" sz="1400" dirty="0"/>
-              <a:t>Arman Macuncu</a:t>
-            </a:r>
-          </a:p>
-        </p:txBody>
-      </p:sp>
-      <p:sp>
-        <p:nvSpPr>
-          <p:cNvPr id="6" name="Tekstvak 5">
-            <a:extLst>
-              <a:ext uri="{FF2B5EF4-FFF2-40B4-BE49-F238E27FC236}">
-                <a16:creationId xmlns:a16="http://schemas.microsoft.com/office/drawing/2014/main" id="{91146220-2080-1F79-3DA7-97EF38F260ED}"/>
-              </a:ext>
-            </a:extLst>
-          </p:cNvPr>
-          <p:cNvSpPr txBox="1"/>
-          <p:nvPr/>
-        </p:nvSpPr>
-        <p:spPr>
-          <a:xfrm>
-            <a:off x="10560050" y="4490920"/>
-            <a:ext cx="1631950" cy="738664"/>
-          </a:xfrm>
-          <a:prstGeom prst="rect">
-            <a:avLst/>
-          </a:prstGeom>
-          <a:noFill/>
-        </p:spPr>
-        <p:txBody>
-          <a:bodyPr wrap="square" rtlCol="0">
-            <a:spAutoFit/>
-          </a:bodyPr>
-          <a:lstStyle/>
-          <a:p>
-            <a:r>
-              <a:rPr lang="en-US" sz="1400" dirty="0" err="1"/>
-              <a:t>Bastiaan</a:t>
-            </a:r>
-            <a:r>
-              <a:rPr lang="en-US" sz="1400" dirty="0"/>
-              <a:t> </a:t>
-            </a:r>
-            <a:r>
-              <a:rPr lang="en-US" sz="1400" dirty="0" err="1"/>
-              <a:t>Aardema</a:t>
-            </a:r>
-            <a:endParaRPr lang="en-US" sz="1400" dirty="0"/>
-          </a:p>
-          <a:p>
-            <a:r>
-              <a:rPr lang="en-US" sz="1400" dirty="0" err="1"/>
-              <a:t>Gis</a:t>
-            </a:r>
-            <a:endParaRPr lang="en-US" sz="1400" dirty="0"/>
-          </a:p>
-          <a:p>
-            <a:r>
-              <a:rPr lang="en-US" sz="1400" dirty="0"/>
-              <a:t>Abe</a:t>
-            </a:r>
           </a:p>
         </p:txBody>
       </p:sp>
@@ -8540,6 +8403,213 @@
           </a:prstGeom>
         </p:spPr>
       </p:pic>
+      <p:pic>
+        <p:nvPicPr>
+          <p:cNvPr id="20" name="Afbeelding 19" descr="Afbeelding met tekst&#10;&#10;Automatisch gegenereerde beschrijving">
+            <a:extLst>
+              <a:ext uri="{FF2B5EF4-FFF2-40B4-BE49-F238E27FC236}">
+                <a16:creationId xmlns:a16="http://schemas.microsoft.com/office/drawing/2014/main" id="{2067BFC4-FB7D-1EB0-B299-CE4EA057792A}"/>
+              </a:ext>
+            </a:extLst>
+          </p:cNvPr>
+          <p:cNvPicPr>
+            <a:picLocks noChangeAspect="1"/>
+          </p:cNvPicPr>
+          <p:nvPr/>
+        </p:nvPicPr>
+        <p:blipFill>
+          <a:blip r:embed="rId3">
+            <a:extLst>
+              <a:ext uri="{BEBA8EAE-BF5A-486C-A8C5-ECC9F3942E4B}">
+                <a14:imgProps xmlns:a14="http://schemas.microsoft.com/office/drawing/2010/main">
+                  <a14:imgLayer r:embed="rId4">
+                    <a14:imgEffect>
+                      <a14:brightnessContrast bright="-20000" contrast="40000"/>
+                    </a14:imgEffect>
+                  </a14:imgLayer>
+                </a14:imgProps>
+              </a:ext>
+              <a:ext uri="{28A0092B-C50C-407E-A947-70E740481C1C}">
+                <a14:useLocalDpi xmlns:a14="http://schemas.microsoft.com/office/drawing/2010/main" val="0"/>
+              </a:ext>
+            </a:extLst>
+          </a:blip>
+          <a:stretch>
+            <a:fillRect/>
+          </a:stretch>
+        </p:blipFill>
+        <p:spPr>
+          <a:xfrm>
+            <a:off x="8474896" y="2652129"/>
+            <a:ext cx="3938489" cy="1689371"/>
+          </a:xfrm>
+          <a:prstGeom prst="rect">
+            <a:avLst/>
+          </a:prstGeom>
+        </p:spPr>
+      </p:pic>
+      <p:pic>
+        <p:nvPicPr>
+          <p:cNvPr id="21" name="Afbeelding 20">
+            <a:extLst>
+              <a:ext uri="{FF2B5EF4-FFF2-40B4-BE49-F238E27FC236}">
+                <a16:creationId xmlns:a16="http://schemas.microsoft.com/office/drawing/2014/main" id="{92DF41BE-E8AE-BA8F-C5E9-D4FD948C4674}"/>
+              </a:ext>
+            </a:extLst>
+          </p:cNvPr>
+          <p:cNvPicPr>
+            <a:picLocks noChangeAspect="1"/>
+          </p:cNvPicPr>
+          <p:nvPr/>
+        </p:nvPicPr>
+        <p:blipFill>
+          <a:blip r:embed="rId5">
+            <a:extLst>
+              <a:ext uri="{BEBA8EAE-BF5A-486C-A8C5-ECC9F3942E4B}">
+                <a14:imgProps xmlns:a14="http://schemas.microsoft.com/office/drawing/2010/main">
+                  <a14:imgLayer r:embed="rId6">
+                    <a14:imgEffect>
+                      <a14:brightnessContrast bright="-40000" contrast="40000"/>
+                    </a14:imgEffect>
+                  </a14:imgLayer>
+                </a14:imgProps>
+              </a:ext>
+              <a:ext uri="{28A0092B-C50C-407E-A947-70E740481C1C}">
+                <a14:useLocalDpi xmlns:a14="http://schemas.microsoft.com/office/drawing/2010/main" val="0"/>
+              </a:ext>
+            </a:extLst>
+          </a:blip>
+          <a:stretch>
+            <a:fillRect/>
+          </a:stretch>
+        </p:blipFill>
+        <p:spPr>
+          <a:xfrm>
+            <a:off x="9489080" y="2228340"/>
+            <a:ext cx="1765955" cy="615529"/>
+          </a:xfrm>
+          <a:prstGeom prst="rect">
+            <a:avLst/>
+          </a:prstGeom>
+        </p:spPr>
+      </p:pic>
+      <p:pic>
+        <p:nvPicPr>
+          <p:cNvPr id="22" name="Afbeelding 21">
+            <a:extLst>
+              <a:ext uri="{FF2B5EF4-FFF2-40B4-BE49-F238E27FC236}">
+                <a16:creationId xmlns:a16="http://schemas.microsoft.com/office/drawing/2014/main" id="{661AEC89-6121-486B-A755-9A8D9EE5FD23}"/>
+              </a:ext>
+            </a:extLst>
+          </p:cNvPr>
+          <p:cNvPicPr>
+            <a:picLocks noChangeAspect="1"/>
+          </p:cNvPicPr>
+          <p:nvPr/>
+        </p:nvPicPr>
+        <p:blipFill>
+          <a:blip r:embed="rId7">
+            <a:extLst>
+              <a:ext uri="{28A0092B-C50C-407E-A947-70E740481C1C}">
+                <a14:useLocalDpi xmlns:a14="http://schemas.microsoft.com/office/drawing/2010/main" val="0"/>
+              </a:ext>
+            </a:extLst>
+          </a:blip>
+          <a:stretch>
+            <a:fillRect/>
+          </a:stretch>
+        </p:blipFill>
+        <p:spPr>
+          <a:xfrm>
+            <a:off x="8680727" y="4216672"/>
+            <a:ext cx="3226909" cy="597345"/>
+          </a:xfrm>
+          <a:prstGeom prst="rect">
+            <a:avLst/>
+          </a:prstGeom>
+        </p:spPr>
+      </p:pic>
+      <p:pic>
+        <p:nvPicPr>
+          <p:cNvPr id="24" name="Afbeelding 23" descr="Afbeelding met tekst&#10;&#10;Automatisch gegenereerde beschrijving">
+            <a:extLst>
+              <a:ext uri="{FF2B5EF4-FFF2-40B4-BE49-F238E27FC236}">
+                <a16:creationId xmlns:a16="http://schemas.microsoft.com/office/drawing/2014/main" id="{94EE60E0-7F1C-60A5-3A3B-BFC801391BA6}"/>
+              </a:ext>
+            </a:extLst>
+          </p:cNvPr>
+          <p:cNvPicPr>
+            <a:picLocks noChangeAspect="1"/>
+          </p:cNvPicPr>
+          <p:nvPr/>
+        </p:nvPicPr>
+        <p:blipFill>
+          <a:blip r:embed="rId8">
+            <a:extLst>
+              <a:ext uri="{28A0092B-C50C-407E-A947-70E740481C1C}">
+                <a14:useLocalDpi xmlns:a14="http://schemas.microsoft.com/office/drawing/2010/main" val="0"/>
+              </a:ext>
+            </a:extLst>
+          </a:blip>
+          <a:stretch>
+            <a:fillRect/>
+          </a:stretch>
+        </p:blipFill>
+        <p:spPr>
+          <a:xfrm>
+            <a:off x="8539825" y="4905121"/>
+            <a:ext cx="3508714" cy="738016"/>
+          </a:xfrm>
+          <a:prstGeom prst="rect">
+            <a:avLst/>
+          </a:prstGeom>
+        </p:spPr>
+      </p:pic>
+      <p:pic>
+        <p:nvPicPr>
+          <p:cNvPr id="25" name="Afbeelding 24" descr="Afbeelding met tekst, teken&#10;&#10;Automatisch gegenereerde beschrijving">
+            <a:extLst>
+              <a:ext uri="{FF2B5EF4-FFF2-40B4-BE49-F238E27FC236}">
+                <a16:creationId xmlns:a16="http://schemas.microsoft.com/office/drawing/2014/main" id="{B52BCB4B-3612-E511-FD10-6C62577F2CB4}"/>
+              </a:ext>
+            </a:extLst>
+          </p:cNvPr>
+          <p:cNvPicPr>
+            <a:picLocks noChangeAspect="1"/>
+          </p:cNvPicPr>
+          <p:nvPr/>
+        </p:nvPicPr>
+        <p:blipFill>
+          <a:blip r:embed="rId9">
+            <a:extLst>
+              <a:ext uri="{BEBA8EAE-BF5A-486C-A8C5-ECC9F3942E4B}">
+                <a14:imgProps xmlns:a14="http://schemas.microsoft.com/office/drawing/2010/main">
+                  <a14:imgLayer r:embed="rId10">
+                    <a14:imgEffect>
+                      <a14:brightnessContrast contrast="40000"/>
+                    </a14:imgEffect>
+                  </a14:imgLayer>
+                </a14:imgProps>
+              </a:ext>
+              <a:ext uri="{28A0092B-C50C-407E-A947-70E740481C1C}">
+                <a14:useLocalDpi xmlns:a14="http://schemas.microsoft.com/office/drawing/2010/main" val="0"/>
+              </a:ext>
+            </a:extLst>
+          </a:blip>
+          <a:stretch>
+            <a:fillRect/>
+          </a:stretch>
+        </p:blipFill>
+        <p:spPr>
+          <a:xfrm>
+            <a:off x="8956674" y="5795963"/>
+            <a:ext cx="3101975" cy="828675"/>
+          </a:xfrm>
+          <a:prstGeom prst="rect">
+            <a:avLst/>
+          </a:prstGeom>
+        </p:spPr>
+      </p:pic>
     </p:spTree>
     <p:extLst>
       <p:ext uri="{BB962C8B-B14F-4D97-AF65-F5344CB8AC3E}">
@@ -8614,11 +8684,74 @@
             <p:ph idx="1"/>
           </p:nvPr>
         </p:nvSpPr>
-        <p:spPr/>
+        <p:spPr>
+          <a:xfrm>
+            <a:off x="4302617" y="2489273"/>
+            <a:ext cx="5897447" cy="3599316"/>
+          </a:xfrm>
+        </p:spPr>
         <p:txBody>
           <a:bodyPr/>
           <a:lstStyle/>
           <a:p>
+            <a:r>
+              <a:rPr lang="nl-BE" dirty="0"/>
+              <a:t>Titels</a:t>
+            </a:r>
+          </a:p>
+          <a:p>
+            <a:pPr lvl="1"/>
+            <a:r>
+              <a:rPr lang="nl-BE" dirty="0"/>
+              <a:t>Web Developer</a:t>
+            </a:r>
+          </a:p>
+          <a:p>
+            <a:pPr lvl="1"/>
+            <a:r>
+              <a:rPr lang="nl-BE" dirty="0"/>
+              <a:t>Java Developer</a:t>
+            </a:r>
+          </a:p>
+          <a:p>
+            <a:pPr lvl="1"/>
+            <a:r>
+              <a:rPr lang="nl-BE" dirty="0"/>
+              <a:t>Solution IT Architect</a:t>
+            </a:r>
+          </a:p>
+          <a:p>
+            <a:pPr lvl="1"/>
+            <a:r>
+              <a:rPr lang="nl-BE" dirty="0"/>
+              <a:t>Business Development Manager in AI</a:t>
+            </a:r>
+          </a:p>
+          <a:p>
+            <a:pPr lvl="1"/>
+            <a:r>
+              <a:rPr lang="nl-BE" dirty="0"/>
+              <a:t>.NET Developer</a:t>
+            </a:r>
+          </a:p>
+          <a:p>
+            <a:pPr lvl="1"/>
+            <a:r>
+              <a:rPr lang="nl-BE" dirty="0"/>
+              <a:t>FPM/UI5 Developer</a:t>
+            </a:r>
+          </a:p>
+          <a:p>
+            <a:pPr lvl="1"/>
+            <a:r>
+              <a:rPr lang="nl-BE" dirty="0"/>
+              <a:t>Project Manager</a:t>
+            </a:r>
+          </a:p>
+          <a:p>
+            <a:pPr marL="457200" lvl="1" indent="0">
+              <a:buNone/>
+            </a:pPr>
             <a:endParaRPr lang="nl-BE" dirty="0"/>
           </a:p>
         </p:txBody>
@@ -8653,6 +8786,329 @@
           <a:xfrm>
             <a:off x="10756158" y="647699"/>
             <a:ext cx="1302491" cy="1302491"/>
+          </a:xfrm>
+          <a:prstGeom prst="rect">
+            <a:avLst/>
+          </a:prstGeom>
+        </p:spPr>
+      </p:pic>
+      <p:sp>
+        <p:nvSpPr>
+          <p:cNvPr id="4" name="Tijdelijke aanduiding voor inhoud 2">
+            <a:extLst>
+              <a:ext uri="{FF2B5EF4-FFF2-40B4-BE49-F238E27FC236}">
+                <a16:creationId xmlns:a16="http://schemas.microsoft.com/office/drawing/2014/main" id="{5DFC6549-2A15-BE05-CBD6-D8578CCAA781}"/>
+              </a:ext>
+            </a:extLst>
+          </p:cNvPr>
+          <p:cNvSpPr txBox="1">
+            <a:spLocks/>
+          </p:cNvSpPr>
+          <p:nvPr/>
+        </p:nvSpPr>
+        <p:spPr>
+          <a:xfrm>
+            <a:off x="832721" y="2489273"/>
+            <a:ext cx="4660029" cy="3599316"/>
+          </a:xfrm>
+          <a:prstGeom prst="rect">
+            <a:avLst/>
+          </a:prstGeom>
+        </p:spPr>
+        <p:txBody>
+          <a:bodyPr vert="horz" lIns="91440" tIns="45720" rIns="91440" bIns="45720" rtlCol="0">
+            <a:normAutofit/>
+          </a:bodyPr>
+          <a:lstStyle>
+            <a:lvl1pPr marL="228600" indent="-228600" algn="l" defTabSz="914400" rtl="0" eaLnBrk="1" latinLnBrk="0" hangingPunct="1">
+              <a:lnSpc>
+                <a:spcPct val="90000"/>
+              </a:lnSpc>
+              <a:spcBef>
+                <a:spcPts val="1000"/>
+              </a:spcBef>
+              <a:buFont typeface="Arial" panose="020B0604020202020204" pitchFamily="34" charset="0"/>
+              <a:buChar char="•"/>
+              <a:defRPr sz="2400" kern="1200">
+                <a:solidFill>
+                  <a:schemeClr val="tx1"/>
+                </a:solidFill>
+                <a:latin typeface="+mn-lt"/>
+                <a:ea typeface="+mn-ea"/>
+                <a:cs typeface="+mn-cs"/>
+              </a:defRPr>
+            </a:lvl1pPr>
+            <a:lvl2pPr marL="685800" indent="-228600" algn="l" defTabSz="914400" rtl="0" eaLnBrk="1" latinLnBrk="0" hangingPunct="1">
+              <a:lnSpc>
+                <a:spcPct val="90000"/>
+              </a:lnSpc>
+              <a:spcBef>
+                <a:spcPts val="500"/>
+              </a:spcBef>
+              <a:buFont typeface="Arial" panose="020B0604020202020204" pitchFamily="34" charset="0"/>
+              <a:buChar char="•"/>
+              <a:defRPr sz="2000" kern="1200">
+                <a:solidFill>
+                  <a:schemeClr val="tx1"/>
+                </a:solidFill>
+                <a:latin typeface="+mn-lt"/>
+                <a:ea typeface="+mn-ea"/>
+                <a:cs typeface="+mn-cs"/>
+              </a:defRPr>
+            </a:lvl2pPr>
+            <a:lvl3pPr marL="1143000" indent="-228600" algn="l" defTabSz="914400" rtl="0" eaLnBrk="1" latinLnBrk="0" hangingPunct="1">
+              <a:lnSpc>
+                <a:spcPct val="90000"/>
+              </a:lnSpc>
+              <a:spcBef>
+                <a:spcPts val="500"/>
+              </a:spcBef>
+              <a:buFont typeface="Arial" panose="020B0604020202020204" pitchFamily="34" charset="0"/>
+              <a:buChar char="•"/>
+              <a:defRPr sz="1800" kern="1200">
+                <a:solidFill>
+                  <a:schemeClr val="tx1"/>
+                </a:solidFill>
+                <a:latin typeface="+mn-lt"/>
+                <a:ea typeface="+mn-ea"/>
+                <a:cs typeface="+mn-cs"/>
+              </a:defRPr>
+            </a:lvl3pPr>
+            <a:lvl4pPr marL="1600200" indent="-228600" algn="l" defTabSz="914400" rtl="0" eaLnBrk="1" latinLnBrk="0" hangingPunct="1">
+              <a:lnSpc>
+                <a:spcPct val="90000"/>
+              </a:lnSpc>
+              <a:spcBef>
+                <a:spcPts val="500"/>
+              </a:spcBef>
+              <a:buFont typeface="Arial" panose="020B0604020202020204" pitchFamily="34" charset="0"/>
+              <a:buChar char="•"/>
+              <a:defRPr sz="1600" kern="1200">
+                <a:solidFill>
+                  <a:schemeClr val="tx1"/>
+                </a:solidFill>
+                <a:latin typeface="+mn-lt"/>
+                <a:ea typeface="+mn-ea"/>
+                <a:cs typeface="+mn-cs"/>
+              </a:defRPr>
+            </a:lvl4pPr>
+            <a:lvl5pPr marL="2057400" indent="-228600" algn="l" defTabSz="914400" rtl="0" eaLnBrk="1" latinLnBrk="0" hangingPunct="1">
+              <a:lnSpc>
+                <a:spcPct val="90000"/>
+              </a:lnSpc>
+              <a:spcBef>
+                <a:spcPts val="500"/>
+              </a:spcBef>
+              <a:buFont typeface="Arial" panose="020B0604020202020204" pitchFamily="34" charset="0"/>
+              <a:buChar char="•"/>
+              <a:defRPr sz="1600" kern="1200">
+                <a:solidFill>
+                  <a:schemeClr val="tx1"/>
+                </a:solidFill>
+                <a:latin typeface="+mn-lt"/>
+                <a:ea typeface="+mn-ea"/>
+                <a:cs typeface="+mn-cs"/>
+              </a:defRPr>
+            </a:lvl5pPr>
+            <a:lvl6pPr marL="2514600" indent="-228600" algn="l" defTabSz="914400" rtl="0" eaLnBrk="1" latinLnBrk="0" hangingPunct="1">
+              <a:lnSpc>
+                <a:spcPct val="90000"/>
+              </a:lnSpc>
+              <a:spcBef>
+                <a:spcPts val="500"/>
+              </a:spcBef>
+              <a:buFont typeface="Arial" panose="020B0604020202020204" pitchFamily="34" charset="0"/>
+              <a:buChar char="•"/>
+              <a:defRPr sz="1400" kern="1200">
+                <a:solidFill>
+                  <a:schemeClr val="tx1"/>
+                </a:solidFill>
+                <a:latin typeface="+mn-lt"/>
+                <a:ea typeface="+mn-ea"/>
+                <a:cs typeface="+mn-cs"/>
+              </a:defRPr>
+            </a:lvl6pPr>
+            <a:lvl7pPr marL="2971800" indent="-228600" algn="l" defTabSz="914400" rtl="0" eaLnBrk="1" latinLnBrk="0" hangingPunct="1">
+              <a:lnSpc>
+                <a:spcPct val="90000"/>
+              </a:lnSpc>
+              <a:spcBef>
+                <a:spcPts val="500"/>
+              </a:spcBef>
+              <a:buFont typeface="Arial" panose="020B0604020202020204" pitchFamily="34" charset="0"/>
+              <a:buChar char="•"/>
+              <a:defRPr sz="1400" kern="1200">
+                <a:solidFill>
+                  <a:schemeClr val="tx1"/>
+                </a:solidFill>
+                <a:latin typeface="+mn-lt"/>
+                <a:ea typeface="+mn-ea"/>
+                <a:cs typeface="+mn-cs"/>
+              </a:defRPr>
+            </a:lvl7pPr>
+            <a:lvl8pPr marL="3429000" indent="-228600" algn="l" defTabSz="914400" rtl="0" eaLnBrk="1" latinLnBrk="0" hangingPunct="1">
+              <a:lnSpc>
+                <a:spcPct val="90000"/>
+              </a:lnSpc>
+              <a:spcBef>
+                <a:spcPts val="500"/>
+              </a:spcBef>
+              <a:buFont typeface="Arial" panose="020B0604020202020204" pitchFamily="34" charset="0"/>
+              <a:buChar char="•"/>
+              <a:defRPr sz="1400" kern="1200">
+                <a:solidFill>
+                  <a:schemeClr val="tx1"/>
+                </a:solidFill>
+                <a:latin typeface="+mn-lt"/>
+                <a:ea typeface="+mn-ea"/>
+                <a:cs typeface="+mn-cs"/>
+              </a:defRPr>
+            </a:lvl8pPr>
+            <a:lvl9pPr marL="3886200" indent="-228600" algn="l" defTabSz="914400" rtl="0" eaLnBrk="1" latinLnBrk="0" hangingPunct="1">
+              <a:lnSpc>
+                <a:spcPct val="90000"/>
+              </a:lnSpc>
+              <a:spcBef>
+                <a:spcPts val="500"/>
+              </a:spcBef>
+              <a:buFont typeface="Arial" panose="020B0604020202020204" pitchFamily="34" charset="0"/>
+              <a:buChar char="•"/>
+              <a:defRPr sz="1400" kern="1200">
+                <a:solidFill>
+                  <a:schemeClr val="tx1"/>
+                </a:solidFill>
+                <a:latin typeface="+mn-lt"/>
+                <a:ea typeface="+mn-ea"/>
+                <a:cs typeface="+mn-cs"/>
+              </a:defRPr>
+            </a:lvl9pPr>
+          </a:lstStyle>
+          <a:p>
+            <a:r>
+              <a:rPr lang="nl-BE"/>
+              <a:t>Bedrijven</a:t>
+            </a:r>
+          </a:p>
+          <a:p>
+            <a:pPr lvl="1"/>
+            <a:r>
+              <a:rPr lang="nl-BE"/>
+              <a:t>Cegeka</a:t>
+            </a:r>
+          </a:p>
+          <a:p>
+            <a:pPr lvl="1"/>
+            <a:r>
+              <a:rPr lang="nl-BE"/>
+              <a:t>ICTS KU Leuven</a:t>
+            </a:r>
+          </a:p>
+          <a:p>
+            <a:pPr lvl="1"/>
+            <a:r>
+              <a:rPr lang="nl-BE"/>
+              <a:t>KBC</a:t>
+            </a:r>
+          </a:p>
+          <a:p>
+            <a:pPr lvl="1"/>
+            <a:r>
+              <a:rPr lang="nl-BE"/>
+              <a:t>Colruyt Group</a:t>
+            </a:r>
+          </a:p>
+          <a:p>
+            <a:pPr lvl="1"/>
+            <a:r>
+              <a:rPr lang="nl-BE"/>
+              <a:t>Vlaamse Overheid</a:t>
+            </a:r>
+          </a:p>
+          <a:p>
+            <a:pPr lvl="1"/>
+            <a:r>
+              <a:rPr lang="nl-BE"/>
+              <a:t>Team4Talent</a:t>
+            </a:r>
+            <a:endParaRPr lang="nl-BE" dirty="0"/>
+          </a:p>
+        </p:txBody>
+      </p:sp>
+      <p:pic>
+        <p:nvPicPr>
+          <p:cNvPr id="6" name="Afbeelding 5" descr="Afbeelding met tekst&#10;&#10;Automatisch gegenereerde beschrijving">
+            <a:extLst>
+              <a:ext uri="{FF2B5EF4-FFF2-40B4-BE49-F238E27FC236}">
+                <a16:creationId xmlns:a16="http://schemas.microsoft.com/office/drawing/2014/main" id="{38B588C7-3274-AC62-8051-B604E1ED8D1A}"/>
+              </a:ext>
+            </a:extLst>
+          </p:cNvPr>
+          <p:cNvPicPr>
+            <a:picLocks noChangeAspect="1"/>
+          </p:cNvPicPr>
+          <p:nvPr/>
+        </p:nvPicPr>
+        <p:blipFill>
+          <a:blip r:embed="rId3">
+            <a:extLst>
+              <a:ext uri="{28A0092B-C50C-407E-A947-70E740481C1C}">
+                <a14:useLocalDpi xmlns:a14="http://schemas.microsoft.com/office/drawing/2010/main" val="0"/>
+              </a:ext>
+            </a:extLst>
+          </a:blip>
+          <a:stretch>
+            <a:fillRect/>
+          </a:stretch>
+        </p:blipFill>
+        <p:spPr>
+          <a:xfrm>
+            <a:off x="9011257" y="4690723"/>
+            <a:ext cx="2571986" cy="1278277"/>
+          </a:xfrm>
+          <a:prstGeom prst="rect">
+            <a:avLst/>
+          </a:prstGeom>
+        </p:spPr>
+      </p:pic>
+      <p:pic>
+        <p:nvPicPr>
+          <p:cNvPr id="7" name="Afbeelding 6" descr="Afbeelding met tekst&#10;&#10;Automatisch gegenereerde beschrijving">
+            <a:extLst>
+              <a:ext uri="{FF2B5EF4-FFF2-40B4-BE49-F238E27FC236}">
+                <a16:creationId xmlns:a16="http://schemas.microsoft.com/office/drawing/2014/main" id="{3D4D092B-F51E-DB3D-B5A8-A3210E0B8572}"/>
+              </a:ext>
+            </a:extLst>
+          </p:cNvPr>
+          <p:cNvPicPr>
+            <a:picLocks noChangeAspect="1"/>
+          </p:cNvPicPr>
+          <p:nvPr/>
+        </p:nvPicPr>
+        <p:blipFill>
+          <a:blip r:embed="rId4">
+            <a:extLst>
+              <a:ext uri="{BEBA8EAE-BF5A-486C-A8C5-ECC9F3942E4B}">
+                <a14:imgProps xmlns:a14="http://schemas.microsoft.com/office/drawing/2010/main">
+                  <a14:imgLayer r:embed="rId5">
+                    <a14:imgEffect>
+                      <a14:brightnessContrast bright="-40000" contrast="40000"/>
+                    </a14:imgEffect>
+                  </a14:imgLayer>
+                </a14:imgProps>
+              </a:ext>
+              <a:ext uri="{28A0092B-C50C-407E-A947-70E740481C1C}">
+                <a14:useLocalDpi xmlns:a14="http://schemas.microsoft.com/office/drawing/2010/main" val="0"/>
+              </a:ext>
+            </a:extLst>
+          </a:blip>
+          <a:stretch>
+            <a:fillRect/>
+          </a:stretch>
+        </p:blipFill>
+        <p:spPr>
+          <a:xfrm>
+            <a:off x="9011257" y="2637048"/>
+            <a:ext cx="2565849" cy="1159233"/>
           </a:xfrm>
           <a:prstGeom prst="rect">
             <a:avLst/>
@@ -9145,7 +9601,7 @@
           <a:lstStyle/>
           <a:p>
             <a:r>
-              <a:rPr lang="nl-BE" sz="6600" dirty="0"/>
+              <a:rPr lang="nl-BE" dirty="0"/>
               <a:t>EINDE</a:t>
             </a:r>
           </a:p>
@@ -9184,6 +9640,143 @@
             <a:r>
               <a:rPr lang="nl-BE" dirty="0"/>
               <a:t> voor het luisteren</a:t>
+            </a:r>
+          </a:p>
+        </p:txBody>
+      </p:sp>
+      <p:sp>
+        <p:nvSpPr>
+          <p:cNvPr id="4" name="Tekstvak 3">
+            <a:extLst>
+              <a:ext uri="{FF2B5EF4-FFF2-40B4-BE49-F238E27FC236}">
+                <a16:creationId xmlns:a16="http://schemas.microsoft.com/office/drawing/2014/main" id="{ECD09D1E-11D6-8030-4CDD-888E233081A5}"/>
+              </a:ext>
+            </a:extLst>
+          </p:cNvPr>
+          <p:cNvSpPr txBox="1"/>
+          <p:nvPr/>
+        </p:nvSpPr>
+        <p:spPr>
+          <a:xfrm>
+            <a:off x="9097397" y="2647949"/>
+            <a:ext cx="1771650" cy="1600438"/>
+          </a:xfrm>
+          <a:prstGeom prst="rect">
+            <a:avLst/>
+          </a:prstGeom>
+          <a:noFill/>
+        </p:spPr>
+        <p:txBody>
+          <a:bodyPr wrap="square" rtlCol="0">
+            <a:spAutoFit/>
+          </a:bodyPr>
+          <a:lstStyle/>
+          <a:p>
+            <a:r>
+              <a:rPr lang="en-US" sz="1400" dirty="0"/>
+              <a:t>Ben Blondeel</a:t>
+            </a:r>
+          </a:p>
+          <a:p>
+            <a:r>
+              <a:rPr lang="en-US" sz="1400" dirty="0"/>
+              <a:t>Joeri De Belder</a:t>
+            </a:r>
+          </a:p>
+          <a:p>
+            <a:r>
+              <a:rPr lang="en-US" sz="1400" dirty="0"/>
+              <a:t>Robby Gr</a:t>
+            </a:r>
+            <a:r>
+              <a:rPr lang="nl-NL" sz="1400" dirty="0"/>
+              <a:t>â</a:t>
+            </a:r>
+            <a:r>
+              <a:rPr lang="en-US" sz="1400" dirty="0" err="1"/>
+              <a:t>ces</a:t>
+            </a:r>
+            <a:endParaRPr lang="en-US" sz="1400" dirty="0"/>
+          </a:p>
+          <a:p>
+            <a:r>
+              <a:rPr lang="en-US" sz="1400" dirty="0"/>
+              <a:t>Volkert Brusche</a:t>
+            </a:r>
+          </a:p>
+          <a:p>
+            <a:r>
+              <a:rPr lang="en-US" sz="1400" dirty="0"/>
+              <a:t>Lowie Vandezande</a:t>
+            </a:r>
+          </a:p>
+          <a:p>
+            <a:r>
+              <a:rPr lang="en-US" sz="1400" dirty="0"/>
+              <a:t>Jef Vandezande</a:t>
+            </a:r>
+          </a:p>
+          <a:p>
+            <a:r>
+              <a:rPr lang="en-US" sz="1400" dirty="0"/>
+              <a:t>Arman Macuncu</a:t>
+            </a:r>
+          </a:p>
+        </p:txBody>
+      </p:sp>
+      <p:sp>
+        <p:nvSpPr>
+          <p:cNvPr id="5" name="Tekstvak 4">
+            <a:extLst>
+              <a:ext uri="{FF2B5EF4-FFF2-40B4-BE49-F238E27FC236}">
+                <a16:creationId xmlns:a16="http://schemas.microsoft.com/office/drawing/2014/main" id="{4B9EBD72-8C6A-ED5D-6E86-520FF75039A0}"/>
+              </a:ext>
+            </a:extLst>
+          </p:cNvPr>
+          <p:cNvSpPr txBox="1"/>
+          <p:nvPr/>
+        </p:nvSpPr>
+        <p:spPr>
+          <a:xfrm>
+            <a:off x="10642600" y="2647949"/>
+            <a:ext cx="1631950" cy="738664"/>
+          </a:xfrm>
+          <a:prstGeom prst="rect">
+            <a:avLst/>
+          </a:prstGeom>
+          <a:noFill/>
+        </p:spPr>
+        <p:txBody>
+          <a:bodyPr wrap="square" rtlCol="0">
+            <a:spAutoFit/>
+          </a:bodyPr>
+          <a:lstStyle/>
+          <a:p>
+            <a:r>
+              <a:rPr lang="en-US" sz="1400" dirty="0" err="1"/>
+              <a:t>Bastiaan</a:t>
+            </a:r>
+            <a:r>
+              <a:rPr lang="en-US" sz="1400" dirty="0"/>
+              <a:t> </a:t>
+            </a:r>
+            <a:r>
+              <a:rPr lang="en-US" sz="1400" dirty="0" err="1"/>
+              <a:t>Aardema</a:t>
+            </a:r>
+            <a:endParaRPr lang="en-US" sz="1400" dirty="0"/>
+          </a:p>
+          <a:p>
+            <a:r>
+              <a:rPr lang="en-US" sz="1400" dirty="0" err="1"/>
+              <a:t>Gis</a:t>
+            </a:r>
+            <a:endParaRPr lang="en-US" sz="1400" dirty="0"/>
+          </a:p>
+          <a:p>
+            <a:r>
+              <a:rPr lang="en-US" sz="1400" dirty="0"/>
+              <a:t>Abe</a:t>
             </a:r>
           </a:p>
         </p:txBody>

--- a/Groep-21_Presentatie.pptx
+++ b/Groep-21_Presentatie.pptx
@@ -394,7 +394,7 @@
           <a:p>
             <a:fld id="{6D86DAEC-DC0F-4D08-909B-E4E2116F45D8}" type="datetimeFigureOut">
               <a:rPr lang="en-BE" smtClean="0"/>
-              <a:t>04/21/2023</a:t>
+              <a:t>04/23/2023</a:t>
             </a:fld>
             <a:endParaRPr lang="en-BE"/>
           </a:p>
@@ -808,7 +808,7 @@
           <a:p>
             <a:fld id="{6D86DAEC-DC0F-4D08-909B-E4E2116F45D8}" type="datetimeFigureOut">
               <a:rPr lang="en-BE" smtClean="0"/>
-              <a:t>04/21/2023</a:t>
+              <a:t>04/23/2023</a:t>
             </a:fld>
             <a:endParaRPr lang="en-BE"/>
           </a:p>
@@ -1144,7 +1144,7 @@
           <a:p>
             <a:fld id="{6D86DAEC-DC0F-4D08-909B-E4E2116F45D8}" type="datetimeFigureOut">
               <a:rPr lang="en-BE" smtClean="0"/>
-              <a:t>04/21/2023</a:t>
+              <a:t>04/23/2023</a:t>
             </a:fld>
             <a:endParaRPr lang="en-BE"/>
           </a:p>
@@ -1549,7 +1549,7 @@
           <a:p>
             <a:fld id="{6D86DAEC-DC0F-4D08-909B-E4E2116F45D8}" type="datetimeFigureOut">
               <a:rPr lang="en-BE" smtClean="0"/>
-              <a:t>04/21/2023</a:t>
+              <a:t>04/23/2023</a:t>
             </a:fld>
             <a:endParaRPr lang="en-BE"/>
           </a:p>
@@ -2117,7 +2117,7 @@
           <a:p>
             <a:fld id="{6D86DAEC-DC0F-4D08-909B-E4E2116F45D8}" type="datetimeFigureOut">
               <a:rPr lang="en-BE" smtClean="0"/>
-              <a:t>04/21/2023</a:t>
+              <a:t>04/23/2023</a:t>
             </a:fld>
             <a:endParaRPr lang="en-BE"/>
           </a:p>
@@ -2798,7 +2798,7 @@
           <a:p>
             <a:fld id="{6D86DAEC-DC0F-4D08-909B-E4E2116F45D8}" type="datetimeFigureOut">
               <a:rPr lang="en-BE" smtClean="0"/>
-              <a:t>04/21/2023</a:t>
+              <a:t>04/23/2023</a:t>
             </a:fld>
             <a:endParaRPr lang="en-BE"/>
           </a:p>
@@ -3711,7 +3711,7 @@
           <a:p>
             <a:fld id="{6D86DAEC-DC0F-4D08-909B-E4E2116F45D8}" type="datetimeFigureOut">
               <a:rPr lang="en-BE" smtClean="0"/>
-              <a:t>04/21/2023</a:t>
+              <a:t>04/23/2023</a:t>
             </a:fld>
             <a:endParaRPr lang="en-BE"/>
           </a:p>
@@ -4024,7 +4024,7 @@
           <a:p>
             <a:fld id="{6D86DAEC-DC0F-4D08-909B-E4E2116F45D8}" type="datetimeFigureOut">
               <a:rPr lang="en-BE" smtClean="0"/>
-              <a:t>04/21/2023</a:t>
+              <a:t>04/23/2023</a:t>
             </a:fld>
             <a:endParaRPr lang="en-BE"/>
           </a:p>
@@ -4288,7 +4288,7 @@
           <a:p>
             <a:fld id="{6D86DAEC-DC0F-4D08-909B-E4E2116F45D8}" type="datetimeFigureOut">
               <a:rPr lang="en-BE" smtClean="0"/>
-              <a:t>04/21/2023</a:t>
+              <a:t>04/23/2023</a:t>
             </a:fld>
             <a:endParaRPr lang="en-BE"/>
           </a:p>
@@ -4611,7 +4611,7 @@
           <a:p>
             <a:fld id="{6D86DAEC-DC0F-4D08-909B-E4E2116F45D8}" type="datetimeFigureOut">
               <a:rPr lang="en-BE" smtClean="0"/>
-              <a:t>04/21/2023</a:t>
+              <a:t>04/23/2023</a:t>
             </a:fld>
             <a:endParaRPr lang="en-BE"/>
           </a:p>
@@ -5000,7 +5000,7 @@
           <a:p>
             <a:fld id="{6D86DAEC-DC0F-4D08-909B-E4E2116F45D8}" type="datetimeFigureOut">
               <a:rPr lang="en-BE" smtClean="0"/>
-              <a:t>04/21/2023</a:t>
+              <a:t>04/23/2023</a:t>
             </a:fld>
             <a:endParaRPr lang="en-BE"/>
           </a:p>
@@ -5376,7 +5376,7 @@
           <a:p>
             <a:fld id="{6D86DAEC-DC0F-4D08-909B-E4E2116F45D8}" type="datetimeFigureOut">
               <a:rPr lang="en-BE" smtClean="0"/>
-              <a:t>04/21/2023</a:t>
+              <a:t>04/23/2023</a:t>
             </a:fld>
             <a:endParaRPr lang="en-BE"/>
           </a:p>
@@ -5882,7 +5882,7 @@
           <a:p>
             <a:fld id="{6D86DAEC-DC0F-4D08-909B-E4E2116F45D8}" type="datetimeFigureOut">
               <a:rPr lang="en-BE" smtClean="0"/>
-              <a:t>04/21/2023</a:t>
+              <a:t>04/23/2023</a:t>
             </a:fld>
             <a:endParaRPr lang="en-BE"/>
           </a:p>
@@ -6139,7 +6139,7 @@
           <a:p>
             <a:fld id="{6D86DAEC-DC0F-4D08-909B-E4E2116F45D8}" type="datetimeFigureOut">
               <a:rPr lang="en-BE" smtClean="0"/>
-              <a:t>04/21/2023</a:t>
+              <a:t>04/23/2023</a:t>
             </a:fld>
             <a:endParaRPr lang="en-BE"/>
           </a:p>
@@ -6302,7 +6302,7 @@
           <a:p>
             <a:fld id="{6D86DAEC-DC0F-4D08-909B-E4E2116F45D8}" type="datetimeFigureOut">
               <a:rPr lang="en-BE" smtClean="0"/>
-              <a:t>04/21/2023</a:t>
+              <a:t>04/23/2023</a:t>
             </a:fld>
             <a:endParaRPr lang="en-BE"/>
           </a:p>
@@ -6692,7 +6692,7 @@
           <a:p>
             <a:fld id="{6D86DAEC-DC0F-4D08-909B-E4E2116F45D8}" type="datetimeFigureOut">
               <a:rPr lang="en-BE" smtClean="0"/>
-              <a:t>04/21/2023</a:t>
+              <a:t>04/23/2023</a:t>
             </a:fld>
             <a:endParaRPr lang="en-BE"/>
           </a:p>
@@ -7101,7 +7101,7 @@
           <a:p>
             <a:fld id="{6D86DAEC-DC0F-4D08-909B-E4E2116F45D8}" type="datetimeFigureOut">
               <a:rPr lang="en-BE" smtClean="0"/>
-              <a:t>04/21/2023</a:t>
+              <a:t>04/23/2023</a:t>
             </a:fld>
             <a:endParaRPr lang="en-BE"/>
           </a:p>
@@ -7345,7 +7345,7 @@
           <a:p>
             <a:fld id="{6D86DAEC-DC0F-4D08-909B-E4E2116F45D8}" type="datetimeFigureOut">
               <a:rPr lang="en-BE" smtClean="0"/>
-              <a:t>04/21/2023</a:t>
+              <a:t>04/23/2023</a:t>
             </a:fld>
             <a:endParaRPr lang="en-BE"/>
           </a:p>
